--- a/docs/MICRO 2022/figures/Figures.pptx
+++ b/docs/MICRO 2022/figures/Figures.pptx
@@ -4,9 +4,12 @@
   <p:sldMasterIdLst>
     <p:sldMasterId id="2147483648" r:id="rId1"/>
   </p:sldMasterIdLst>
+  <p:notesMasterIdLst>
+    <p:notesMasterId r:id="rId4"/>
+  </p:notesMasterIdLst>
   <p:sldIdLst>
-    <p:sldId id="256" r:id="rId2"/>
-    <p:sldId id="257" r:id="rId3"/>
+    <p:sldId id="257" r:id="rId2"/>
+    <p:sldId id="258" r:id="rId3"/>
   </p:sldIdLst>
   <p:sldSz cx="12192000" cy="6858000"/>
   <p:notesSz cx="6858000" cy="9144000"/>
@@ -105,7 +108,362 @@
       </a:defRPr>
     </a:lvl9pPr>
   </p:defaultTextStyle>
+  <p:extLst>
+    <p:ext uri="{EFAFB233-063F-42B5-8137-9DF3F51BA10A}">
+      <p15:sldGuideLst xmlns:p15="http://schemas.microsoft.com/office/powerpoint/2012/main"/>
+    </p:ext>
+  </p:extLst>
 </p:presentation>
+</file>
+
+<file path=ppt/notesMasters/notesMaster1.xml><?xml version="1.0" encoding="utf-8"?>
+<p:notesMaster xmlns:a="http://schemas.openxmlformats.org/drawingml/2006/main" xmlns:r="http://schemas.openxmlformats.org/officeDocument/2006/relationships" xmlns:p="http://schemas.openxmlformats.org/presentationml/2006/main">
+  <p:cSld>
+    <p:bg>
+      <p:bgRef idx="1001">
+        <a:schemeClr val="bg1"/>
+      </p:bgRef>
+    </p:bg>
+    <p:spTree>
+      <p:nvGrpSpPr>
+        <p:cNvPr id="1" name=""/>
+        <p:cNvGrpSpPr/>
+        <p:nvPr/>
+      </p:nvGrpSpPr>
+      <p:grpSpPr>
+        <a:xfrm>
+          <a:off x="0" y="0"/>
+          <a:ext cx="0" cy="0"/>
+          <a:chOff x="0" y="0"/>
+          <a:chExt cx="0" cy="0"/>
+        </a:xfrm>
+      </p:grpSpPr>
+      <p:sp>
+        <p:nvSpPr>
+          <p:cNvPr id="2" name="Header Placeholder 1"/>
+          <p:cNvSpPr>
+            <a:spLocks noGrp="1"/>
+          </p:cNvSpPr>
+          <p:nvPr>
+            <p:ph type="hdr" sz="quarter"/>
+          </p:nvPr>
+        </p:nvSpPr>
+        <p:spPr>
+          <a:xfrm>
+            <a:off x="0" y="0"/>
+            <a:ext cx="2971800" cy="458788"/>
+          </a:xfrm>
+          <a:prstGeom prst="rect">
+            <a:avLst/>
+          </a:prstGeom>
+        </p:spPr>
+        <p:txBody>
+          <a:bodyPr vert="horz" lIns="91440" tIns="45720" rIns="91440" bIns="45720" rtlCol="0"/>
+          <a:lstStyle>
+            <a:lvl1pPr algn="l">
+              <a:defRPr sz="1200"/>
+            </a:lvl1pPr>
+          </a:lstStyle>
+          <a:p>
+            <a:endParaRPr lang="en-IN"/>
+          </a:p>
+        </p:txBody>
+      </p:sp>
+      <p:sp>
+        <p:nvSpPr>
+          <p:cNvPr id="3" name="Date Placeholder 2"/>
+          <p:cNvSpPr>
+            <a:spLocks noGrp="1"/>
+          </p:cNvSpPr>
+          <p:nvPr>
+            <p:ph type="dt" idx="1"/>
+          </p:nvPr>
+        </p:nvSpPr>
+        <p:spPr>
+          <a:xfrm>
+            <a:off x="3884613" y="0"/>
+            <a:ext cx="2971800" cy="458788"/>
+          </a:xfrm>
+          <a:prstGeom prst="rect">
+            <a:avLst/>
+          </a:prstGeom>
+        </p:spPr>
+        <p:txBody>
+          <a:bodyPr vert="horz" lIns="91440" tIns="45720" rIns="91440" bIns="45720" rtlCol="0"/>
+          <a:lstStyle>
+            <a:lvl1pPr algn="r">
+              <a:defRPr sz="1200"/>
+            </a:lvl1pPr>
+          </a:lstStyle>
+          <a:p>
+            <a:fld id="{B2A72FD5-2455-44B4-BA8F-3CE7C1FDCBEA}" type="datetimeFigureOut">
+              <a:rPr lang="en-IN" smtClean="0"/>
+              <a:t>16-04-2022</a:t>
+            </a:fld>
+            <a:endParaRPr lang="en-IN"/>
+          </a:p>
+        </p:txBody>
+      </p:sp>
+      <p:sp>
+        <p:nvSpPr>
+          <p:cNvPr id="4" name="Slide Image Placeholder 3"/>
+          <p:cNvSpPr>
+            <a:spLocks noGrp="1" noRot="1" noChangeAspect="1"/>
+          </p:cNvSpPr>
+          <p:nvPr>
+            <p:ph type="sldImg" idx="2"/>
+          </p:nvPr>
+        </p:nvSpPr>
+        <p:spPr>
+          <a:xfrm>
+            <a:off x="685800" y="1143000"/>
+            <a:ext cx="5486400" cy="3086100"/>
+          </a:xfrm>
+          <a:prstGeom prst="rect">
+            <a:avLst/>
+          </a:prstGeom>
+          <a:noFill/>
+          <a:ln w="12700">
+            <a:solidFill>
+              <a:prstClr val="black"/>
+            </a:solidFill>
+          </a:ln>
+        </p:spPr>
+        <p:txBody>
+          <a:bodyPr vert="horz" lIns="91440" tIns="45720" rIns="91440" bIns="45720" rtlCol="0" anchor="ctr"/>
+          <a:lstStyle/>
+          <a:p>
+            <a:endParaRPr lang="en-IN"/>
+          </a:p>
+        </p:txBody>
+      </p:sp>
+      <p:sp>
+        <p:nvSpPr>
+          <p:cNvPr id="5" name="Notes Placeholder 4"/>
+          <p:cNvSpPr>
+            <a:spLocks noGrp="1"/>
+          </p:cNvSpPr>
+          <p:nvPr>
+            <p:ph type="body" sz="quarter" idx="3"/>
+          </p:nvPr>
+        </p:nvSpPr>
+        <p:spPr>
+          <a:xfrm>
+            <a:off x="685800" y="4400550"/>
+            <a:ext cx="5486400" cy="3600450"/>
+          </a:xfrm>
+          <a:prstGeom prst="rect">
+            <a:avLst/>
+          </a:prstGeom>
+        </p:spPr>
+        <p:txBody>
+          <a:bodyPr vert="horz" lIns="91440" tIns="45720" rIns="91440" bIns="45720" rtlCol="0"/>
+          <a:lstStyle/>
+          <a:p>
+            <a:pPr lvl="0"/>
+            <a:r>
+              <a:rPr lang="en-US"/>
+              <a:t>Click to edit Master text styles</a:t>
+            </a:r>
+          </a:p>
+          <a:p>
+            <a:pPr lvl="1"/>
+            <a:r>
+              <a:rPr lang="en-US"/>
+              <a:t>Second level</a:t>
+            </a:r>
+          </a:p>
+          <a:p>
+            <a:pPr lvl="2"/>
+            <a:r>
+              <a:rPr lang="en-US"/>
+              <a:t>Third level</a:t>
+            </a:r>
+          </a:p>
+          <a:p>
+            <a:pPr lvl="3"/>
+            <a:r>
+              <a:rPr lang="en-US"/>
+              <a:t>Fourth level</a:t>
+            </a:r>
+          </a:p>
+          <a:p>
+            <a:pPr lvl="4"/>
+            <a:r>
+              <a:rPr lang="en-US"/>
+              <a:t>Fifth level</a:t>
+            </a:r>
+            <a:endParaRPr lang="en-IN"/>
+          </a:p>
+        </p:txBody>
+      </p:sp>
+      <p:sp>
+        <p:nvSpPr>
+          <p:cNvPr id="6" name="Footer Placeholder 5"/>
+          <p:cNvSpPr>
+            <a:spLocks noGrp="1"/>
+          </p:cNvSpPr>
+          <p:nvPr>
+            <p:ph type="ftr" sz="quarter" idx="4"/>
+          </p:nvPr>
+        </p:nvSpPr>
+        <p:spPr>
+          <a:xfrm>
+            <a:off x="0" y="8685213"/>
+            <a:ext cx="2971800" cy="458787"/>
+          </a:xfrm>
+          <a:prstGeom prst="rect">
+            <a:avLst/>
+          </a:prstGeom>
+        </p:spPr>
+        <p:txBody>
+          <a:bodyPr vert="horz" lIns="91440" tIns="45720" rIns="91440" bIns="45720" rtlCol="0" anchor="b"/>
+          <a:lstStyle>
+            <a:lvl1pPr algn="l">
+              <a:defRPr sz="1200"/>
+            </a:lvl1pPr>
+          </a:lstStyle>
+          <a:p>
+            <a:endParaRPr lang="en-IN"/>
+          </a:p>
+        </p:txBody>
+      </p:sp>
+      <p:sp>
+        <p:nvSpPr>
+          <p:cNvPr id="7" name="Slide Number Placeholder 6"/>
+          <p:cNvSpPr>
+            <a:spLocks noGrp="1"/>
+          </p:cNvSpPr>
+          <p:nvPr>
+            <p:ph type="sldNum" sz="quarter" idx="5"/>
+          </p:nvPr>
+        </p:nvSpPr>
+        <p:spPr>
+          <a:xfrm>
+            <a:off x="3884613" y="8685213"/>
+            <a:ext cx="2971800" cy="458787"/>
+          </a:xfrm>
+          <a:prstGeom prst="rect">
+            <a:avLst/>
+          </a:prstGeom>
+        </p:spPr>
+        <p:txBody>
+          <a:bodyPr vert="horz" lIns="91440" tIns="45720" rIns="91440" bIns="45720" rtlCol="0" anchor="b"/>
+          <a:lstStyle>
+            <a:lvl1pPr algn="r">
+              <a:defRPr sz="1200"/>
+            </a:lvl1pPr>
+          </a:lstStyle>
+          <a:p>
+            <a:fld id="{C37FC8F0-3C91-42A8-83EF-C01A88C87085}" type="slidenum">
+              <a:rPr lang="en-IN" smtClean="0"/>
+              <a:t>‹#›</a:t>
+            </a:fld>
+            <a:endParaRPr lang="en-IN"/>
+          </a:p>
+        </p:txBody>
+      </p:sp>
+    </p:spTree>
+    <p:extLst>
+      <p:ext uri="{BB962C8B-B14F-4D97-AF65-F5344CB8AC3E}">
+        <p14:creationId xmlns:p14="http://schemas.microsoft.com/office/powerpoint/2010/main" val="1690453538"/>
+      </p:ext>
+    </p:extLst>
+  </p:cSld>
+  <p:clrMap bg1="lt1" tx1="dk1" bg2="lt2" tx2="dk2" accent1="accent1" accent2="accent2" accent3="accent3" accent4="accent4" accent5="accent5" accent6="accent6" hlink="hlink" folHlink="folHlink"/>
+  <p:notesStyle>
+    <a:lvl1pPr marL="0" algn="l" defTabSz="914400" rtl="0" eaLnBrk="1" latinLnBrk="0" hangingPunct="1">
+      <a:defRPr sz="1200" kern="1200">
+        <a:solidFill>
+          <a:schemeClr val="tx1"/>
+        </a:solidFill>
+        <a:latin typeface="+mn-lt"/>
+        <a:ea typeface="+mn-ea"/>
+        <a:cs typeface="+mn-cs"/>
+      </a:defRPr>
+    </a:lvl1pPr>
+    <a:lvl2pPr marL="457200" algn="l" defTabSz="914400" rtl="0" eaLnBrk="1" latinLnBrk="0" hangingPunct="1">
+      <a:defRPr sz="1200" kern="1200">
+        <a:solidFill>
+          <a:schemeClr val="tx1"/>
+        </a:solidFill>
+        <a:latin typeface="+mn-lt"/>
+        <a:ea typeface="+mn-ea"/>
+        <a:cs typeface="+mn-cs"/>
+      </a:defRPr>
+    </a:lvl2pPr>
+    <a:lvl3pPr marL="914400" algn="l" defTabSz="914400" rtl="0" eaLnBrk="1" latinLnBrk="0" hangingPunct="1">
+      <a:defRPr sz="1200" kern="1200">
+        <a:solidFill>
+          <a:schemeClr val="tx1"/>
+        </a:solidFill>
+        <a:latin typeface="+mn-lt"/>
+        <a:ea typeface="+mn-ea"/>
+        <a:cs typeface="+mn-cs"/>
+      </a:defRPr>
+    </a:lvl3pPr>
+    <a:lvl4pPr marL="1371600" algn="l" defTabSz="914400" rtl="0" eaLnBrk="1" latinLnBrk="0" hangingPunct="1">
+      <a:defRPr sz="1200" kern="1200">
+        <a:solidFill>
+          <a:schemeClr val="tx1"/>
+        </a:solidFill>
+        <a:latin typeface="+mn-lt"/>
+        <a:ea typeface="+mn-ea"/>
+        <a:cs typeface="+mn-cs"/>
+      </a:defRPr>
+    </a:lvl4pPr>
+    <a:lvl5pPr marL="1828800" algn="l" defTabSz="914400" rtl="0" eaLnBrk="1" latinLnBrk="0" hangingPunct="1">
+      <a:defRPr sz="1200" kern="1200">
+        <a:solidFill>
+          <a:schemeClr val="tx1"/>
+        </a:solidFill>
+        <a:latin typeface="+mn-lt"/>
+        <a:ea typeface="+mn-ea"/>
+        <a:cs typeface="+mn-cs"/>
+      </a:defRPr>
+    </a:lvl5pPr>
+    <a:lvl6pPr marL="2286000" algn="l" defTabSz="914400" rtl="0" eaLnBrk="1" latinLnBrk="0" hangingPunct="1">
+      <a:defRPr sz="1200" kern="1200">
+        <a:solidFill>
+          <a:schemeClr val="tx1"/>
+        </a:solidFill>
+        <a:latin typeface="+mn-lt"/>
+        <a:ea typeface="+mn-ea"/>
+        <a:cs typeface="+mn-cs"/>
+      </a:defRPr>
+    </a:lvl6pPr>
+    <a:lvl7pPr marL="2743200" algn="l" defTabSz="914400" rtl="0" eaLnBrk="1" latinLnBrk="0" hangingPunct="1">
+      <a:defRPr sz="1200" kern="1200">
+        <a:solidFill>
+          <a:schemeClr val="tx1"/>
+        </a:solidFill>
+        <a:latin typeface="+mn-lt"/>
+        <a:ea typeface="+mn-ea"/>
+        <a:cs typeface="+mn-cs"/>
+      </a:defRPr>
+    </a:lvl7pPr>
+    <a:lvl8pPr marL="3200400" algn="l" defTabSz="914400" rtl="0" eaLnBrk="1" latinLnBrk="0" hangingPunct="1">
+      <a:defRPr sz="1200" kern="1200">
+        <a:solidFill>
+          <a:schemeClr val="tx1"/>
+        </a:solidFill>
+        <a:latin typeface="+mn-lt"/>
+        <a:ea typeface="+mn-ea"/>
+        <a:cs typeface="+mn-cs"/>
+      </a:defRPr>
+    </a:lvl8pPr>
+    <a:lvl9pPr marL="3657600" algn="l" defTabSz="914400" rtl="0" eaLnBrk="1" latinLnBrk="0" hangingPunct="1">
+      <a:defRPr sz="1200" kern="1200">
+        <a:solidFill>
+          <a:schemeClr val="tx1"/>
+        </a:solidFill>
+        <a:latin typeface="+mn-lt"/>
+        <a:ea typeface="+mn-ea"/>
+        <a:cs typeface="+mn-cs"/>
+      </a:defRPr>
+    </a:lvl9pPr>
+  </p:notesStyle>
+</p:notesMaster>
 </file>
 
 <file path=ppt/slideLayouts/slideLayout1.xml><?xml version="1.0" encoding="utf-8"?>
@@ -257,7 +615,7 @@
           <a:p>
             <a:fld id="{3D486654-0AA5-412D-8B84-E4540972BFBD}" type="datetimeFigureOut">
               <a:rPr lang="en-IN" smtClean="0"/>
-              <a:t>11-04-2022</a:t>
+              <a:t>16-04-2022</a:t>
             </a:fld>
             <a:endParaRPr lang="en-IN"/>
           </a:p>
@@ -457,7 +815,7 @@
           <a:p>
             <a:fld id="{3D486654-0AA5-412D-8B84-E4540972BFBD}" type="datetimeFigureOut">
               <a:rPr lang="en-IN" smtClean="0"/>
-              <a:t>11-04-2022</a:t>
+              <a:t>16-04-2022</a:t>
             </a:fld>
             <a:endParaRPr lang="en-IN"/>
           </a:p>
@@ -667,7 +1025,7 @@
           <a:p>
             <a:fld id="{3D486654-0AA5-412D-8B84-E4540972BFBD}" type="datetimeFigureOut">
               <a:rPr lang="en-IN" smtClean="0"/>
-              <a:t>11-04-2022</a:t>
+              <a:t>16-04-2022</a:t>
             </a:fld>
             <a:endParaRPr lang="en-IN"/>
           </a:p>
@@ -867,7 +1225,7 @@
           <a:p>
             <a:fld id="{3D486654-0AA5-412D-8B84-E4540972BFBD}" type="datetimeFigureOut">
               <a:rPr lang="en-IN" smtClean="0"/>
-              <a:t>11-04-2022</a:t>
+              <a:t>16-04-2022</a:t>
             </a:fld>
             <a:endParaRPr lang="en-IN"/>
           </a:p>
@@ -1143,7 +1501,7 @@
           <a:p>
             <a:fld id="{3D486654-0AA5-412D-8B84-E4540972BFBD}" type="datetimeFigureOut">
               <a:rPr lang="en-IN" smtClean="0"/>
-              <a:t>11-04-2022</a:t>
+              <a:t>16-04-2022</a:t>
             </a:fld>
             <a:endParaRPr lang="en-IN"/>
           </a:p>
@@ -1411,7 +1769,7 @@
           <a:p>
             <a:fld id="{3D486654-0AA5-412D-8B84-E4540972BFBD}" type="datetimeFigureOut">
               <a:rPr lang="en-IN" smtClean="0"/>
-              <a:t>11-04-2022</a:t>
+              <a:t>16-04-2022</a:t>
             </a:fld>
             <a:endParaRPr lang="en-IN"/>
           </a:p>
@@ -1826,7 +2184,7 @@
           <a:p>
             <a:fld id="{3D486654-0AA5-412D-8B84-E4540972BFBD}" type="datetimeFigureOut">
               <a:rPr lang="en-IN" smtClean="0"/>
-              <a:t>11-04-2022</a:t>
+              <a:t>16-04-2022</a:t>
             </a:fld>
             <a:endParaRPr lang="en-IN"/>
           </a:p>
@@ -1968,7 +2326,7 @@
           <a:p>
             <a:fld id="{3D486654-0AA5-412D-8B84-E4540972BFBD}" type="datetimeFigureOut">
               <a:rPr lang="en-IN" smtClean="0"/>
-              <a:t>11-04-2022</a:t>
+              <a:t>16-04-2022</a:t>
             </a:fld>
             <a:endParaRPr lang="en-IN"/>
           </a:p>
@@ -2081,7 +2439,7 @@
           <a:p>
             <a:fld id="{3D486654-0AA5-412D-8B84-E4540972BFBD}" type="datetimeFigureOut">
               <a:rPr lang="en-IN" smtClean="0"/>
-              <a:t>11-04-2022</a:t>
+              <a:t>16-04-2022</a:t>
             </a:fld>
             <a:endParaRPr lang="en-IN"/>
           </a:p>
@@ -2394,7 +2752,7 @@
           <a:p>
             <a:fld id="{3D486654-0AA5-412D-8B84-E4540972BFBD}" type="datetimeFigureOut">
               <a:rPr lang="en-IN" smtClean="0"/>
-              <a:t>11-04-2022</a:t>
+              <a:t>16-04-2022</a:t>
             </a:fld>
             <a:endParaRPr lang="en-IN"/>
           </a:p>
@@ -2683,7 +3041,7 @@
           <a:p>
             <a:fld id="{3D486654-0AA5-412D-8B84-E4540972BFBD}" type="datetimeFigureOut">
               <a:rPr lang="en-IN" smtClean="0"/>
-              <a:t>11-04-2022</a:t>
+              <a:t>16-04-2022</a:t>
             </a:fld>
             <a:endParaRPr lang="en-IN"/>
           </a:p>
@@ -2926,7 +3284,7 @@
           <a:p>
             <a:fld id="{3D486654-0AA5-412D-8B84-E4540972BFBD}" type="datetimeFigureOut">
               <a:rPr lang="en-IN" smtClean="0"/>
-              <a:t>11-04-2022</a:t>
+              <a:t>16-04-2022</a:t>
             </a:fld>
             <a:endParaRPr lang="en-IN"/>
           </a:p>
@@ -3392,86 +3750,6 @@
       </p:grpSpPr>
       <p:sp>
         <p:nvSpPr>
-          <p:cNvPr id="2" name="Title 1">
-            <a:extLst>
-              <a:ext uri="{FF2B5EF4-FFF2-40B4-BE49-F238E27FC236}">
-                <a16:creationId xmlns:a16="http://schemas.microsoft.com/office/drawing/2014/main" id="{E4C059F0-087E-43D5-84F7-497AF699D6CB}"/>
-              </a:ext>
-            </a:extLst>
-          </p:cNvPr>
-          <p:cNvSpPr>
-            <a:spLocks noGrp="1"/>
-          </p:cNvSpPr>
-          <p:nvPr>
-            <p:ph type="ctrTitle"/>
-          </p:nvPr>
-        </p:nvSpPr>
-        <p:spPr/>
-        <p:txBody>
-          <a:bodyPr/>
-          <a:lstStyle/>
-          <a:p>
-            <a:endParaRPr lang="en-IN"/>
-          </a:p>
-        </p:txBody>
-      </p:sp>
-      <p:sp>
-        <p:nvSpPr>
-          <p:cNvPr id="3" name="Subtitle 2">
-            <a:extLst>
-              <a:ext uri="{FF2B5EF4-FFF2-40B4-BE49-F238E27FC236}">
-                <a16:creationId xmlns:a16="http://schemas.microsoft.com/office/drawing/2014/main" id="{D6DCCA09-9C16-4D9D-AE08-37051C33BFBA}"/>
-              </a:ext>
-            </a:extLst>
-          </p:cNvPr>
-          <p:cNvSpPr>
-            <a:spLocks noGrp="1"/>
-          </p:cNvSpPr>
-          <p:nvPr>
-            <p:ph type="subTitle" idx="1"/>
-          </p:nvPr>
-        </p:nvSpPr>
-        <p:spPr/>
-        <p:txBody>
-          <a:bodyPr/>
-          <a:lstStyle/>
-          <a:p>
-            <a:endParaRPr lang="en-IN"/>
-          </a:p>
-        </p:txBody>
-      </p:sp>
-    </p:spTree>
-    <p:extLst>
-      <p:ext uri="{BB962C8B-B14F-4D97-AF65-F5344CB8AC3E}">
-        <p14:creationId xmlns:p14="http://schemas.microsoft.com/office/powerpoint/2010/main" val="3851677981"/>
-      </p:ext>
-    </p:extLst>
-  </p:cSld>
-  <p:clrMapOvr>
-    <a:masterClrMapping/>
-  </p:clrMapOvr>
-</p:sld>
-</file>
-
-<file path=ppt/slides/slide2.xml><?xml version="1.0" encoding="utf-8"?>
-<p:sld xmlns:a="http://schemas.openxmlformats.org/drawingml/2006/main" xmlns:r="http://schemas.openxmlformats.org/officeDocument/2006/relationships" xmlns:p="http://schemas.openxmlformats.org/presentationml/2006/main">
-  <p:cSld>
-    <p:spTree>
-      <p:nvGrpSpPr>
-        <p:cNvPr id="1" name=""/>
-        <p:cNvGrpSpPr/>
-        <p:nvPr/>
-      </p:nvGrpSpPr>
-      <p:grpSpPr>
-        <a:xfrm>
-          <a:off x="0" y="0"/>
-          <a:ext cx="0" cy="0"/>
-          <a:chOff x="0" y="0"/>
-          <a:chExt cx="0" cy="0"/>
-        </a:xfrm>
-      </p:grpSpPr>
-      <p:sp>
-        <p:nvSpPr>
           <p:cNvPr id="21" name="Rectangle: Rounded Corners 20">
             <a:extLst>
               <a:ext uri="{FF2B5EF4-FFF2-40B4-BE49-F238E27FC236}">
@@ -4171,6 +4449,7218 @@
     <p:extLst>
       <p:ext uri="{BB962C8B-B14F-4D97-AF65-F5344CB8AC3E}">
         <p14:creationId xmlns:p14="http://schemas.microsoft.com/office/powerpoint/2010/main" val="3950528945"/>
+      </p:ext>
+    </p:extLst>
+  </p:cSld>
+  <p:clrMapOvr>
+    <a:masterClrMapping/>
+  </p:clrMapOvr>
+</p:sld>
+</file>
+
+<file path=ppt/slides/slide2.xml><?xml version="1.0" encoding="utf-8"?>
+<p:sld xmlns:a="http://schemas.openxmlformats.org/drawingml/2006/main" xmlns:r="http://schemas.openxmlformats.org/officeDocument/2006/relationships" xmlns:p="http://schemas.openxmlformats.org/presentationml/2006/main">
+  <p:cSld>
+    <p:spTree>
+      <p:nvGrpSpPr>
+        <p:cNvPr id="1" name=""/>
+        <p:cNvGrpSpPr/>
+        <p:nvPr/>
+      </p:nvGrpSpPr>
+      <p:grpSpPr>
+        <a:xfrm>
+          <a:off x="0" y="0"/>
+          <a:ext cx="0" cy="0"/>
+          <a:chOff x="0" y="0"/>
+          <a:chExt cx="0" cy="0"/>
+        </a:xfrm>
+      </p:grpSpPr>
+      <p:sp>
+        <p:nvSpPr>
+          <p:cNvPr id="168" name="Rectangle 167">
+            <a:extLst>
+              <a:ext uri="{FF2B5EF4-FFF2-40B4-BE49-F238E27FC236}">
+                <a16:creationId xmlns:a16="http://schemas.microsoft.com/office/drawing/2014/main" id="{A04F7420-3B94-4910-9CFC-480874ED76B3}"/>
+              </a:ext>
+            </a:extLst>
+          </p:cNvPr>
+          <p:cNvSpPr/>
+          <p:nvPr/>
+        </p:nvSpPr>
+        <p:spPr>
+          <a:xfrm>
+            <a:off x="213360" y="4782702"/>
+            <a:ext cx="9517380" cy="1974393"/>
+          </a:xfrm>
+          <a:prstGeom prst="rect">
+            <a:avLst/>
+          </a:prstGeom>
+          <a:solidFill>
+            <a:srgbClr val="F1F8EC"/>
+          </a:solidFill>
+        </p:spPr>
+        <p:style>
+          <a:lnRef idx="2">
+            <a:schemeClr val="accent1">
+              <a:shade val="50000"/>
+            </a:schemeClr>
+          </a:lnRef>
+          <a:fillRef idx="1">
+            <a:schemeClr val="accent1"/>
+          </a:fillRef>
+          <a:effectRef idx="0">
+            <a:schemeClr val="accent1"/>
+          </a:effectRef>
+          <a:fontRef idx="minor">
+            <a:schemeClr val="lt1"/>
+          </a:fontRef>
+        </p:style>
+        <p:txBody>
+          <a:bodyPr rtlCol="0" anchor="ctr"/>
+          <a:lstStyle/>
+          <a:p>
+            <a:pPr algn="ctr"/>
+            <a:endParaRPr lang="en-IN"/>
+          </a:p>
+        </p:txBody>
+      </p:sp>
+      <p:sp>
+        <p:nvSpPr>
+          <p:cNvPr id="167" name="Rectangle 166">
+            <a:extLst>
+              <a:ext uri="{FF2B5EF4-FFF2-40B4-BE49-F238E27FC236}">
+                <a16:creationId xmlns:a16="http://schemas.microsoft.com/office/drawing/2014/main" id="{CF92BAF8-31FD-4A54-A879-9652433D44D7}"/>
+              </a:ext>
+            </a:extLst>
+          </p:cNvPr>
+          <p:cNvSpPr/>
+          <p:nvPr/>
+        </p:nvSpPr>
+        <p:spPr>
+          <a:xfrm>
+            <a:off x="213360" y="2629224"/>
+            <a:ext cx="9517380" cy="2148516"/>
+          </a:xfrm>
+          <a:prstGeom prst="rect">
+            <a:avLst/>
+          </a:prstGeom>
+          <a:solidFill>
+            <a:srgbClr val="EDF1F9"/>
+          </a:solidFill>
+        </p:spPr>
+        <p:style>
+          <a:lnRef idx="2">
+            <a:schemeClr val="accent1">
+              <a:shade val="50000"/>
+            </a:schemeClr>
+          </a:lnRef>
+          <a:fillRef idx="1">
+            <a:schemeClr val="accent1"/>
+          </a:fillRef>
+          <a:effectRef idx="0">
+            <a:schemeClr val="accent1"/>
+          </a:effectRef>
+          <a:fontRef idx="minor">
+            <a:schemeClr val="lt1"/>
+          </a:fontRef>
+        </p:style>
+        <p:txBody>
+          <a:bodyPr rtlCol="0" anchor="ctr"/>
+          <a:lstStyle/>
+          <a:p>
+            <a:pPr algn="ctr"/>
+            <a:endParaRPr lang="en-IN"/>
+          </a:p>
+        </p:txBody>
+      </p:sp>
+      <p:sp>
+        <p:nvSpPr>
+          <p:cNvPr id="166" name="Rectangle 165">
+            <a:extLst>
+              <a:ext uri="{FF2B5EF4-FFF2-40B4-BE49-F238E27FC236}">
+                <a16:creationId xmlns:a16="http://schemas.microsoft.com/office/drawing/2014/main" id="{8F09F480-6B6B-47EA-BC4D-FA9958862451}"/>
+              </a:ext>
+            </a:extLst>
+          </p:cNvPr>
+          <p:cNvSpPr/>
+          <p:nvPr/>
+        </p:nvSpPr>
+        <p:spPr>
+          <a:xfrm>
+            <a:off x="213360" y="869345"/>
+            <a:ext cx="9517380" cy="1765387"/>
+          </a:xfrm>
+          <a:prstGeom prst="rect">
+            <a:avLst/>
+          </a:prstGeom>
+          <a:solidFill>
+            <a:srgbClr val="F1F8EC"/>
+          </a:solidFill>
+        </p:spPr>
+        <p:style>
+          <a:lnRef idx="2">
+            <a:schemeClr val="accent1">
+              <a:shade val="50000"/>
+            </a:schemeClr>
+          </a:lnRef>
+          <a:fillRef idx="1">
+            <a:schemeClr val="accent1"/>
+          </a:fillRef>
+          <a:effectRef idx="0">
+            <a:schemeClr val="accent1"/>
+          </a:effectRef>
+          <a:fontRef idx="minor">
+            <a:schemeClr val="lt1"/>
+          </a:fontRef>
+        </p:style>
+        <p:txBody>
+          <a:bodyPr rtlCol="0" anchor="ctr"/>
+          <a:lstStyle/>
+          <a:p>
+            <a:pPr algn="ctr"/>
+            <a:endParaRPr lang="en-IN"/>
+          </a:p>
+        </p:txBody>
+      </p:sp>
+      <p:sp>
+        <p:nvSpPr>
+          <p:cNvPr id="165" name="Rectangle 164">
+            <a:extLst>
+              <a:ext uri="{FF2B5EF4-FFF2-40B4-BE49-F238E27FC236}">
+                <a16:creationId xmlns:a16="http://schemas.microsoft.com/office/drawing/2014/main" id="{546AA82E-3ADA-4E79-AFB4-715F2B30F2A0}"/>
+              </a:ext>
+            </a:extLst>
+          </p:cNvPr>
+          <p:cNvSpPr/>
+          <p:nvPr/>
+        </p:nvSpPr>
+        <p:spPr>
+          <a:xfrm>
+            <a:off x="213360" y="100905"/>
+            <a:ext cx="9517380" cy="768440"/>
+          </a:xfrm>
+          <a:prstGeom prst="rect">
+            <a:avLst/>
+          </a:prstGeom>
+          <a:solidFill>
+            <a:srgbClr val="EDF1F9"/>
+          </a:solidFill>
+        </p:spPr>
+        <p:style>
+          <a:lnRef idx="2">
+            <a:schemeClr val="accent1">
+              <a:shade val="50000"/>
+            </a:schemeClr>
+          </a:lnRef>
+          <a:fillRef idx="1">
+            <a:schemeClr val="accent1"/>
+          </a:fillRef>
+          <a:effectRef idx="0">
+            <a:schemeClr val="accent1"/>
+          </a:effectRef>
+          <a:fontRef idx="minor">
+            <a:schemeClr val="lt1"/>
+          </a:fontRef>
+        </p:style>
+        <p:txBody>
+          <a:bodyPr rtlCol="0" anchor="ctr"/>
+          <a:lstStyle/>
+          <a:p>
+            <a:pPr algn="ctr"/>
+            <a:endParaRPr lang="en-IN"/>
+          </a:p>
+        </p:txBody>
+      </p:sp>
+      <p:sp>
+        <p:nvSpPr>
+          <p:cNvPr id="148" name="Oval 147">
+            <a:extLst>
+              <a:ext uri="{FF2B5EF4-FFF2-40B4-BE49-F238E27FC236}">
+                <a16:creationId xmlns:a16="http://schemas.microsoft.com/office/drawing/2014/main" id="{87722914-ED37-45C9-8E5A-51E6206C9FCD}"/>
+              </a:ext>
+            </a:extLst>
+          </p:cNvPr>
+          <p:cNvSpPr/>
+          <p:nvPr/>
+        </p:nvSpPr>
+        <p:spPr>
+          <a:xfrm>
+            <a:off x="8822531" y="1652588"/>
+            <a:ext cx="354336" cy="335756"/>
+          </a:xfrm>
+          <a:prstGeom prst="ellipse">
+            <a:avLst/>
+          </a:prstGeom>
+          <a:solidFill>
+            <a:schemeClr val="accent6">
+              <a:lumMod val="20000"/>
+              <a:lumOff val="80000"/>
+            </a:schemeClr>
+          </a:solidFill>
+          <a:ln>
+            <a:solidFill>
+              <a:schemeClr val="accent6"/>
+            </a:solidFill>
+          </a:ln>
+        </p:spPr>
+        <p:style>
+          <a:lnRef idx="2">
+            <a:schemeClr val="accent1">
+              <a:shade val="50000"/>
+            </a:schemeClr>
+          </a:lnRef>
+          <a:fillRef idx="1">
+            <a:schemeClr val="accent1"/>
+          </a:fillRef>
+          <a:effectRef idx="0">
+            <a:schemeClr val="accent1"/>
+          </a:effectRef>
+          <a:fontRef idx="minor">
+            <a:schemeClr val="lt1"/>
+          </a:fontRef>
+        </p:style>
+        <p:txBody>
+          <a:bodyPr rtlCol="0" anchor="ctr"/>
+          <a:lstStyle/>
+          <a:p>
+            <a:pPr algn="ctr"/>
+            <a:endParaRPr lang="en-IN"/>
+          </a:p>
+        </p:txBody>
+      </p:sp>
+      <p:sp>
+        <p:nvSpPr>
+          <p:cNvPr id="147" name="Oval 146">
+            <a:extLst>
+              <a:ext uri="{FF2B5EF4-FFF2-40B4-BE49-F238E27FC236}">
+                <a16:creationId xmlns:a16="http://schemas.microsoft.com/office/drawing/2014/main" id="{F861B562-1555-44FF-9197-B2C4E6F22DAD}"/>
+              </a:ext>
+            </a:extLst>
+          </p:cNvPr>
+          <p:cNvSpPr/>
+          <p:nvPr/>
+        </p:nvSpPr>
+        <p:spPr>
+          <a:xfrm rot="2588115">
+            <a:off x="8294010" y="1251572"/>
+            <a:ext cx="372992" cy="816301"/>
+          </a:xfrm>
+          <a:prstGeom prst="ellipse">
+            <a:avLst/>
+          </a:prstGeom>
+          <a:solidFill>
+            <a:schemeClr val="accent1">
+              <a:lumMod val="20000"/>
+              <a:lumOff val="80000"/>
+            </a:schemeClr>
+          </a:solidFill>
+        </p:spPr>
+        <p:style>
+          <a:lnRef idx="2">
+            <a:schemeClr val="accent1">
+              <a:shade val="50000"/>
+            </a:schemeClr>
+          </a:lnRef>
+          <a:fillRef idx="1">
+            <a:schemeClr val="accent1"/>
+          </a:fillRef>
+          <a:effectRef idx="0">
+            <a:schemeClr val="accent1"/>
+          </a:effectRef>
+          <a:fontRef idx="minor">
+            <a:schemeClr val="lt1"/>
+          </a:fontRef>
+        </p:style>
+        <p:txBody>
+          <a:bodyPr rtlCol="0" anchor="ctr"/>
+          <a:lstStyle/>
+          <a:p>
+            <a:pPr algn="ctr"/>
+            <a:endParaRPr lang="en-IN"/>
+          </a:p>
+        </p:txBody>
+      </p:sp>
+      <p:sp>
+        <p:nvSpPr>
+          <p:cNvPr id="146" name="Oval 145">
+            <a:extLst>
+              <a:ext uri="{FF2B5EF4-FFF2-40B4-BE49-F238E27FC236}">
+                <a16:creationId xmlns:a16="http://schemas.microsoft.com/office/drawing/2014/main" id="{127056B2-0C76-4DFB-956C-176193BA09E8}"/>
+              </a:ext>
+            </a:extLst>
+          </p:cNvPr>
+          <p:cNvSpPr/>
+          <p:nvPr/>
+        </p:nvSpPr>
+        <p:spPr>
+          <a:xfrm rot="18995638">
+            <a:off x="7178066" y="1272093"/>
+            <a:ext cx="372992" cy="816301"/>
+          </a:xfrm>
+          <a:prstGeom prst="ellipse">
+            <a:avLst/>
+          </a:prstGeom>
+          <a:solidFill>
+            <a:schemeClr val="accent1">
+              <a:lumMod val="20000"/>
+              <a:lumOff val="80000"/>
+            </a:schemeClr>
+          </a:solidFill>
+        </p:spPr>
+        <p:style>
+          <a:lnRef idx="2">
+            <a:schemeClr val="accent1">
+              <a:shade val="50000"/>
+            </a:schemeClr>
+          </a:lnRef>
+          <a:fillRef idx="1">
+            <a:schemeClr val="accent1"/>
+          </a:fillRef>
+          <a:effectRef idx="0">
+            <a:schemeClr val="accent1"/>
+          </a:effectRef>
+          <a:fontRef idx="minor">
+            <a:schemeClr val="lt1"/>
+          </a:fontRef>
+        </p:style>
+        <p:txBody>
+          <a:bodyPr rtlCol="0" anchor="ctr"/>
+          <a:lstStyle/>
+          <a:p>
+            <a:pPr algn="ctr"/>
+            <a:endParaRPr lang="en-IN"/>
+          </a:p>
+        </p:txBody>
+      </p:sp>
+      <p:sp>
+        <p:nvSpPr>
+          <p:cNvPr id="145" name="Oval 144">
+            <a:extLst>
+              <a:ext uri="{FF2B5EF4-FFF2-40B4-BE49-F238E27FC236}">
+                <a16:creationId xmlns:a16="http://schemas.microsoft.com/office/drawing/2014/main" id="{F58CC296-BB33-4383-BA57-AF6B756CBE28}"/>
+              </a:ext>
+            </a:extLst>
+          </p:cNvPr>
+          <p:cNvSpPr/>
+          <p:nvPr/>
+        </p:nvSpPr>
+        <p:spPr>
+          <a:xfrm rot="2588115">
+            <a:off x="5767494" y="1271412"/>
+            <a:ext cx="372992" cy="816301"/>
+          </a:xfrm>
+          <a:prstGeom prst="ellipse">
+            <a:avLst/>
+          </a:prstGeom>
+          <a:solidFill>
+            <a:schemeClr val="accent1">
+              <a:lumMod val="20000"/>
+              <a:lumOff val="80000"/>
+            </a:schemeClr>
+          </a:solidFill>
+        </p:spPr>
+        <p:style>
+          <a:lnRef idx="2">
+            <a:schemeClr val="accent1">
+              <a:shade val="50000"/>
+            </a:schemeClr>
+          </a:lnRef>
+          <a:fillRef idx="1">
+            <a:schemeClr val="accent1"/>
+          </a:fillRef>
+          <a:effectRef idx="0">
+            <a:schemeClr val="accent1"/>
+          </a:effectRef>
+          <a:fontRef idx="minor">
+            <a:schemeClr val="lt1"/>
+          </a:fontRef>
+        </p:style>
+        <p:txBody>
+          <a:bodyPr rtlCol="0" anchor="ctr"/>
+          <a:lstStyle/>
+          <a:p>
+            <a:pPr algn="ctr"/>
+            <a:endParaRPr lang="en-IN"/>
+          </a:p>
+        </p:txBody>
+      </p:sp>
+      <p:sp>
+        <p:nvSpPr>
+          <p:cNvPr id="4" name="Rectangle: Rounded Corners 3">
+            <a:extLst>
+              <a:ext uri="{FF2B5EF4-FFF2-40B4-BE49-F238E27FC236}">
+                <a16:creationId xmlns:a16="http://schemas.microsoft.com/office/drawing/2014/main" id="{0D6D9C50-1EB3-42AD-AB20-5ED846D78778}"/>
+              </a:ext>
+            </a:extLst>
+          </p:cNvPr>
+          <p:cNvSpPr/>
+          <p:nvPr/>
+        </p:nvSpPr>
+        <p:spPr>
+          <a:xfrm>
+            <a:off x="1800415" y="261944"/>
+            <a:ext cx="6696075" cy="542925"/>
+          </a:xfrm>
+          <a:prstGeom prst="roundRect">
+            <a:avLst/>
+          </a:prstGeom>
+          <a:noFill/>
+        </p:spPr>
+        <p:style>
+          <a:lnRef idx="2">
+            <a:schemeClr val="accent1">
+              <a:shade val="50000"/>
+            </a:schemeClr>
+          </a:lnRef>
+          <a:fillRef idx="1">
+            <a:schemeClr val="accent1"/>
+          </a:fillRef>
+          <a:effectRef idx="0">
+            <a:schemeClr val="accent1"/>
+          </a:effectRef>
+          <a:fontRef idx="minor">
+            <a:schemeClr val="lt1"/>
+          </a:fontRef>
+        </p:style>
+        <p:txBody>
+          <a:bodyPr rtlCol="0" anchor="ctr"/>
+          <a:lstStyle/>
+          <a:p>
+            <a:r>
+              <a:rPr lang="en-IN" sz="1400" b="0" dirty="0" err="1">
+                <a:solidFill>
+                  <a:srgbClr val="001080"/>
+                </a:solidFill>
+                <a:effectLst/>
+                <a:latin typeface="Consolas" panose="020B0609020204030204" pitchFamily="49" charset="0"/>
+              </a:rPr>
+              <a:t>inferenceRunner</a:t>
+            </a:r>
+            <a:r>
+              <a:rPr lang="en-IN" sz="1400" b="0" dirty="0">
+                <a:solidFill>
+                  <a:srgbClr val="000000"/>
+                </a:solidFill>
+                <a:effectLst/>
+                <a:latin typeface="Consolas" panose="020B0609020204030204" pitchFamily="49" charset="0"/>
+              </a:rPr>
+              <a:t> = </a:t>
+            </a:r>
+            <a:r>
+              <a:rPr lang="en-IN" sz="1400" b="0" dirty="0" err="1">
+                <a:solidFill>
+                  <a:srgbClr val="267F99"/>
+                </a:solidFill>
+                <a:effectLst/>
+                <a:latin typeface="Consolas" panose="020B0609020204030204" pitchFamily="49" charset="0"/>
+              </a:rPr>
+              <a:t>treebeard</a:t>
+            </a:r>
+            <a:r>
+              <a:rPr lang="en-IN" sz="1400" b="0" dirty="0" err="1">
+                <a:solidFill>
+                  <a:srgbClr val="000000"/>
+                </a:solidFill>
+                <a:effectLst/>
+                <a:latin typeface="Consolas" panose="020B0609020204030204" pitchFamily="49" charset="0"/>
+              </a:rPr>
+              <a:t>.FromModelFile</a:t>
+            </a:r>
+            <a:r>
+              <a:rPr lang="en-IN" sz="1400" b="0" dirty="0">
+                <a:solidFill>
+                  <a:srgbClr val="000000"/>
+                </a:solidFill>
+                <a:effectLst/>
+                <a:latin typeface="Consolas" panose="020B0609020204030204" pitchFamily="49" charset="0"/>
+              </a:rPr>
+              <a:t>(</a:t>
+            </a:r>
+            <a:r>
+              <a:rPr lang="en-IN" sz="1400" b="0" dirty="0" err="1">
+                <a:solidFill>
+                  <a:srgbClr val="001080"/>
+                </a:solidFill>
+                <a:effectLst/>
+                <a:latin typeface="Consolas" panose="020B0609020204030204" pitchFamily="49" charset="0"/>
+              </a:rPr>
+              <a:t>modelFile</a:t>
+            </a:r>
+            <a:r>
+              <a:rPr lang="en-IN" sz="1400" b="0" dirty="0">
+                <a:solidFill>
+                  <a:srgbClr val="000000"/>
+                </a:solidFill>
+                <a:effectLst/>
+                <a:latin typeface="Consolas" panose="020B0609020204030204" pitchFamily="49" charset="0"/>
+              </a:rPr>
+              <a:t>, </a:t>
+            </a:r>
+            <a:r>
+              <a:rPr lang="en-IN" sz="1400" b="0" dirty="0">
+                <a:solidFill>
+                  <a:srgbClr val="001080"/>
+                </a:solidFill>
+                <a:effectLst/>
+                <a:latin typeface="Consolas" panose="020B0609020204030204" pitchFamily="49" charset="0"/>
+              </a:rPr>
+              <a:t>options</a:t>
+            </a:r>
+            <a:r>
+              <a:rPr lang="en-IN" sz="1400" b="0" dirty="0">
+                <a:solidFill>
+                  <a:srgbClr val="000000"/>
+                </a:solidFill>
+                <a:effectLst/>
+                <a:latin typeface="Consolas" panose="020B0609020204030204" pitchFamily="49" charset="0"/>
+              </a:rPr>
+              <a:t>)</a:t>
+            </a:r>
+          </a:p>
+          <a:p>
+            <a:r>
+              <a:rPr lang="en-IN" sz="1400" b="0" dirty="0">
+                <a:solidFill>
+                  <a:srgbClr val="001080"/>
+                </a:solidFill>
+                <a:effectLst/>
+                <a:latin typeface="Consolas" panose="020B0609020204030204" pitchFamily="49" charset="0"/>
+              </a:rPr>
+              <a:t>results</a:t>
+            </a:r>
+            <a:r>
+              <a:rPr lang="en-IN" sz="1400" b="0" dirty="0">
+                <a:solidFill>
+                  <a:srgbClr val="000000"/>
+                </a:solidFill>
+                <a:effectLst/>
+                <a:latin typeface="Consolas" panose="020B0609020204030204" pitchFamily="49" charset="0"/>
+              </a:rPr>
+              <a:t> = </a:t>
+            </a:r>
+            <a:r>
+              <a:rPr lang="en-IN" sz="1400" b="0" dirty="0" err="1">
+                <a:solidFill>
+                  <a:srgbClr val="001080"/>
+                </a:solidFill>
+                <a:effectLst/>
+                <a:latin typeface="Consolas" panose="020B0609020204030204" pitchFamily="49" charset="0"/>
+              </a:rPr>
+              <a:t>inferenceRunner</a:t>
+            </a:r>
+            <a:r>
+              <a:rPr lang="en-IN" sz="1400" b="0" dirty="0" err="1">
+                <a:solidFill>
+                  <a:srgbClr val="000000"/>
+                </a:solidFill>
+                <a:effectLst/>
+                <a:latin typeface="Consolas" panose="020B0609020204030204" pitchFamily="49" charset="0"/>
+              </a:rPr>
+              <a:t>.RunInference</a:t>
+            </a:r>
+            <a:r>
+              <a:rPr lang="en-IN" sz="1400" b="0" dirty="0">
+                <a:solidFill>
+                  <a:srgbClr val="000000"/>
+                </a:solidFill>
+                <a:effectLst/>
+                <a:latin typeface="Consolas" panose="020B0609020204030204" pitchFamily="49" charset="0"/>
+              </a:rPr>
+              <a:t>(</a:t>
+            </a:r>
+            <a:r>
+              <a:rPr lang="en-IN" sz="1400" b="0" dirty="0">
+                <a:solidFill>
+                  <a:srgbClr val="001080"/>
+                </a:solidFill>
+                <a:effectLst/>
+                <a:latin typeface="Consolas" panose="020B0609020204030204" pitchFamily="49" charset="0"/>
+              </a:rPr>
+              <a:t>batch</a:t>
+            </a:r>
+            <a:r>
+              <a:rPr lang="en-IN" sz="1400" b="0" dirty="0">
+                <a:solidFill>
+                  <a:srgbClr val="000000"/>
+                </a:solidFill>
+                <a:effectLst/>
+                <a:latin typeface="Consolas" panose="020B0609020204030204" pitchFamily="49" charset="0"/>
+              </a:rPr>
+              <a:t>)</a:t>
+            </a:r>
+          </a:p>
+        </p:txBody>
+      </p:sp>
+      <p:sp>
+        <p:nvSpPr>
+          <p:cNvPr id="5" name="Rectangle: Rounded Corners 4">
+            <a:extLst>
+              <a:ext uri="{FF2B5EF4-FFF2-40B4-BE49-F238E27FC236}">
+                <a16:creationId xmlns:a16="http://schemas.microsoft.com/office/drawing/2014/main" id="{5D311825-34B5-4A9F-B888-50132D7A98DD}"/>
+              </a:ext>
+            </a:extLst>
+          </p:cNvPr>
+          <p:cNvSpPr/>
+          <p:nvPr/>
+        </p:nvSpPr>
+        <p:spPr>
+          <a:xfrm>
+            <a:off x="342900" y="1123950"/>
+            <a:ext cx="4019550" cy="1352550"/>
+          </a:xfrm>
+          <a:prstGeom prst="roundRect">
+            <a:avLst/>
+          </a:prstGeom>
+          <a:noFill/>
+        </p:spPr>
+        <p:style>
+          <a:lnRef idx="2">
+            <a:schemeClr val="accent1">
+              <a:shade val="50000"/>
+            </a:schemeClr>
+          </a:lnRef>
+          <a:fillRef idx="1">
+            <a:schemeClr val="accent1"/>
+          </a:fillRef>
+          <a:effectRef idx="0">
+            <a:schemeClr val="accent1"/>
+          </a:effectRef>
+          <a:fontRef idx="minor">
+            <a:schemeClr val="lt1"/>
+          </a:fontRef>
+        </p:style>
+        <p:txBody>
+          <a:bodyPr rtlCol="0" anchor="ctr"/>
+          <a:lstStyle/>
+          <a:p>
+            <a:pPr algn="ctr"/>
+            <a:endParaRPr lang="en-IN"/>
+          </a:p>
+        </p:txBody>
+      </p:sp>
+      <p:grpSp>
+        <p:nvGrpSpPr>
+          <p:cNvPr id="38" name="Group 37">
+            <a:extLst>
+              <a:ext uri="{FF2B5EF4-FFF2-40B4-BE49-F238E27FC236}">
+                <a16:creationId xmlns:a16="http://schemas.microsoft.com/office/drawing/2014/main" id="{B855A993-E386-431B-AC42-58E8D27EA4EE}"/>
+              </a:ext>
+            </a:extLst>
+          </p:cNvPr>
+          <p:cNvGrpSpPr/>
+          <p:nvPr/>
+        </p:nvGrpSpPr>
+        <p:grpSpPr>
+          <a:xfrm>
+            <a:off x="1559403" y="1132695"/>
+            <a:ext cx="1318896" cy="1158067"/>
+            <a:chOff x="383056" y="1323195"/>
+            <a:chExt cx="1318896" cy="1158067"/>
+          </a:xfrm>
+        </p:grpSpPr>
+        <p:sp>
+          <p:nvSpPr>
+            <p:cNvPr id="6" name="Oval 5">
+              <a:extLst>
+                <a:ext uri="{FF2B5EF4-FFF2-40B4-BE49-F238E27FC236}">
+                  <a16:creationId xmlns:a16="http://schemas.microsoft.com/office/drawing/2014/main" id="{726B3D51-FB6A-473F-AC87-A3D609B7039B}"/>
+                </a:ext>
+              </a:extLst>
+            </p:cNvPr>
+            <p:cNvSpPr/>
+            <p:nvPr/>
+          </p:nvSpPr>
+          <p:spPr>
+            <a:xfrm>
+              <a:off x="914399" y="1590675"/>
+              <a:ext cx="208800" cy="209550"/>
+            </a:xfrm>
+            <a:prstGeom prst="ellipse">
+              <a:avLst/>
+            </a:prstGeom>
+            <a:solidFill>
+              <a:schemeClr val="bg1"/>
+            </a:solidFill>
+            <a:ln>
+              <a:solidFill>
+                <a:schemeClr val="tx1"/>
+              </a:solidFill>
+            </a:ln>
+          </p:spPr>
+          <p:style>
+            <a:lnRef idx="2">
+              <a:schemeClr val="accent1">
+                <a:shade val="50000"/>
+              </a:schemeClr>
+            </a:lnRef>
+            <a:fillRef idx="1">
+              <a:schemeClr val="accent1"/>
+            </a:fillRef>
+            <a:effectRef idx="0">
+              <a:schemeClr val="accent1"/>
+            </a:effectRef>
+            <a:fontRef idx="minor">
+              <a:schemeClr val="lt1"/>
+            </a:fontRef>
+          </p:style>
+          <p:txBody>
+            <a:bodyPr rtlCol="0" anchor="ctr"/>
+            <a:lstStyle/>
+            <a:p>
+              <a:pPr algn="ctr"/>
+              <a:endParaRPr lang="en-IN"/>
+            </a:p>
+          </p:txBody>
+        </p:sp>
+        <p:sp>
+          <p:nvSpPr>
+            <p:cNvPr id="7" name="Oval 6">
+              <a:extLst>
+                <a:ext uri="{FF2B5EF4-FFF2-40B4-BE49-F238E27FC236}">
+                  <a16:creationId xmlns:a16="http://schemas.microsoft.com/office/drawing/2014/main" id="{6253E0F4-A8AC-4A57-AB9F-6D16159A0D3F}"/>
+                </a:ext>
+              </a:extLst>
+            </p:cNvPr>
+            <p:cNvSpPr/>
+            <p:nvPr/>
+          </p:nvSpPr>
+          <p:spPr>
+            <a:xfrm>
+              <a:off x="591856" y="1919287"/>
+              <a:ext cx="208800" cy="209550"/>
+            </a:xfrm>
+            <a:prstGeom prst="ellipse">
+              <a:avLst/>
+            </a:prstGeom>
+            <a:solidFill>
+              <a:schemeClr val="bg1"/>
+            </a:solidFill>
+            <a:ln>
+              <a:solidFill>
+                <a:schemeClr val="tx1"/>
+              </a:solidFill>
+            </a:ln>
+          </p:spPr>
+          <p:style>
+            <a:lnRef idx="2">
+              <a:schemeClr val="accent1">
+                <a:shade val="50000"/>
+              </a:schemeClr>
+            </a:lnRef>
+            <a:fillRef idx="1">
+              <a:schemeClr val="accent1"/>
+            </a:fillRef>
+            <a:effectRef idx="0">
+              <a:schemeClr val="accent1"/>
+            </a:effectRef>
+            <a:fontRef idx="minor">
+              <a:schemeClr val="lt1"/>
+            </a:fontRef>
+          </p:style>
+          <p:txBody>
+            <a:bodyPr rtlCol="0" anchor="ctr"/>
+            <a:lstStyle/>
+            <a:p>
+              <a:pPr algn="ctr"/>
+              <a:endParaRPr lang="en-IN"/>
+            </a:p>
+          </p:txBody>
+        </p:sp>
+        <p:sp>
+          <p:nvSpPr>
+            <p:cNvPr id="8" name="Oval 7">
+              <a:extLst>
+                <a:ext uri="{FF2B5EF4-FFF2-40B4-BE49-F238E27FC236}">
+                  <a16:creationId xmlns:a16="http://schemas.microsoft.com/office/drawing/2014/main" id="{977D7477-03B8-4165-AF5C-8DA592470AE0}"/>
+                </a:ext>
+              </a:extLst>
+            </p:cNvPr>
+            <p:cNvSpPr/>
+            <p:nvPr/>
+          </p:nvSpPr>
+          <p:spPr>
+            <a:xfrm>
+              <a:off x="1263185" y="1919287"/>
+              <a:ext cx="208800" cy="209550"/>
+            </a:xfrm>
+            <a:prstGeom prst="ellipse">
+              <a:avLst/>
+            </a:prstGeom>
+            <a:solidFill>
+              <a:schemeClr val="bg1"/>
+            </a:solidFill>
+            <a:ln>
+              <a:solidFill>
+                <a:schemeClr val="tx1"/>
+              </a:solidFill>
+            </a:ln>
+          </p:spPr>
+          <p:style>
+            <a:lnRef idx="2">
+              <a:schemeClr val="accent1">
+                <a:shade val="50000"/>
+              </a:schemeClr>
+            </a:lnRef>
+            <a:fillRef idx="1">
+              <a:schemeClr val="accent1"/>
+            </a:fillRef>
+            <a:effectRef idx="0">
+              <a:schemeClr val="accent1"/>
+            </a:effectRef>
+            <a:fontRef idx="minor">
+              <a:schemeClr val="lt1"/>
+            </a:fontRef>
+          </p:style>
+          <p:txBody>
+            <a:bodyPr rtlCol="0" anchor="ctr"/>
+            <a:lstStyle/>
+            <a:p>
+              <a:pPr algn="ctr"/>
+              <a:endParaRPr lang="en-IN"/>
+            </a:p>
+          </p:txBody>
+        </p:sp>
+        <p:sp>
+          <p:nvSpPr>
+            <p:cNvPr id="9" name="Oval 8">
+              <a:extLst>
+                <a:ext uri="{FF2B5EF4-FFF2-40B4-BE49-F238E27FC236}">
+                  <a16:creationId xmlns:a16="http://schemas.microsoft.com/office/drawing/2014/main" id="{C64D19AE-0F57-4827-8DDA-7592148731E1}"/>
+                </a:ext>
+              </a:extLst>
+            </p:cNvPr>
+            <p:cNvSpPr/>
+            <p:nvPr/>
+          </p:nvSpPr>
+          <p:spPr>
+            <a:xfrm>
+              <a:off x="383056" y="2271712"/>
+              <a:ext cx="208800" cy="209550"/>
+            </a:xfrm>
+            <a:prstGeom prst="ellipse">
+              <a:avLst/>
+            </a:prstGeom>
+            <a:solidFill>
+              <a:schemeClr val="bg1"/>
+            </a:solidFill>
+            <a:ln>
+              <a:solidFill>
+                <a:schemeClr val="tx1"/>
+              </a:solidFill>
+            </a:ln>
+          </p:spPr>
+          <p:style>
+            <a:lnRef idx="2">
+              <a:schemeClr val="accent1">
+                <a:shade val="50000"/>
+              </a:schemeClr>
+            </a:lnRef>
+            <a:fillRef idx="1">
+              <a:schemeClr val="accent1"/>
+            </a:fillRef>
+            <a:effectRef idx="0">
+              <a:schemeClr val="accent1"/>
+            </a:effectRef>
+            <a:fontRef idx="minor">
+              <a:schemeClr val="lt1"/>
+            </a:fontRef>
+          </p:style>
+          <p:txBody>
+            <a:bodyPr rtlCol="0" anchor="ctr"/>
+            <a:lstStyle/>
+            <a:p>
+              <a:pPr algn="ctr"/>
+              <a:endParaRPr lang="en-IN"/>
+            </a:p>
+          </p:txBody>
+        </p:sp>
+        <p:sp>
+          <p:nvSpPr>
+            <p:cNvPr id="10" name="Oval 9">
+              <a:extLst>
+                <a:ext uri="{FF2B5EF4-FFF2-40B4-BE49-F238E27FC236}">
+                  <a16:creationId xmlns:a16="http://schemas.microsoft.com/office/drawing/2014/main" id="{5B5C2508-95CC-42C7-BF66-24A4FA97F5A0}"/>
+                </a:ext>
+              </a:extLst>
+            </p:cNvPr>
+            <p:cNvSpPr/>
+            <p:nvPr/>
+          </p:nvSpPr>
+          <p:spPr>
+            <a:xfrm>
+              <a:off x="800656" y="2271712"/>
+              <a:ext cx="208800" cy="209550"/>
+            </a:xfrm>
+            <a:prstGeom prst="ellipse">
+              <a:avLst/>
+            </a:prstGeom>
+            <a:solidFill>
+              <a:schemeClr val="bg1"/>
+            </a:solidFill>
+            <a:ln>
+              <a:solidFill>
+                <a:schemeClr val="tx1"/>
+              </a:solidFill>
+            </a:ln>
+          </p:spPr>
+          <p:style>
+            <a:lnRef idx="2">
+              <a:schemeClr val="accent1">
+                <a:shade val="50000"/>
+              </a:schemeClr>
+            </a:lnRef>
+            <a:fillRef idx="1">
+              <a:schemeClr val="accent1"/>
+            </a:fillRef>
+            <a:effectRef idx="0">
+              <a:schemeClr val="accent1"/>
+            </a:effectRef>
+            <a:fontRef idx="minor">
+              <a:schemeClr val="lt1"/>
+            </a:fontRef>
+          </p:style>
+          <p:txBody>
+            <a:bodyPr rtlCol="0" anchor="ctr"/>
+            <a:lstStyle/>
+            <a:p>
+              <a:pPr algn="ctr"/>
+              <a:endParaRPr lang="en-IN"/>
+            </a:p>
+          </p:txBody>
+        </p:sp>
+        <p:sp>
+          <p:nvSpPr>
+            <p:cNvPr id="11" name="Oval 10">
+              <a:extLst>
+                <a:ext uri="{FF2B5EF4-FFF2-40B4-BE49-F238E27FC236}">
+                  <a16:creationId xmlns:a16="http://schemas.microsoft.com/office/drawing/2014/main" id="{8CE17937-AAB6-4C53-9FA2-9E27A74525E0}"/>
+                </a:ext>
+              </a:extLst>
+            </p:cNvPr>
+            <p:cNvSpPr/>
+            <p:nvPr/>
+          </p:nvSpPr>
+          <p:spPr>
+            <a:xfrm>
+              <a:off x="1106962" y="2271707"/>
+              <a:ext cx="208800" cy="209550"/>
+            </a:xfrm>
+            <a:prstGeom prst="ellipse">
+              <a:avLst/>
+            </a:prstGeom>
+            <a:solidFill>
+              <a:schemeClr val="bg1"/>
+            </a:solidFill>
+            <a:ln>
+              <a:solidFill>
+                <a:schemeClr val="tx1"/>
+              </a:solidFill>
+            </a:ln>
+          </p:spPr>
+          <p:style>
+            <a:lnRef idx="2">
+              <a:schemeClr val="accent1">
+                <a:shade val="50000"/>
+              </a:schemeClr>
+            </a:lnRef>
+            <a:fillRef idx="1">
+              <a:schemeClr val="accent1"/>
+            </a:fillRef>
+            <a:effectRef idx="0">
+              <a:schemeClr val="accent1"/>
+            </a:effectRef>
+            <a:fontRef idx="minor">
+              <a:schemeClr val="lt1"/>
+            </a:fontRef>
+          </p:style>
+          <p:txBody>
+            <a:bodyPr rtlCol="0" anchor="ctr"/>
+            <a:lstStyle/>
+            <a:p>
+              <a:pPr algn="ctr"/>
+              <a:endParaRPr lang="en-IN"/>
+            </a:p>
+          </p:txBody>
+        </p:sp>
+        <p:sp>
+          <p:nvSpPr>
+            <p:cNvPr id="12" name="Oval 11">
+              <a:extLst>
+                <a:ext uri="{FF2B5EF4-FFF2-40B4-BE49-F238E27FC236}">
+                  <a16:creationId xmlns:a16="http://schemas.microsoft.com/office/drawing/2014/main" id="{D1FBA80B-6676-4DA0-A21E-07C9DACD0BB7}"/>
+                </a:ext>
+              </a:extLst>
+            </p:cNvPr>
+            <p:cNvSpPr/>
+            <p:nvPr/>
+          </p:nvSpPr>
+          <p:spPr>
+            <a:xfrm>
+              <a:off x="1493152" y="2271707"/>
+              <a:ext cx="208800" cy="209550"/>
+            </a:xfrm>
+            <a:prstGeom prst="ellipse">
+              <a:avLst/>
+            </a:prstGeom>
+            <a:solidFill>
+              <a:schemeClr val="bg1"/>
+            </a:solidFill>
+            <a:ln>
+              <a:solidFill>
+                <a:schemeClr val="tx1"/>
+              </a:solidFill>
+            </a:ln>
+          </p:spPr>
+          <p:style>
+            <a:lnRef idx="2">
+              <a:schemeClr val="accent1">
+                <a:shade val="50000"/>
+              </a:schemeClr>
+            </a:lnRef>
+            <a:fillRef idx="1">
+              <a:schemeClr val="accent1"/>
+            </a:fillRef>
+            <a:effectRef idx="0">
+              <a:schemeClr val="accent1"/>
+            </a:effectRef>
+            <a:fontRef idx="minor">
+              <a:schemeClr val="lt1"/>
+            </a:fontRef>
+          </p:style>
+          <p:txBody>
+            <a:bodyPr rtlCol="0" anchor="ctr"/>
+            <a:lstStyle/>
+            <a:p>
+              <a:pPr algn="ctr"/>
+              <a:endParaRPr lang="en-IN"/>
+            </a:p>
+          </p:txBody>
+        </p:sp>
+        <p:cxnSp>
+          <p:nvCxnSpPr>
+            <p:cNvPr id="14" name="Straight Connector 13">
+              <a:extLst>
+                <a:ext uri="{FF2B5EF4-FFF2-40B4-BE49-F238E27FC236}">
+                  <a16:creationId xmlns:a16="http://schemas.microsoft.com/office/drawing/2014/main" id="{E2905DE0-1764-4E18-A50B-5D73A38FB67B}"/>
+                </a:ext>
+              </a:extLst>
+            </p:cNvPr>
+            <p:cNvCxnSpPr>
+              <a:cxnSpLocks/>
+              <a:stCxn id="6" idx="3"/>
+              <a:endCxn id="7" idx="7"/>
+            </p:cNvCxnSpPr>
+            <p:nvPr/>
+          </p:nvCxnSpPr>
+          <p:spPr>
+            <a:xfrm flipH="1">
+              <a:off x="770078" y="1769537"/>
+              <a:ext cx="174899" cy="180438"/>
+            </a:xfrm>
+            <a:prstGeom prst="line">
+              <a:avLst/>
+            </a:prstGeom>
+            <a:ln w="12700">
+              <a:solidFill>
+                <a:schemeClr val="bg2">
+                  <a:lumMod val="75000"/>
+                </a:schemeClr>
+              </a:solidFill>
+            </a:ln>
+          </p:spPr>
+          <p:style>
+            <a:lnRef idx="1">
+              <a:schemeClr val="accent1"/>
+            </a:lnRef>
+            <a:fillRef idx="0">
+              <a:schemeClr val="accent1"/>
+            </a:fillRef>
+            <a:effectRef idx="0">
+              <a:schemeClr val="accent1"/>
+            </a:effectRef>
+            <a:fontRef idx="minor">
+              <a:schemeClr val="tx1"/>
+            </a:fontRef>
+          </p:style>
+        </p:cxnSp>
+        <p:cxnSp>
+          <p:nvCxnSpPr>
+            <p:cNvPr id="19" name="Straight Connector 18">
+              <a:extLst>
+                <a:ext uri="{FF2B5EF4-FFF2-40B4-BE49-F238E27FC236}">
+                  <a16:creationId xmlns:a16="http://schemas.microsoft.com/office/drawing/2014/main" id="{9477ACE7-D581-43C2-A32E-C4AA2BBC6C14}"/>
+                </a:ext>
+              </a:extLst>
+            </p:cNvPr>
+            <p:cNvCxnSpPr>
+              <a:cxnSpLocks/>
+              <a:stCxn id="6" idx="5"/>
+              <a:endCxn id="8" idx="1"/>
+            </p:cNvCxnSpPr>
+            <p:nvPr/>
+          </p:nvCxnSpPr>
+          <p:spPr>
+            <a:xfrm>
+              <a:off x="1092621" y="1769537"/>
+              <a:ext cx="201142" cy="180438"/>
+            </a:xfrm>
+            <a:prstGeom prst="line">
+              <a:avLst/>
+            </a:prstGeom>
+            <a:ln w="12700">
+              <a:solidFill>
+                <a:schemeClr val="bg2">
+                  <a:lumMod val="75000"/>
+                </a:schemeClr>
+              </a:solidFill>
+            </a:ln>
+          </p:spPr>
+          <p:style>
+            <a:lnRef idx="1">
+              <a:schemeClr val="accent1"/>
+            </a:lnRef>
+            <a:fillRef idx="0">
+              <a:schemeClr val="accent1"/>
+            </a:fillRef>
+            <a:effectRef idx="0">
+              <a:schemeClr val="accent1"/>
+            </a:effectRef>
+            <a:fontRef idx="minor">
+              <a:schemeClr val="tx1"/>
+            </a:fontRef>
+          </p:style>
+        </p:cxnSp>
+        <p:cxnSp>
+          <p:nvCxnSpPr>
+            <p:cNvPr id="22" name="Straight Connector 21">
+              <a:extLst>
+                <a:ext uri="{FF2B5EF4-FFF2-40B4-BE49-F238E27FC236}">
+                  <a16:creationId xmlns:a16="http://schemas.microsoft.com/office/drawing/2014/main" id="{EBFC5371-5861-492C-8B89-B600A896EBF1}"/>
+                </a:ext>
+              </a:extLst>
+            </p:cNvPr>
+            <p:cNvCxnSpPr>
+              <a:cxnSpLocks/>
+              <a:stCxn id="7" idx="3"/>
+              <a:endCxn id="9" idx="0"/>
+            </p:cNvCxnSpPr>
+            <p:nvPr/>
+          </p:nvCxnSpPr>
+          <p:spPr>
+            <a:xfrm flipH="1">
+              <a:off x="487456" y="2098149"/>
+              <a:ext cx="134978" cy="173563"/>
+            </a:xfrm>
+            <a:prstGeom prst="line">
+              <a:avLst/>
+            </a:prstGeom>
+            <a:ln w="12700">
+              <a:solidFill>
+                <a:schemeClr val="bg2">
+                  <a:lumMod val="75000"/>
+                </a:schemeClr>
+              </a:solidFill>
+            </a:ln>
+          </p:spPr>
+          <p:style>
+            <a:lnRef idx="1">
+              <a:schemeClr val="accent1"/>
+            </a:lnRef>
+            <a:fillRef idx="0">
+              <a:schemeClr val="accent1"/>
+            </a:fillRef>
+            <a:effectRef idx="0">
+              <a:schemeClr val="accent1"/>
+            </a:effectRef>
+            <a:fontRef idx="minor">
+              <a:schemeClr val="tx1"/>
+            </a:fontRef>
+          </p:style>
+        </p:cxnSp>
+        <p:cxnSp>
+          <p:nvCxnSpPr>
+            <p:cNvPr id="25" name="Straight Connector 24">
+              <a:extLst>
+                <a:ext uri="{FF2B5EF4-FFF2-40B4-BE49-F238E27FC236}">
+                  <a16:creationId xmlns:a16="http://schemas.microsoft.com/office/drawing/2014/main" id="{9A9AD760-3CDC-4968-8079-6D49C48F120D}"/>
+                </a:ext>
+              </a:extLst>
+            </p:cNvPr>
+            <p:cNvCxnSpPr>
+              <a:cxnSpLocks/>
+              <a:stCxn id="7" idx="5"/>
+              <a:endCxn id="10" idx="0"/>
+            </p:cNvCxnSpPr>
+            <p:nvPr/>
+          </p:nvCxnSpPr>
+          <p:spPr>
+            <a:xfrm>
+              <a:off x="770078" y="2098149"/>
+              <a:ext cx="134978" cy="173563"/>
+            </a:xfrm>
+            <a:prstGeom prst="line">
+              <a:avLst/>
+            </a:prstGeom>
+            <a:ln w="12700">
+              <a:solidFill>
+                <a:schemeClr val="bg2">
+                  <a:lumMod val="75000"/>
+                </a:schemeClr>
+              </a:solidFill>
+            </a:ln>
+          </p:spPr>
+          <p:style>
+            <a:lnRef idx="1">
+              <a:schemeClr val="accent1"/>
+            </a:lnRef>
+            <a:fillRef idx="0">
+              <a:schemeClr val="accent1"/>
+            </a:fillRef>
+            <a:effectRef idx="0">
+              <a:schemeClr val="accent1"/>
+            </a:effectRef>
+            <a:fontRef idx="minor">
+              <a:schemeClr val="tx1"/>
+            </a:fontRef>
+          </p:style>
+        </p:cxnSp>
+        <p:cxnSp>
+          <p:nvCxnSpPr>
+            <p:cNvPr id="28" name="Straight Connector 27">
+              <a:extLst>
+                <a:ext uri="{FF2B5EF4-FFF2-40B4-BE49-F238E27FC236}">
+                  <a16:creationId xmlns:a16="http://schemas.microsoft.com/office/drawing/2014/main" id="{98CE4CD4-569A-4D70-BE67-67AE5F58A654}"/>
+                </a:ext>
+              </a:extLst>
+            </p:cNvPr>
+            <p:cNvCxnSpPr>
+              <a:cxnSpLocks/>
+              <a:stCxn id="8" idx="3"/>
+              <a:endCxn id="11" idx="0"/>
+            </p:cNvCxnSpPr>
+            <p:nvPr/>
+          </p:nvCxnSpPr>
+          <p:spPr>
+            <a:xfrm flipH="1">
+              <a:off x="1211362" y="2098149"/>
+              <a:ext cx="82401" cy="173558"/>
+            </a:xfrm>
+            <a:prstGeom prst="line">
+              <a:avLst/>
+            </a:prstGeom>
+            <a:ln w="12700">
+              <a:solidFill>
+                <a:schemeClr val="bg2">
+                  <a:lumMod val="75000"/>
+                </a:schemeClr>
+              </a:solidFill>
+            </a:ln>
+          </p:spPr>
+          <p:style>
+            <a:lnRef idx="1">
+              <a:schemeClr val="accent1"/>
+            </a:lnRef>
+            <a:fillRef idx="0">
+              <a:schemeClr val="accent1"/>
+            </a:fillRef>
+            <a:effectRef idx="0">
+              <a:schemeClr val="accent1"/>
+            </a:effectRef>
+            <a:fontRef idx="minor">
+              <a:schemeClr val="tx1"/>
+            </a:fontRef>
+          </p:style>
+        </p:cxnSp>
+        <p:cxnSp>
+          <p:nvCxnSpPr>
+            <p:cNvPr id="31" name="Straight Connector 30">
+              <a:extLst>
+                <a:ext uri="{FF2B5EF4-FFF2-40B4-BE49-F238E27FC236}">
+                  <a16:creationId xmlns:a16="http://schemas.microsoft.com/office/drawing/2014/main" id="{170D6627-DB82-4AB5-A9B9-6D04CE70BA25}"/>
+                </a:ext>
+              </a:extLst>
+            </p:cNvPr>
+            <p:cNvCxnSpPr>
+              <a:cxnSpLocks/>
+              <a:stCxn id="8" idx="5"/>
+              <a:endCxn id="12" idx="0"/>
+            </p:cNvCxnSpPr>
+            <p:nvPr/>
+          </p:nvCxnSpPr>
+          <p:spPr>
+            <a:xfrm>
+              <a:off x="1441407" y="2098149"/>
+              <a:ext cx="156145" cy="173558"/>
+            </a:xfrm>
+            <a:prstGeom prst="line">
+              <a:avLst/>
+            </a:prstGeom>
+            <a:ln w="12700">
+              <a:solidFill>
+                <a:schemeClr val="bg2">
+                  <a:lumMod val="75000"/>
+                </a:schemeClr>
+              </a:solidFill>
+            </a:ln>
+          </p:spPr>
+          <p:style>
+            <a:lnRef idx="1">
+              <a:schemeClr val="accent1"/>
+            </a:lnRef>
+            <a:fillRef idx="0">
+              <a:schemeClr val="accent1"/>
+            </a:fillRef>
+            <a:effectRef idx="0">
+              <a:schemeClr val="accent1"/>
+            </a:effectRef>
+            <a:fontRef idx="minor">
+              <a:schemeClr val="tx1"/>
+            </a:fontRef>
+          </p:style>
+        </p:cxnSp>
+        <p:sp>
+          <p:nvSpPr>
+            <p:cNvPr id="37" name="TextBox 36">
+              <a:extLst>
+                <a:ext uri="{FF2B5EF4-FFF2-40B4-BE49-F238E27FC236}">
+                  <a16:creationId xmlns:a16="http://schemas.microsoft.com/office/drawing/2014/main" id="{4EED283D-2887-482B-B18E-D20AACA3271D}"/>
+                </a:ext>
+              </a:extLst>
+            </p:cNvPr>
+            <p:cNvSpPr txBox="1"/>
+            <p:nvPr/>
+          </p:nvSpPr>
+          <p:spPr>
+            <a:xfrm>
+              <a:off x="736614" y="1323195"/>
+              <a:ext cx="545684" cy="276999"/>
+            </a:xfrm>
+            <a:prstGeom prst="rect">
+              <a:avLst/>
+            </a:prstGeom>
+            <a:noFill/>
+          </p:spPr>
+          <p:txBody>
+            <a:bodyPr wrap="square" rtlCol="0">
+              <a:spAutoFit/>
+            </a:bodyPr>
+            <a:lstStyle/>
+            <a:p>
+              <a:r>
+                <a:rPr lang="en-US" sz="1200" dirty="0"/>
+                <a:t>Tree2</a:t>
+              </a:r>
+              <a:endParaRPr lang="en-IN" sz="1200" dirty="0"/>
+            </a:p>
+          </p:txBody>
+        </p:sp>
+      </p:grpSp>
+      <p:grpSp>
+        <p:nvGrpSpPr>
+          <p:cNvPr id="39" name="Group 38">
+            <a:extLst>
+              <a:ext uri="{FF2B5EF4-FFF2-40B4-BE49-F238E27FC236}">
+                <a16:creationId xmlns:a16="http://schemas.microsoft.com/office/drawing/2014/main" id="{28684E73-8822-4E1C-AD0E-CEB9F883E666}"/>
+              </a:ext>
+            </a:extLst>
+          </p:cNvPr>
+          <p:cNvGrpSpPr/>
+          <p:nvPr/>
+        </p:nvGrpSpPr>
+        <p:grpSpPr>
+          <a:xfrm>
+            <a:off x="383055" y="1132692"/>
+            <a:ext cx="1088929" cy="1158067"/>
+            <a:chOff x="383056" y="1323195"/>
+            <a:chExt cx="1088929" cy="1158067"/>
+          </a:xfrm>
+        </p:grpSpPr>
+        <p:sp>
+          <p:nvSpPr>
+            <p:cNvPr id="40" name="Oval 39">
+              <a:extLst>
+                <a:ext uri="{FF2B5EF4-FFF2-40B4-BE49-F238E27FC236}">
+                  <a16:creationId xmlns:a16="http://schemas.microsoft.com/office/drawing/2014/main" id="{5D3CC79C-537B-4631-AA42-C8C2CA7AC5B2}"/>
+                </a:ext>
+              </a:extLst>
+            </p:cNvPr>
+            <p:cNvSpPr/>
+            <p:nvPr/>
+          </p:nvSpPr>
+          <p:spPr>
+            <a:xfrm>
+              <a:off x="914399" y="1590675"/>
+              <a:ext cx="208800" cy="209550"/>
+            </a:xfrm>
+            <a:prstGeom prst="ellipse">
+              <a:avLst/>
+            </a:prstGeom>
+            <a:solidFill>
+              <a:schemeClr val="bg1"/>
+            </a:solidFill>
+            <a:ln>
+              <a:solidFill>
+                <a:schemeClr val="tx1"/>
+              </a:solidFill>
+            </a:ln>
+          </p:spPr>
+          <p:style>
+            <a:lnRef idx="2">
+              <a:schemeClr val="accent1">
+                <a:shade val="50000"/>
+              </a:schemeClr>
+            </a:lnRef>
+            <a:fillRef idx="1">
+              <a:schemeClr val="accent1"/>
+            </a:fillRef>
+            <a:effectRef idx="0">
+              <a:schemeClr val="accent1"/>
+            </a:effectRef>
+            <a:fontRef idx="minor">
+              <a:schemeClr val="lt1"/>
+            </a:fontRef>
+          </p:style>
+          <p:txBody>
+            <a:bodyPr rtlCol="0" anchor="ctr"/>
+            <a:lstStyle/>
+            <a:p>
+              <a:pPr algn="ctr"/>
+              <a:endParaRPr lang="en-IN"/>
+            </a:p>
+          </p:txBody>
+        </p:sp>
+        <p:sp>
+          <p:nvSpPr>
+            <p:cNvPr id="41" name="Oval 40">
+              <a:extLst>
+                <a:ext uri="{FF2B5EF4-FFF2-40B4-BE49-F238E27FC236}">
+                  <a16:creationId xmlns:a16="http://schemas.microsoft.com/office/drawing/2014/main" id="{1BA3E9E6-DEE7-481F-A90D-9670051B852C}"/>
+                </a:ext>
+              </a:extLst>
+            </p:cNvPr>
+            <p:cNvSpPr/>
+            <p:nvPr/>
+          </p:nvSpPr>
+          <p:spPr>
+            <a:xfrm>
+              <a:off x="591856" y="1919287"/>
+              <a:ext cx="208800" cy="209550"/>
+            </a:xfrm>
+            <a:prstGeom prst="ellipse">
+              <a:avLst/>
+            </a:prstGeom>
+            <a:solidFill>
+              <a:schemeClr val="bg1"/>
+            </a:solidFill>
+            <a:ln>
+              <a:solidFill>
+                <a:schemeClr val="tx1"/>
+              </a:solidFill>
+            </a:ln>
+          </p:spPr>
+          <p:style>
+            <a:lnRef idx="2">
+              <a:schemeClr val="accent1">
+                <a:shade val="50000"/>
+              </a:schemeClr>
+            </a:lnRef>
+            <a:fillRef idx="1">
+              <a:schemeClr val="accent1"/>
+            </a:fillRef>
+            <a:effectRef idx="0">
+              <a:schemeClr val="accent1"/>
+            </a:effectRef>
+            <a:fontRef idx="minor">
+              <a:schemeClr val="lt1"/>
+            </a:fontRef>
+          </p:style>
+          <p:txBody>
+            <a:bodyPr rtlCol="0" anchor="ctr"/>
+            <a:lstStyle/>
+            <a:p>
+              <a:pPr algn="ctr"/>
+              <a:endParaRPr lang="en-IN"/>
+            </a:p>
+          </p:txBody>
+        </p:sp>
+        <p:sp>
+          <p:nvSpPr>
+            <p:cNvPr id="42" name="Oval 41">
+              <a:extLst>
+                <a:ext uri="{FF2B5EF4-FFF2-40B4-BE49-F238E27FC236}">
+                  <a16:creationId xmlns:a16="http://schemas.microsoft.com/office/drawing/2014/main" id="{EC6776EA-34E8-44E1-89AE-32D3BC44CBDF}"/>
+                </a:ext>
+              </a:extLst>
+            </p:cNvPr>
+            <p:cNvSpPr/>
+            <p:nvPr/>
+          </p:nvSpPr>
+          <p:spPr>
+            <a:xfrm>
+              <a:off x="1263185" y="1919287"/>
+              <a:ext cx="208800" cy="209550"/>
+            </a:xfrm>
+            <a:prstGeom prst="ellipse">
+              <a:avLst/>
+            </a:prstGeom>
+            <a:solidFill>
+              <a:schemeClr val="bg1"/>
+            </a:solidFill>
+            <a:ln>
+              <a:solidFill>
+                <a:schemeClr val="tx1"/>
+              </a:solidFill>
+            </a:ln>
+          </p:spPr>
+          <p:style>
+            <a:lnRef idx="2">
+              <a:schemeClr val="accent1">
+                <a:shade val="50000"/>
+              </a:schemeClr>
+            </a:lnRef>
+            <a:fillRef idx="1">
+              <a:schemeClr val="accent1"/>
+            </a:fillRef>
+            <a:effectRef idx="0">
+              <a:schemeClr val="accent1"/>
+            </a:effectRef>
+            <a:fontRef idx="minor">
+              <a:schemeClr val="lt1"/>
+            </a:fontRef>
+          </p:style>
+          <p:txBody>
+            <a:bodyPr rtlCol="0" anchor="ctr"/>
+            <a:lstStyle/>
+            <a:p>
+              <a:pPr algn="ctr"/>
+              <a:endParaRPr lang="en-IN"/>
+            </a:p>
+          </p:txBody>
+        </p:sp>
+        <p:sp>
+          <p:nvSpPr>
+            <p:cNvPr id="43" name="Oval 42">
+              <a:extLst>
+                <a:ext uri="{FF2B5EF4-FFF2-40B4-BE49-F238E27FC236}">
+                  <a16:creationId xmlns:a16="http://schemas.microsoft.com/office/drawing/2014/main" id="{54F39857-6CB6-4CCF-8F7D-B9787DA89589}"/>
+                </a:ext>
+              </a:extLst>
+            </p:cNvPr>
+            <p:cNvSpPr/>
+            <p:nvPr/>
+          </p:nvSpPr>
+          <p:spPr>
+            <a:xfrm>
+              <a:off x="383056" y="2271712"/>
+              <a:ext cx="208800" cy="209550"/>
+            </a:xfrm>
+            <a:prstGeom prst="ellipse">
+              <a:avLst/>
+            </a:prstGeom>
+            <a:solidFill>
+              <a:schemeClr val="bg1"/>
+            </a:solidFill>
+            <a:ln>
+              <a:solidFill>
+                <a:schemeClr val="tx1"/>
+              </a:solidFill>
+            </a:ln>
+          </p:spPr>
+          <p:style>
+            <a:lnRef idx="2">
+              <a:schemeClr val="accent1">
+                <a:shade val="50000"/>
+              </a:schemeClr>
+            </a:lnRef>
+            <a:fillRef idx="1">
+              <a:schemeClr val="accent1"/>
+            </a:fillRef>
+            <a:effectRef idx="0">
+              <a:schemeClr val="accent1"/>
+            </a:effectRef>
+            <a:fontRef idx="minor">
+              <a:schemeClr val="lt1"/>
+            </a:fontRef>
+          </p:style>
+          <p:txBody>
+            <a:bodyPr rtlCol="0" anchor="ctr"/>
+            <a:lstStyle/>
+            <a:p>
+              <a:pPr algn="ctr"/>
+              <a:endParaRPr lang="en-IN"/>
+            </a:p>
+          </p:txBody>
+        </p:sp>
+        <p:sp>
+          <p:nvSpPr>
+            <p:cNvPr id="44" name="Oval 43">
+              <a:extLst>
+                <a:ext uri="{FF2B5EF4-FFF2-40B4-BE49-F238E27FC236}">
+                  <a16:creationId xmlns:a16="http://schemas.microsoft.com/office/drawing/2014/main" id="{57CC0114-D236-432F-8881-8B01F6D65BB2}"/>
+                </a:ext>
+              </a:extLst>
+            </p:cNvPr>
+            <p:cNvSpPr/>
+            <p:nvPr/>
+          </p:nvSpPr>
+          <p:spPr>
+            <a:xfrm>
+              <a:off x="800656" y="2271712"/>
+              <a:ext cx="208800" cy="209550"/>
+            </a:xfrm>
+            <a:prstGeom prst="ellipse">
+              <a:avLst/>
+            </a:prstGeom>
+            <a:solidFill>
+              <a:schemeClr val="bg1"/>
+            </a:solidFill>
+            <a:ln>
+              <a:solidFill>
+                <a:schemeClr val="tx1"/>
+              </a:solidFill>
+            </a:ln>
+          </p:spPr>
+          <p:style>
+            <a:lnRef idx="2">
+              <a:schemeClr val="accent1">
+                <a:shade val="50000"/>
+              </a:schemeClr>
+            </a:lnRef>
+            <a:fillRef idx="1">
+              <a:schemeClr val="accent1"/>
+            </a:fillRef>
+            <a:effectRef idx="0">
+              <a:schemeClr val="accent1"/>
+            </a:effectRef>
+            <a:fontRef idx="minor">
+              <a:schemeClr val="lt1"/>
+            </a:fontRef>
+          </p:style>
+          <p:txBody>
+            <a:bodyPr rtlCol="0" anchor="ctr"/>
+            <a:lstStyle/>
+            <a:p>
+              <a:pPr algn="ctr"/>
+              <a:endParaRPr lang="en-IN"/>
+            </a:p>
+          </p:txBody>
+        </p:sp>
+        <p:cxnSp>
+          <p:nvCxnSpPr>
+            <p:cNvPr id="47" name="Straight Connector 46">
+              <a:extLst>
+                <a:ext uri="{FF2B5EF4-FFF2-40B4-BE49-F238E27FC236}">
+                  <a16:creationId xmlns:a16="http://schemas.microsoft.com/office/drawing/2014/main" id="{32E2E1D4-890F-44AC-9774-9493954038FD}"/>
+                </a:ext>
+              </a:extLst>
+            </p:cNvPr>
+            <p:cNvCxnSpPr>
+              <a:cxnSpLocks/>
+              <a:stCxn id="40" idx="3"/>
+              <a:endCxn id="41" idx="7"/>
+            </p:cNvCxnSpPr>
+            <p:nvPr/>
+          </p:nvCxnSpPr>
+          <p:spPr>
+            <a:xfrm flipH="1">
+              <a:off x="770078" y="1769537"/>
+              <a:ext cx="174899" cy="180438"/>
+            </a:xfrm>
+            <a:prstGeom prst="line">
+              <a:avLst/>
+            </a:prstGeom>
+            <a:ln w="12700">
+              <a:solidFill>
+                <a:schemeClr val="bg2">
+                  <a:lumMod val="75000"/>
+                </a:schemeClr>
+              </a:solidFill>
+            </a:ln>
+          </p:spPr>
+          <p:style>
+            <a:lnRef idx="1">
+              <a:schemeClr val="accent1"/>
+            </a:lnRef>
+            <a:fillRef idx="0">
+              <a:schemeClr val="accent1"/>
+            </a:fillRef>
+            <a:effectRef idx="0">
+              <a:schemeClr val="accent1"/>
+            </a:effectRef>
+            <a:fontRef idx="minor">
+              <a:schemeClr val="tx1"/>
+            </a:fontRef>
+          </p:style>
+        </p:cxnSp>
+        <p:cxnSp>
+          <p:nvCxnSpPr>
+            <p:cNvPr id="48" name="Straight Connector 47">
+              <a:extLst>
+                <a:ext uri="{FF2B5EF4-FFF2-40B4-BE49-F238E27FC236}">
+                  <a16:creationId xmlns:a16="http://schemas.microsoft.com/office/drawing/2014/main" id="{80FB5FEA-ABB0-443D-9E96-9BABB76B21ED}"/>
+                </a:ext>
+              </a:extLst>
+            </p:cNvPr>
+            <p:cNvCxnSpPr>
+              <a:cxnSpLocks/>
+              <a:stCxn id="40" idx="5"/>
+              <a:endCxn id="42" idx="1"/>
+            </p:cNvCxnSpPr>
+            <p:nvPr/>
+          </p:nvCxnSpPr>
+          <p:spPr>
+            <a:xfrm>
+              <a:off x="1092621" y="1769537"/>
+              <a:ext cx="201142" cy="180438"/>
+            </a:xfrm>
+            <a:prstGeom prst="line">
+              <a:avLst/>
+            </a:prstGeom>
+            <a:ln w="12700">
+              <a:solidFill>
+                <a:schemeClr val="bg2">
+                  <a:lumMod val="75000"/>
+                </a:schemeClr>
+              </a:solidFill>
+            </a:ln>
+          </p:spPr>
+          <p:style>
+            <a:lnRef idx="1">
+              <a:schemeClr val="accent1"/>
+            </a:lnRef>
+            <a:fillRef idx="0">
+              <a:schemeClr val="accent1"/>
+            </a:fillRef>
+            <a:effectRef idx="0">
+              <a:schemeClr val="accent1"/>
+            </a:effectRef>
+            <a:fontRef idx="minor">
+              <a:schemeClr val="tx1"/>
+            </a:fontRef>
+          </p:style>
+        </p:cxnSp>
+        <p:cxnSp>
+          <p:nvCxnSpPr>
+            <p:cNvPr id="49" name="Straight Connector 48">
+              <a:extLst>
+                <a:ext uri="{FF2B5EF4-FFF2-40B4-BE49-F238E27FC236}">
+                  <a16:creationId xmlns:a16="http://schemas.microsoft.com/office/drawing/2014/main" id="{60E2003E-B38A-417D-959C-7B3AB25150CB}"/>
+                </a:ext>
+              </a:extLst>
+            </p:cNvPr>
+            <p:cNvCxnSpPr>
+              <a:cxnSpLocks/>
+              <a:stCxn id="41" idx="3"/>
+              <a:endCxn id="43" idx="0"/>
+            </p:cNvCxnSpPr>
+            <p:nvPr/>
+          </p:nvCxnSpPr>
+          <p:spPr>
+            <a:xfrm flipH="1">
+              <a:off x="487456" y="2098149"/>
+              <a:ext cx="134978" cy="173563"/>
+            </a:xfrm>
+            <a:prstGeom prst="line">
+              <a:avLst/>
+            </a:prstGeom>
+            <a:ln w="12700">
+              <a:solidFill>
+                <a:schemeClr val="bg2">
+                  <a:lumMod val="75000"/>
+                </a:schemeClr>
+              </a:solidFill>
+            </a:ln>
+          </p:spPr>
+          <p:style>
+            <a:lnRef idx="1">
+              <a:schemeClr val="accent1"/>
+            </a:lnRef>
+            <a:fillRef idx="0">
+              <a:schemeClr val="accent1"/>
+            </a:fillRef>
+            <a:effectRef idx="0">
+              <a:schemeClr val="accent1"/>
+            </a:effectRef>
+            <a:fontRef idx="minor">
+              <a:schemeClr val="tx1"/>
+            </a:fontRef>
+          </p:style>
+        </p:cxnSp>
+        <p:cxnSp>
+          <p:nvCxnSpPr>
+            <p:cNvPr id="50" name="Straight Connector 49">
+              <a:extLst>
+                <a:ext uri="{FF2B5EF4-FFF2-40B4-BE49-F238E27FC236}">
+                  <a16:creationId xmlns:a16="http://schemas.microsoft.com/office/drawing/2014/main" id="{7F871957-D95C-4845-A2CB-F64C84E46B73}"/>
+                </a:ext>
+              </a:extLst>
+            </p:cNvPr>
+            <p:cNvCxnSpPr>
+              <a:cxnSpLocks/>
+              <a:stCxn id="41" idx="5"/>
+              <a:endCxn id="44" idx="0"/>
+            </p:cNvCxnSpPr>
+            <p:nvPr/>
+          </p:nvCxnSpPr>
+          <p:spPr>
+            <a:xfrm>
+              <a:off x="770078" y="2098149"/>
+              <a:ext cx="134978" cy="173563"/>
+            </a:xfrm>
+            <a:prstGeom prst="line">
+              <a:avLst/>
+            </a:prstGeom>
+            <a:ln w="12700">
+              <a:solidFill>
+                <a:schemeClr val="bg2">
+                  <a:lumMod val="75000"/>
+                </a:schemeClr>
+              </a:solidFill>
+            </a:ln>
+          </p:spPr>
+          <p:style>
+            <a:lnRef idx="1">
+              <a:schemeClr val="accent1"/>
+            </a:lnRef>
+            <a:fillRef idx="0">
+              <a:schemeClr val="accent1"/>
+            </a:fillRef>
+            <a:effectRef idx="0">
+              <a:schemeClr val="accent1"/>
+            </a:effectRef>
+            <a:fontRef idx="minor">
+              <a:schemeClr val="tx1"/>
+            </a:fontRef>
+          </p:style>
+        </p:cxnSp>
+        <p:sp>
+          <p:nvSpPr>
+            <p:cNvPr id="53" name="TextBox 52">
+              <a:extLst>
+                <a:ext uri="{FF2B5EF4-FFF2-40B4-BE49-F238E27FC236}">
+                  <a16:creationId xmlns:a16="http://schemas.microsoft.com/office/drawing/2014/main" id="{E1E97094-6ADD-40CB-839B-E42210B519C6}"/>
+                </a:ext>
+              </a:extLst>
+            </p:cNvPr>
+            <p:cNvSpPr txBox="1"/>
+            <p:nvPr/>
+          </p:nvSpPr>
+          <p:spPr>
+            <a:xfrm>
+              <a:off x="736614" y="1323195"/>
+              <a:ext cx="545684" cy="276999"/>
+            </a:xfrm>
+            <a:prstGeom prst="rect">
+              <a:avLst/>
+            </a:prstGeom>
+            <a:noFill/>
+          </p:spPr>
+          <p:txBody>
+            <a:bodyPr wrap="square" rtlCol="0">
+              <a:spAutoFit/>
+            </a:bodyPr>
+            <a:lstStyle/>
+            <a:p>
+              <a:r>
+                <a:rPr lang="en-US" sz="1200" dirty="0"/>
+                <a:t>Tree1</a:t>
+              </a:r>
+              <a:endParaRPr lang="en-IN" sz="1200" dirty="0"/>
+            </a:p>
+          </p:txBody>
+        </p:sp>
+      </p:grpSp>
+      <p:grpSp>
+        <p:nvGrpSpPr>
+          <p:cNvPr id="54" name="Group 53">
+            <a:extLst>
+              <a:ext uri="{FF2B5EF4-FFF2-40B4-BE49-F238E27FC236}">
+                <a16:creationId xmlns:a16="http://schemas.microsoft.com/office/drawing/2014/main" id="{830543FA-75F2-4A31-A8E3-33A8A415BFA9}"/>
+              </a:ext>
+            </a:extLst>
+          </p:cNvPr>
+          <p:cNvGrpSpPr/>
+          <p:nvPr/>
+        </p:nvGrpSpPr>
+        <p:grpSpPr>
+          <a:xfrm>
+            <a:off x="3194333" y="1143002"/>
+            <a:ext cx="1110096" cy="1158062"/>
+            <a:chOff x="591856" y="1323195"/>
+            <a:chExt cx="1110096" cy="1158062"/>
+          </a:xfrm>
+        </p:grpSpPr>
+        <p:sp>
+          <p:nvSpPr>
+            <p:cNvPr id="55" name="Oval 54">
+              <a:extLst>
+                <a:ext uri="{FF2B5EF4-FFF2-40B4-BE49-F238E27FC236}">
+                  <a16:creationId xmlns:a16="http://schemas.microsoft.com/office/drawing/2014/main" id="{5B2E1FF0-382B-4A61-AC66-5DA0A5029BC4}"/>
+                </a:ext>
+              </a:extLst>
+            </p:cNvPr>
+            <p:cNvSpPr/>
+            <p:nvPr/>
+          </p:nvSpPr>
+          <p:spPr>
+            <a:xfrm>
+              <a:off x="914399" y="1590675"/>
+              <a:ext cx="208800" cy="209550"/>
+            </a:xfrm>
+            <a:prstGeom prst="ellipse">
+              <a:avLst/>
+            </a:prstGeom>
+            <a:solidFill>
+              <a:schemeClr val="bg1"/>
+            </a:solidFill>
+            <a:ln>
+              <a:solidFill>
+                <a:schemeClr val="tx1"/>
+              </a:solidFill>
+            </a:ln>
+          </p:spPr>
+          <p:style>
+            <a:lnRef idx="2">
+              <a:schemeClr val="accent1">
+                <a:shade val="50000"/>
+              </a:schemeClr>
+            </a:lnRef>
+            <a:fillRef idx="1">
+              <a:schemeClr val="accent1"/>
+            </a:fillRef>
+            <a:effectRef idx="0">
+              <a:schemeClr val="accent1"/>
+            </a:effectRef>
+            <a:fontRef idx="minor">
+              <a:schemeClr val="lt1"/>
+            </a:fontRef>
+          </p:style>
+          <p:txBody>
+            <a:bodyPr rtlCol="0" anchor="ctr"/>
+            <a:lstStyle/>
+            <a:p>
+              <a:pPr algn="ctr"/>
+              <a:endParaRPr lang="en-IN"/>
+            </a:p>
+          </p:txBody>
+        </p:sp>
+        <p:sp>
+          <p:nvSpPr>
+            <p:cNvPr id="56" name="Oval 55">
+              <a:extLst>
+                <a:ext uri="{FF2B5EF4-FFF2-40B4-BE49-F238E27FC236}">
+                  <a16:creationId xmlns:a16="http://schemas.microsoft.com/office/drawing/2014/main" id="{B68AC5EE-ADDA-4D0E-852F-4D1BFBD9426B}"/>
+                </a:ext>
+              </a:extLst>
+            </p:cNvPr>
+            <p:cNvSpPr/>
+            <p:nvPr/>
+          </p:nvSpPr>
+          <p:spPr>
+            <a:xfrm>
+              <a:off x="591856" y="1919287"/>
+              <a:ext cx="208800" cy="209550"/>
+            </a:xfrm>
+            <a:prstGeom prst="ellipse">
+              <a:avLst/>
+            </a:prstGeom>
+            <a:solidFill>
+              <a:schemeClr val="bg1"/>
+            </a:solidFill>
+            <a:ln>
+              <a:solidFill>
+                <a:schemeClr val="tx1"/>
+              </a:solidFill>
+            </a:ln>
+          </p:spPr>
+          <p:style>
+            <a:lnRef idx="2">
+              <a:schemeClr val="accent1">
+                <a:shade val="50000"/>
+              </a:schemeClr>
+            </a:lnRef>
+            <a:fillRef idx="1">
+              <a:schemeClr val="accent1"/>
+            </a:fillRef>
+            <a:effectRef idx="0">
+              <a:schemeClr val="accent1"/>
+            </a:effectRef>
+            <a:fontRef idx="minor">
+              <a:schemeClr val="lt1"/>
+            </a:fontRef>
+          </p:style>
+          <p:txBody>
+            <a:bodyPr rtlCol="0" anchor="ctr"/>
+            <a:lstStyle/>
+            <a:p>
+              <a:pPr algn="ctr"/>
+              <a:endParaRPr lang="en-IN"/>
+            </a:p>
+          </p:txBody>
+        </p:sp>
+        <p:sp>
+          <p:nvSpPr>
+            <p:cNvPr id="57" name="Oval 56">
+              <a:extLst>
+                <a:ext uri="{FF2B5EF4-FFF2-40B4-BE49-F238E27FC236}">
+                  <a16:creationId xmlns:a16="http://schemas.microsoft.com/office/drawing/2014/main" id="{38C4D4BD-6B9F-4E7E-97B6-A86C24111943}"/>
+                </a:ext>
+              </a:extLst>
+            </p:cNvPr>
+            <p:cNvSpPr/>
+            <p:nvPr/>
+          </p:nvSpPr>
+          <p:spPr>
+            <a:xfrm>
+              <a:off x="1263185" y="1919287"/>
+              <a:ext cx="208800" cy="209550"/>
+            </a:xfrm>
+            <a:prstGeom prst="ellipse">
+              <a:avLst/>
+            </a:prstGeom>
+            <a:solidFill>
+              <a:schemeClr val="bg1"/>
+            </a:solidFill>
+            <a:ln>
+              <a:solidFill>
+                <a:schemeClr val="tx1"/>
+              </a:solidFill>
+            </a:ln>
+          </p:spPr>
+          <p:style>
+            <a:lnRef idx="2">
+              <a:schemeClr val="accent1">
+                <a:shade val="50000"/>
+              </a:schemeClr>
+            </a:lnRef>
+            <a:fillRef idx="1">
+              <a:schemeClr val="accent1"/>
+            </a:fillRef>
+            <a:effectRef idx="0">
+              <a:schemeClr val="accent1"/>
+            </a:effectRef>
+            <a:fontRef idx="minor">
+              <a:schemeClr val="lt1"/>
+            </a:fontRef>
+          </p:style>
+          <p:txBody>
+            <a:bodyPr rtlCol="0" anchor="ctr"/>
+            <a:lstStyle/>
+            <a:p>
+              <a:pPr algn="ctr"/>
+              <a:endParaRPr lang="en-IN"/>
+            </a:p>
+          </p:txBody>
+        </p:sp>
+        <p:sp>
+          <p:nvSpPr>
+            <p:cNvPr id="60" name="Oval 59">
+              <a:extLst>
+                <a:ext uri="{FF2B5EF4-FFF2-40B4-BE49-F238E27FC236}">
+                  <a16:creationId xmlns:a16="http://schemas.microsoft.com/office/drawing/2014/main" id="{D339735F-36F5-4029-8E3D-BE4380060EB0}"/>
+                </a:ext>
+              </a:extLst>
+            </p:cNvPr>
+            <p:cNvSpPr/>
+            <p:nvPr/>
+          </p:nvSpPr>
+          <p:spPr>
+            <a:xfrm>
+              <a:off x="1106962" y="2271707"/>
+              <a:ext cx="208800" cy="209550"/>
+            </a:xfrm>
+            <a:prstGeom prst="ellipse">
+              <a:avLst/>
+            </a:prstGeom>
+            <a:solidFill>
+              <a:schemeClr val="bg1"/>
+            </a:solidFill>
+            <a:ln>
+              <a:solidFill>
+                <a:schemeClr val="tx1"/>
+              </a:solidFill>
+            </a:ln>
+          </p:spPr>
+          <p:style>
+            <a:lnRef idx="2">
+              <a:schemeClr val="accent1">
+                <a:shade val="50000"/>
+              </a:schemeClr>
+            </a:lnRef>
+            <a:fillRef idx="1">
+              <a:schemeClr val="accent1"/>
+            </a:fillRef>
+            <a:effectRef idx="0">
+              <a:schemeClr val="accent1"/>
+            </a:effectRef>
+            <a:fontRef idx="minor">
+              <a:schemeClr val="lt1"/>
+            </a:fontRef>
+          </p:style>
+          <p:txBody>
+            <a:bodyPr rtlCol="0" anchor="ctr"/>
+            <a:lstStyle/>
+            <a:p>
+              <a:pPr algn="ctr"/>
+              <a:endParaRPr lang="en-IN"/>
+            </a:p>
+          </p:txBody>
+        </p:sp>
+        <p:sp>
+          <p:nvSpPr>
+            <p:cNvPr id="61" name="Oval 60">
+              <a:extLst>
+                <a:ext uri="{FF2B5EF4-FFF2-40B4-BE49-F238E27FC236}">
+                  <a16:creationId xmlns:a16="http://schemas.microsoft.com/office/drawing/2014/main" id="{692DBFFE-80B1-40DC-B7AC-3CD166398C65}"/>
+                </a:ext>
+              </a:extLst>
+            </p:cNvPr>
+            <p:cNvSpPr/>
+            <p:nvPr/>
+          </p:nvSpPr>
+          <p:spPr>
+            <a:xfrm>
+              <a:off x="1493152" y="2271707"/>
+              <a:ext cx="208800" cy="209550"/>
+            </a:xfrm>
+            <a:prstGeom prst="ellipse">
+              <a:avLst/>
+            </a:prstGeom>
+            <a:solidFill>
+              <a:schemeClr val="bg1"/>
+            </a:solidFill>
+            <a:ln>
+              <a:solidFill>
+                <a:schemeClr val="tx1"/>
+              </a:solidFill>
+            </a:ln>
+          </p:spPr>
+          <p:style>
+            <a:lnRef idx="2">
+              <a:schemeClr val="accent1">
+                <a:shade val="50000"/>
+              </a:schemeClr>
+            </a:lnRef>
+            <a:fillRef idx="1">
+              <a:schemeClr val="accent1"/>
+            </a:fillRef>
+            <a:effectRef idx="0">
+              <a:schemeClr val="accent1"/>
+            </a:effectRef>
+            <a:fontRef idx="minor">
+              <a:schemeClr val="lt1"/>
+            </a:fontRef>
+          </p:style>
+          <p:txBody>
+            <a:bodyPr rtlCol="0" anchor="ctr"/>
+            <a:lstStyle/>
+            <a:p>
+              <a:pPr algn="ctr"/>
+              <a:endParaRPr lang="en-IN"/>
+            </a:p>
+          </p:txBody>
+        </p:sp>
+        <p:cxnSp>
+          <p:nvCxnSpPr>
+            <p:cNvPr id="62" name="Straight Connector 61">
+              <a:extLst>
+                <a:ext uri="{FF2B5EF4-FFF2-40B4-BE49-F238E27FC236}">
+                  <a16:creationId xmlns:a16="http://schemas.microsoft.com/office/drawing/2014/main" id="{68909557-CEAB-4A50-9E43-DC223D1748D2}"/>
+                </a:ext>
+              </a:extLst>
+            </p:cNvPr>
+            <p:cNvCxnSpPr>
+              <a:cxnSpLocks/>
+              <a:stCxn id="55" idx="3"/>
+              <a:endCxn id="56" idx="7"/>
+            </p:cNvCxnSpPr>
+            <p:nvPr/>
+          </p:nvCxnSpPr>
+          <p:spPr>
+            <a:xfrm flipH="1">
+              <a:off x="770078" y="1769537"/>
+              <a:ext cx="174899" cy="180438"/>
+            </a:xfrm>
+            <a:prstGeom prst="line">
+              <a:avLst/>
+            </a:prstGeom>
+            <a:ln w="12700">
+              <a:solidFill>
+                <a:schemeClr val="bg2">
+                  <a:lumMod val="75000"/>
+                </a:schemeClr>
+              </a:solidFill>
+            </a:ln>
+          </p:spPr>
+          <p:style>
+            <a:lnRef idx="1">
+              <a:schemeClr val="accent1"/>
+            </a:lnRef>
+            <a:fillRef idx="0">
+              <a:schemeClr val="accent1"/>
+            </a:fillRef>
+            <a:effectRef idx="0">
+              <a:schemeClr val="accent1"/>
+            </a:effectRef>
+            <a:fontRef idx="minor">
+              <a:schemeClr val="tx1"/>
+            </a:fontRef>
+          </p:style>
+        </p:cxnSp>
+        <p:cxnSp>
+          <p:nvCxnSpPr>
+            <p:cNvPr id="63" name="Straight Connector 62">
+              <a:extLst>
+                <a:ext uri="{FF2B5EF4-FFF2-40B4-BE49-F238E27FC236}">
+                  <a16:creationId xmlns:a16="http://schemas.microsoft.com/office/drawing/2014/main" id="{2822E7B2-CE7E-4178-B621-2B2FAD334577}"/>
+                </a:ext>
+              </a:extLst>
+            </p:cNvPr>
+            <p:cNvCxnSpPr>
+              <a:cxnSpLocks/>
+              <a:stCxn id="55" idx="5"/>
+              <a:endCxn id="57" idx="1"/>
+            </p:cNvCxnSpPr>
+            <p:nvPr/>
+          </p:nvCxnSpPr>
+          <p:spPr>
+            <a:xfrm>
+              <a:off x="1092621" y="1769537"/>
+              <a:ext cx="201142" cy="180438"/>
+            </a:xfrm>
+            <a:prstGeom prst="line">
+              <a:avLst/>
+            </a:prstGeom>
+            <a:ln w="12700">
+              <a:solidFill>
+                <a:schemeClr val="bg2">
+                  <a:lumMod val="75000"/>
+                </a:schemeClr>
+              </a:solidFill>
+            </a:ln>
+          </p:spPr>
+          <p:style>
+            <a:lnRef idx="1">
+              <a:schemeClr val="accent1"/>
+            </a:lnRef>
+            <a:fillRef idx="0">
+              <a:schemeClr val="accent1"/>
+            </a:fillRef>
+            <a:effectRef idx="0">
+              <a:schemeClr val="accent1"/>
+            </a:effectRef>
+            <a:fontRef idx="minor">
+              <a:schemeClr val="tx1"/>
+            </a:fontRef>
+          </p:style>
+        </p:cxnSp>
+        <p:cxnSp>
+          <p:nvCxnSpPr>
+            <p:cNvPr id="66" name="Straight Connector 65">
+              <a:extLst>
+                <a:ext uri="{FF2B5EF4-FFF2-40B4-BE49-F238E27FC236}">
+                  <a16:creationId xmlns:a16="http://schemas.microsoft.com/office/drawing/2014/main" id="{4E829F43-EC0A-4D86-8737-756D354782BC}"/>
+                </a:ext>
+              </a:extLst>
+            </p:cNvPr>
+            <p:cNvCxnSpPr>
+              <a:cxnSpLocks/>
+              <a:stCxn id="57" idx="3"/>
+              <a:endCxn id="60" idx="0"/>
+            </p:cNvCxnSpPr>
+            <p:nvPr/>
+          </p:nvCxnSpPr>
+          <p:spPr>
+            <a:xfrm flipH="1">
+              <a:off x="1211362" y="2098149"/>
+              <a:ext cx="82401" cy="173558"/>
+            </a:xfrm>
+            <a:prstGeom prst="line">
+              <a:avLst/>
+            </a:prstGeom>
+            <a:ln w="12700">
+              <a:solidFill>
+                <a:schemeClr val="bg2">
+                  <a:lumMod val="75000"/>
+                </a:schemeClr>
+              </a:solidFill>
+            </a:ln>
+          </p:spPr>
+          <p:style>
+            <a:lnRef idx="1">
+              <a:schemeClr val="accent1"/>
+            </a:lnRef>
+            <a:fillRef idx="0">
+              <a:schemeClr val="accent1"/>
+            </a:fillRef>
+            <a:effectRef idx="0">
+              <a:schemeClr val="accent1"/>
+            </a:effectRef>
+            <a:fontRef idx="minor">
+              <a:schemeClr val="tx1"/>
+            </a:fontRef>
+          </p:style>
+        </p:cxnSp>
+        <p:cxnSp>
+          <p:nvCxnSpPr>
+            <p:cNvPr id="67" name="Straight Connector 66">
+              <a:extLst>
+                <a:ext uri="{FF2B5EF4-FFF2-40B4-BE49-F238E27FC236}">
+                  <a16:creationId xmlns:a16="http://schemas.microsoft.com/office/drawing/2014/main" id="{C73BDA8D-F329-4EF6-B4E4-3824BC43B858}"/>
+                </a:ext>
+              </a:extLst>
+            </p:cNvPr>
+            <p:cNvCxnSpPr>
+              <a:cxnSpLocks/>
+              <a:stCxn id="57" idx="5"/>
+              <a:endCxn id="61" idx="0"/>
+            </p:cNvCxnSpPr>
+            <p:nvPr/>
+          </p:nvCxnSpPr>
+          <p:spPr>
+            <a:xfrm>
+              <a:off x="1441407" y="2098149"/>
+              <a:ext cx="156145" cy="173558"/>
+            </a:xfrm>
+            <a:prstGeom prst="line">
+              <a:avLst/>
+            </a:prstGeom>
+            <a:ln w="12700">
+              <a:solidFill>
+                <a:schemeClr val="bg2">
+                  <a:lumMod val="75000"/>
+                </a:schemeClr>
+              </a:solidFill>
+            </a:ln>
+          </p:spPr>
+          <p:style>
+            <a:lnRef idx="1">
+              <a:schemeClr val="accent1"/>
+            </a:lnRef>
+            <a:fillRef idx="0">
+              <a:schemeClr val="accent1"/>
+            </a:fillRef>
+            <a:effectRef idx="0">
+              <a:schemeClr val="accent1"/>
+            </a:effectRef>
+            <a:fontRef idx="minor">
+              <a:schemeClr val="tx1"/>
+            </a:fontRef>
+          </p:style>
+        </p:cxnSp>
+        <p:sp>
+          <p:nvSpPr>
+            <p:cNvPr id="68" name="TextBox 67">
+              <a:extLst>
+                <a:ext uri="{FF2B5EF4-FFF2-40B4-BE49-F238E27FC236}">
+                  <a16:creationId xmlns:a16="http://schemas.microsoft.com/office/drawing/2014/main" id="{246832D5-876D-4144-B754-A5EE50BA0B8F}"/>
+                </a:ext>
+              </a:extLst>
+            </p:cNvPr>
+            <p:cNvSpPr txBox="1"/>
+            <p:nvPr/>
+          </p:nvSpPr>
+          <p:spPr>
+            <a:xfrm>
+              <a:off x="736614" y="1323195"/>
+              <a:ext cx="545684" cy="276999"/>
+            </a:xfrm>
+            <a:prstGeom prst="rect">
+              <a:avLst/>
+            </a:prstGeom>
+            <a:noFill/>
+          </p:spPr>
+          <p:txBody>
+            <a:bodyPr wrap="square" rtlCol="0">
+              <a:spAutoFit/>
+            </a:bodyPr>
+            <a:lstStyle/>
+            <a:p>
+              <a:r>
+                <a:rPr lang="en-US" sz="1200" dirty="0"/>
+                <a:t>Tree3</a:t>
+              </a:r>
+              <a:endParaRPr lang="en-IN" sz="1200" dirty="0"/>
+            </a:p>
+          </p:txBody>
+        </p:sp>
+      </p:grpSp>
+      <p:sp>
+        <p:nvSpPr>
+          <p:cNvPr id="107" name="Rectangle: Rounded Corners 106">
+            <a:extLst>
+              <a:ext uri="{FF2B5EF4-FFF2-40B4-BE49-F238E27FC236}">
+                <a16:creationId xmlns:a16="http://schemas.microsoft.com/office/drawing/2014/main" id="{BDF59B2D-FDA3-4E8B-A648-CEF712D4AE11}"/>
+              </a:ext>
+            </a:extLst>
+          </p:cNvPr>
+          <p:cNvSpPr/>
+          <p:nvPr/>
+        </p:nvSpPr>
+        <p:spPr>
+          <a:xfrm>
+            <a:off x="5417130" y="1114420"/>
+            <a:ext cx="4045987" cy="1352550"/>
+          </a:xfrm>
+          <a:prstGeom prst="roundRect">
+            <a:avLst/>
+          </a:prstGeom>
+          <a:noFill/>
+        </p:spPr>
+        <p:style>
+          <a:lnRef idx="2">
+            <a:schemeClr val="accent1">
+              <a:shade val="50000"/>
+            </a:schemeClr>
+          </a:lnRef>
+          <a:fillRef idx="1">
+            <a:schemeClr val="accent1"/>
+          </a:fillRef>
+          <a:effectRef idx="0">
+            <a:schemeClr val="accent1"/>
+          </a:effectRef>
+          <a:fontRef idx="minor">
+            <a:schemeClr val="lt1"/>
+          </a:fontRef>
+        </p:style>
+        <p:txBody>
+          <a:bodyPr rtlCol="0" anchor="ctr"/>
+          <a:lstStyle/>
+          <a:p>
+            <a:pPr algn="ctr"/>
+            <a:endParaRPr lang="en-IN"/>
+          </a:p>
+        </p:txBody>
+      </p:sp>
+      <p:grpSp>
+        <p:nvGrpSpPr>
+          <p:cNvPr id="108" name="Group 107">
+            <a:extLst>
+              <a:ext uri="{FF2B5EF4-FFF2-40B4-BE49-F238E27FC236}">
+                <a16:creationId xmlns:a16="http://schemas.microsoft.com/office/drawing/2014/main" id="{C8F7BD57-3443-40D6-93A0-4FAF2E3E5516}"/>
+              </a:ext>
+            </a:extLst>
+          </p:cNvPr>
+          <p:cNvGrpSpPr/>
+          <p:nvPr/>
+        </p:nvGrpSpPr>
+        <p:grpSpPr>
+          <a:xfrm>
+            <a:off x="8017080" y="1123162"/>
+            <a:ext cx="1318896" cy="1158067"/>
+            <a:chOff x="383056" y="1323195"/>
+            <a:chExt cx="1318896" cy="1158067"/>
+          </a:xfrm>
+        </p:grpSpPr>
+        <p:sp>
+          <p:nvSpPr>
+            <p:cNvPr id="109" name="Oval 108">
+              <a:extLst>
+                <a:ext uri="{FF2B5EF4-FFF2-40B4-BE49-F238E27FC236}">
+                  <a16:creationId xmlns:a16="http://schemas.microsoft.com/office/drawing/2014/main" id="{4E386C54-BC85-4BC0-9486-A6DD54FB3AE2}"/>
+                </a:ext>
+              </a:extLst>
+            </p:cNvPr>
+            <p:cNvSpPr/>
+            <p:nvPr/>
+          </p:nvSpPr>
+          <p:spPr>
+            <a:xfrm>
+              <a:off x="914399" y="1590675"/>
+              <a:ext cx="208800" cy="209550"/>
+            </a:xfrm>
+            <a:prstGeom prst="ellipse">
+              <a:avLst/>
+            </a:prstGeom>
+            <a:solidFill>
+              <a:schemeClr val="bg1"/>
+            </a:solidFill>
+            <a:ln>
+              <a:solidFill>
+                <a:schemeClr val="tx1"/>
+              </a:solidFill>
+            </a:ln>
+          </p:spPr>
+          <p:style>
+            <a:lnRef idx="2">
+              <a:schemeClr val="accent1">
+                <a:shade val="50000"/>
+              </a:schemeClr>
+            </a:lnRef>
+            <a:fillRef idx="1">
+              <a:schemeClr val="accent1"/>
+            </a:fillRef>
+            <a:effectRef idx="0">
+              <a:schemeClr val="accent1"/>
+            </a:effectRef>
+            <a:fontRef idx="minor">
+              <a:schemeClr val="lt1"/>
+            </a:fontRef>
+          </p:style>
+          <p:txBody>
+            <a:bodyPr rtlCol="0" anchor="ctr"/>
+            <a:lstStyle/>
+            <a:p>
+              <a:pPr algn="ctr"/>
+              <a:endParaRPr lang="en-IN"/>
+            </a:p>
+          </p:txBody>
+        </p:sp>
+        <p:sp>
+          <p:nvSpPr>
+            <p:cNvPr id="110" name="Oval 109">
+              <a:extLst>
+                <a:ext uri="{FF2B5EF4-FFF2-40B4-BE49-F238E27FC236}">
+                  <a16:creationId xmlns:a16="http://schemas.microsoft.com/office/drawing/2014/main" id="{64C1060F-0A9B-4BBC-AE51-99D54BA6C978}"/>
+                </a:ext>
+              </a:extLst>
+            </p:cNvPr>
+            <p:cNvSpPr/>
+            <p:nvPr/>
+          </p:nvSpPr>
+          <p:spPr>
+            <a:xfrm>
+              <a:off x="591856" y="1919287"/>
+              <a:ext cx="208800" cy="209550"/>
+            </a:xfrm>
+            <a:prstGeom prst="ellipse">
+              <a:avLst/>
+            </a:prstGeom>
+            <a:solidFill>
+              <a:schemeClr val="bg1"/>
+            </a:solidFill>
+            <a:ln>
+              <a:solidFill>
+                <a:schemeClr val="tx1"/>
+              </a:solidFill>
+            </a:ln>
+          </p:spPr>
+          <p:style>
+            <a:lnRef idx="2">
+              <a:schemeClr val="accent1">
+                <a:shade val="50000"/>
+              </a:schemeClr>
+            </a:lnRef>
+            <a:fillRef idx="1">
+              <a:schemeClr val="accent1"/>
+            </a:fillRef>
+            <a:effectRef idx="0">
+              <a:schemeClr val="accent1"/>
+            </a:effectRef>
+            <a:fontRef idx="minor">
+              <a:schemeClr val="lt1"/>
+            </a:fontRef>
+          </p:style>
+          <p:txBody>
+            <a:bodyPr rtlCol="0" anchor="ctr"/>
+            <a:lstStyle/>
+            <a:p>
+              <a:pPr algn="ctr"/>
+              <a:endParaRPr lang="en-IN"/>
+            </a:p>
+          </p:txBody>
+        </p:sp>
+        <p:sp>
+          <p:nvSpPr>
+            <p:cNvPr id="111" name="Oval 110">
+              <a:extLst>
+                <a:ext uri="{FF2B5EF4-FFF2-40B4-BE49-F238E27FC236}">
+                  <a16:creationId xmlns:a16="http://schemas.microsoft.com/office/drawing/2014/main" id="{BFEDC342-F7CE-40C9-B808-FD459105C126}"/>
+                </a:ext>
+              </a:extLst>
+            </p:cNvPr>
+            <p:cNvSpPr/>
+            <p:nvPr/>
+          </p:nvSpPr>
+          <p:spPr>
+            <a:xfrm>
+              <a:off x="1263185" y="1919287"/>
+              <a:ext cx="208800" cy="209550"/>
+            </a:xfrm>
+            <a:prstGeom prst="ellipse">
+              <a:avLst/>
+            </a:prstGeom>
+            <a:solidFill>
+              <a:schemeClr val="bg1"/>
+            </a:solidFill>
+            <a:ln>
+              <a:solidFill>
+                <a:schemeClr val="tx1"/>
+              </a:solidFill>
+            </a:ln>
+          </p:spPr>
+          <p:style>
+            <a:lnRef idx="2">
+              <a:schemeClr val="accent1">
+                <a:shade val="50000"/>
+              </a:schemeClr>
+            </a:lnRef>
+            <a:fillRef idx="1">
+              <a:schemeClr val="accent1"/>
+            </a:fillRef>
+            <a:effectRef idx="0">
+              <a:schemeClr val="accent1"/>
+            </a:effectRef>
+            <a:fontRef idx="minor">
+              <a:schemeClr val="lt1"/>
+            </a:fontRef>
+          </p:style>
+          <p:txBody>
+            <a:bodyPr rtlCol="0" anchor="ctr"/>
+            <a:lstStyle/>
+            <a:p>
+              <a:pPr algn="ctr"/>
+              <a:endParaRPr lang="en-IN"/>
+            </a:p>
+          </p:txBody>
+        </p:sp>
+        <p:sp>
+          <p:nvSpPr>
+            <p:cNvPr id="112" name="Oval 111">
+              <a:extLst>
+                <a:ext uri="{FF2B5EF4-FFF2-40B4-BE49-F238E27FC236}">
+                  <a16:creationId xmlns:a16="http://schemas.microsoft.com/office/drawing/2014/main" id="{74B1D36F-A9B3-47FE-A0DD-D735F1E802A0}"/>
+                </a:ext>
+              </a:extLst>
+            </p:cNvPr>
+            <p:cNvSpPr/>
+            <p:nvPr/>
+          </p:nvSpPr>
+          <p:spPr>
+            <a:xfrm>
+              <a:off x="383056" y="2271712"/>
+              <a:ext cx="208800" cy="209550"/>
+            </a:xfrm>
+            <a:prstGeom prst="ellipse">
+              <a:avLst/>
+            </a:prstGeom>
+            <a:solidFill>
+              <a:schemeClr val="bg1"/>
+            </a:solidFill>
+            <a:ln>
+              <a:solidFill>
+                <a:schemeClr val="tx1"/>
+              </a:solidFill>
+            </a:ln>
+          </p:spPr>
+          <p:style>
+            <a:lnRef idx="2">
+              <a:schemeClr val="accent1">
+                <a:shade val="50000"/>
+              </a:schemeClr>
+            </a:lnRef>
+            <a:fillRef idx="1">
+              <a:schemeClr val="accent1"/>
+            </a:fillRef>
+            <a:effectRef idx="0">
+              <a:schemeClr val="accent1"/>
+            </a:effectRef>
+            <a:fontRef idx="minor">
+              <a:schemeClr val="lt1"/>
+            </a:fontRef>
+          </p:style>
+          <p:txBody>
+            <a:bodyPr rtlCol="0" anchor="ctr"/>
+            <a:lstStyle/>
+            <a:p>
+              <a:pPr algn="ctr"/>
+              <a:endParaRPr lang="en-IN"/>
+            </a:p>
+          </p:txBody>
+        </p:sp>
+        <p:sp>
+          <p:nvSpPr>
+            <p:cNvPr id="113" name="Oval 112">
+              <a:extLst>
+                <a:ext uri="{FF2B5EF4-FFF2-40B4-BE49-F238E27FC236}">
+                  <a16:creationId xmlns:a16="http://schemas.microsoft.com/office/drawing/2014/main" id="{5B3A4BA1-069C-4776-B1A0-4FA2AA7372D5}"/>
+                </a:ext>
+              </a:extLst>
+            </p:cNvPr>
+            <p:cNvSpPr/>
+            <p:nvPr/>
+          </p:nvSpPr>
+          <p:spPr>
+            <a:xfrm>
+              <a:off x="800656" y="2271712"/>
+              <a:ext cx="208800" cy="209550"/>
+            </a:xfrm>
+            <a:prstGeom prst="ellipse">
+              <a:avLst/>
+            </a:prstGeom>
+            <a:solidFill>
+              <a:schemeClr val="bg1"/>
+            </a:solidFill>
+            <a:ln>
+              <a:solidFill>
+                <a:schemeClr val="tx1"/>
+              </a:solidFill>
+            </a:ln>
+          </p:spPr>
+          <p:style>
+            <a:lnRef idx="2">
+              <a:schemeClr val="accent1">
+                <a:shade val="50000"/>
+              </a:schemeClr>
+            </a:lnRef>
+            <a:fillRef idx="1">
+              <a:schemeClr val="accent1"/>
+            </a:fillRef>
+            <a:effectRef idx="0">
+              <a:schemeClr val="accent1"/>
+            </a:effectRef>
+            <a:fontRef idx="minor">
+              <a:schemeClr val="lt1"/>
+            </a:fontRef>
+          </p:style>
+          <p:txBody>
+            <a:bodyPr rtlCol="0" anchor="ctr"/>
+            <a:lstStyle/>
+            <a:p>
+              <a:pPr algn="ctr"/>
+              <a:endParaRPr lang="en-IN"/>
+            </a:p>
+          </p:txBody>
+        </p:sp>
+        <p:sp>
+          <p:nvSpPr>
+            <p:cNvPr id="114" name="Oval 113">
+              <a:extLst>
+                <a:ext uri="{FF2B5EF4-FFF2-40B4-BE49-F238E27FC236}">
+                  <a16:creationId xmlns:a16="http://schemas.microsoft.com/office/drawing/2014/main" id="{AFBFB51F-1063-4622-8736-CB171D35A6AD}"/>
+                </a:ext>
+              </a:extLst>
+            </p:cNvPr>
+            <p:cNvSpPr/>
+            <p:nvPr/>
+          </p:nvSpPr>
+          <p:spPr>
+            <a:xfrm>
+              <a:off x="1106962" y="2271707"/>
+              <a:ext cx="208800" cy="209550"/>
+            </a:xfrm>
+            <a:prstGeom prst="ellipse">
+              <a:avLst/>
+            </a:prstGeom>
+            <a:solidFill>
+              <a:schemeClr val="bg1"/>
+            </a:solidFill>
+            <a:ln>
+              <a:solidFill>
+                <a:schemeClr val="tx1"/>
+              </a:solidFill>
+            </a:ln>
+          </p:spPr>
+          <p:style>
+            <a:lnRef idx="2">
+              <a:schemeClr val="accent1">
+                <a:shade val="50000"/>
+              </a:schemeClr>
+            </a:lnRef>
+            <a:fillRef idx="1">
+              <a:schemeClr val="accent1"/>
+            </a:fillRef>
+            <a:effectRef idx="0">
+              <a:schemeClr val="accent1"/>
+            </a:effectRef>
+            <a:fontRef idx="minor">
+              <a:schemeClr val="lt1"/>
+            </a:fontRef>
+          </p:style>
+          <p:txBody>
+            <a:bodyPr rtlCol="0" anchor="ctr"/>
+            <a:lstStyle/>
+            <a:p>
+              <a:pPr algn="ctr"/>
+              <a:endParaRPr lang="en-IN"/>
+            </a:p>
+          </p:txBody>
+        </p:sp>
+        <p:sp>
+          <p:nvSpPr>
+            <p:cNvPr id="115" name="Oval 114">
+              <a:extLst>
+                <a:ext uri="{FF2B5EF4-FFF2-40B4-BE49-F238E27FC236}">
+                  <a16:creationId xmlns:a16="http://schemas.microsoft.com/office/drawing/2014/main" id="{7AD6ACB2-67B6-4A12-B82A-C4D6EA8DA359}"/>
+                </a:ext>
+              </a:extLst>
+            </p:cNvPr>
+            <p:cNvSpPr/>
+            <p:nvPr/>
+          </p:nvSpPr>
+          <p:spPr>
+            <a:xfrm>
+              <a:off x="1493152" y="2271707"/>
+              <a:ext cx="208800" cy="209550"/>
+            </a:xfrm>
+            <a:prstGeom prst="ellipse">
+              <a:avLst/>
+            </a:prstGeom>
+            <a:solidFill>
+              <a:schemeClr val="bg1"/>
+            </a:solidFill>
+            <a:ln>
+              <a:solidFill>
+                <a:schemeClr val="tx1"/>
+              </a:solidFill>
+            </a:ln>
+          </p:spPr>
+          <p:style>
+            <a:lnRef idx="2">
+              <a:schemeClr val="accent1">
+                <a:shade val="50000"/>
+              </a:schemeClr>
+            </a:lnRef>
+            <a:fillRef idx="1">
+              <a:schemeClr val="accent1"/>
+            </a:fillRef>
+            <a:effectRef idx="0">
+              <a:schemeClr val="accent1"/>
+            </a:effectRef>
+            <a:fontRef idx="minor">
+              <a:schemeClr val="lt1"/>
+            </a:fontRef>
+          </p:style>
+          <p:txBody>
+            <a:bodyPr rtlCol="0" anchor="ctr"/>
+            <a:lstStyle/>
+            <a:p>
+              <a:pPr algn="ctr"/>
+              <a:endParaRPr lang="en-IN"/>
+            </a:p>
+          </p:txBody>
+        </p:sp>
+        <p:cxnSp>
+          <p:nvCxnSpPr>
+            <p:cNvPr id="116" name="Straight Connector 115">
+              <a:extLst>
+                <a:ext uri="{FF2B5EF4-FFF2-40B4-BE49-F238E27FC236}">
+                  <a16:creationId xmlns:a16="http://schemas.microsoft.com/office/drawing/2014/main" id="{8F0E21E8-8ECF-46B8-B24F-3C23BB330DC7}"/>
+                </a:ext>
+              </a:extLst>
+            </p:cNvPr>
+            <p:cNvCxnSpPr>
+              <a:cxnSpLocks/>
+              <a:stCxn id="109" idx="3"/>
+              <a:endCxn id="110" idx="7"/>
+            </p:cNvCxnSpPr>
+            <p:nvPr/>
+          </p:nvCxnSpPr>
+          <p:spPr>
+            <a:xfrm flipH="1">
+              <a:off x="770078" y="1769537"/>
+              <a:ext cx="174899" cy="180438"/>
+            </a:xfrm>
+            <a:prstGeom prst="line">
+              <a:avLst/>
+            </a:prstGeom>
+            <a:ln w="12700">
+              <a:solidFill>
+                <a:schemeClr val="bg2">
+                  <a:lumMod val="75000"/>
+                </a:schemeClr>
+              </a:solidFill>
+            </a:ln>
+          </p:spPr>
+          <p:style>
+            <a:lnRef idx="1">
+              <a:schemeClr val="accent1"/>
+            </a:lnRef>
+            <a:fillRef idx="0">
+              <a:schemeClr val="accent1"/>
+            </a:fillRef>
+            <a:effectRef idx="0">
+              <a:schemeClr val="accent1"/>
+            </a:effectRef>
+            <a:fontRef idx="minor">
+              <a:schemeClr val="tx1"/>
+            </a:fontRef>
+          </p:style>
+        </p:cxnSp>
+        <p:cxnSp>
+          <p:nvCxnSpPr>
+            <p:cNvPr id="117" name="Straight Connector 116">
+              <a:extLst>
+                <a:ext uri="{FF2B5EF4-FFF2-40B4-BE49-F238E27FC236}">
+                  <a16:creationId xmlns:a16="http://schemas.microsoft.com/office/drawing/2014/main" id="{2470F39B-AAEA-457A-9197-1071002A6D7A}"/>
+                </a:ext>
+              </a:extLst>
+            </p:cNvPr>
+            <p:cNvCxnSpPr>
+              <a:cxnSpLocks/>
+              <a:stCxn id="109" idx="5"/>
+              <a:endCxn id="111" idx="1"/>
+            </p:cNvCxnSpPr>
+            <p:nvPr/>
+          </p:nvCxnSpPr>
+          <p:spPr>
+            <a:xfrm>
+              <a:off x="1092621" y="1769537"/>
+              <a:ext cx="201142" cy="180438"/>
+            </a:xfrm>
+            <a:prstGeom prst="line">
+              <a:avLst/>
+            </a:prstGeom>
+            <a:ln w="12700">
+              <a:solidFill>
+                <a:schemeClr val="bg2">
+                  <a:lumMod val="75000"/>
+                </a:schemeClr>
+              </a:solidFill>
+            </a:ln>
+          </p:spPr>
+          <p:style>
+            <a:lnRef idx="1">
+              <a:schemeClr val="accent1"/>
+            </a:lnRef>
+            <a:fillRef idx="0">
+              <a:schemeClr val="accent1"/>
+            </a:fillRef>
+            <a:effectRef idx="0">
+              <a:schemeClr val="accent1"/>
+            </a:effectRef>
+            <a:fontRef idx="minor">
+              <a:schemeClr val="tx1"/>
+            </a:fontRef>
+          </p:style>
+        </p:cxnSp>
+        <p:cxnSp>
+          <p:nvCxnSpPr>
+            <p:cNvPr id="118" name="Straight Connector 117">
+              <a:extLst>
+                <a:ext uri="{FF2B5EF4-FFF2-40B4-BE49-F238E27FC236}">
+                  <a16:creationId xmlns:a16="http://schemas.microsoft.com/office/drawing/2014/main" id="{EF4AAC95-5441-44D2-B5CD-225942D81966}"/>
+                </a:ext>
+              </a:extLst>
+            </p:cNvPr>
+            <p:cNvCxnSpPr>
+              <a:cxnSpLocks/>
+              <a:stCxn id="110" idx="3"/>
+              <a:endCxn id="112" idx="0"/>
+            </p:cNvCxnSpPr>
+            <p:nvPr/>
+          </p:nvCxnSpPr>
+          <p:spPr>
+            <a:xfrm flipH="1">
+              <a:off x="487456" y="2098149"/>
+              <a:ext cx="134978" cy="173563"/>
+            </a:xfrm>
+            <a:prstGeom prst="line">
+              <a:avLst/>
+            </a:prstGeom>
+            <a:ln w="12700">
+              <a:solidFill>
+                <a:schemeClr val="bg2">
+                  <a:lumMod val="75000"/>
+                </a:schemeClr>
+              </a:solidFill>
+            </a:ln>
+          </p:spPr>
+          <p:style>
+            <a:lnRef idx="1">
+              <a:schemeClr val="accent1"/>
+            </a:lnRef>
+            <a:fillRef idx="0">
+              <a:schemeClr val="accent1"/>
+            </a:fillRef>
+            <a:effectRef idx="0">
+              <a:schemeClr val="accent1"/>
+            </a:effectRef>
+            <a:fontRef idx="minor">
+              <a:schemeClr val="tx1"/>
+            </a:fontRef>
+          </p:style>
+        </p:cxnSp>
+        <p:cxnSp>
+          <p:nvCxnSpPr>
+            <p:cNvPr id="119" name="Straight Connector 118">
+              <a:extLst>
+                <a:ext uri="{FF2B5EF4-FFF2-40B4-BE49-F238E27FC236}">
+                  <a16:creationId xmlns:a16="http://schemas.microsoft.com/office/drawing/2014/main" id="{F792E4F1-AEA7-4FF5-BEAE-04A95B1EE7CB}"/>
+                </a:ext>
+              </a:extLst>
+            </p:cNvPr>
+            <p:cNvCxnSpPr>
+              <a:cxnSpLocks/>
+              <a:stCxn id="110" idx="5"/>
+              <a:endCxn id="113" idx="0"/>
+            </p:cNvCxnSpPr>
+            <p:nvPr/>
+          </p:nvCxnSpPr>
+          <p:spPr>
+            <a:xfrm>
+              <a:off x="770078" y="2098149"/>
+              <a:ext cx="134978" cy="173563"/>
+            </a:xfrm>
+            <a:prstGeom prst="line">
+              <a:avLst/>
+            </a:prstGeom>
+            <a:ln w="12700">
+              <a:solidFill>
+                <a:schemeClr val="bg2">
+                  <a:lumMod val="75000"/>
+                </a:schemeClr>
+              </a:solidFill>
+            </a:ln>
+          </p:spPr>
+          <p:style>
+            <a:lnRef idx="1">
+              <a:schemeClr val="accent1"/>
+            </a:lnRef>
+            <a:fillRef idx="0">
+              <a:schemeClr val="accent1"/>
+            </a:fillRef>
+            <a:effectRef idx="0">
+              <a:schemeClr val="accent1"/>
+            </a:effectRef>
+            <a:fontRef idx="minor">
+              <a:schemeClr val="tx1"/>
+            </a:fontRef>
+          </p:style>
+        </p:cxnSp>
+        <p:cxnSp>
+          <p:nvCxnSpPr>
+            <p:cNvPr id="120" name="Straight Connector 119">
+              <a:extLst>
+                <a:ext uri="{FF2B5EF4-FFF2-40B4-BE49-F238E27FC236}">
+                  <a16:creationId xmlns:a16="http://schemas.microsoft.com/office/drawing/2014/main" id="{792F58A4-F555-4C46-867F-7A40359FBEF3}"/>
+                </a:ext>
+              </a:extLst>
+            </p:cNvPr>
+            <p:cNvCxnSpPr>
+              <a:cxnSpLocks/>
+              <a:stCxn id="111" idx="3"/>
+              <a:endCxn id="114" idx="0"/>
+            </p:cNvCxnSpPr>
+            <p:nvPr/>
+          </p:nvCxnSpPr>
+          <p:spPr>
+            <a:xfrm flipH="1">
+              <a:off x="1211362" y="2098149"/>
+              <a:ext cx="82401" cy="173558"/>
+            </a:xfrm>
+            <a:prstGeom prst="line">
+              <a:avLst/>
+            </a:prstGeom>
+            <a:ln w="12700">
+              <a:solidFill>
+                <a:schemeClr val="bg2">
+                  <a:lumMod val="75000"/>
+                </a:schemeClr>
+              </a:solidFill>
+            </a:ln>
+          </p:spPr>
+          <p:style>
+            <a:lnRef idx="1">
+              <a:schemeClr val="accent1"/>
+            </a:lnRef>
+            <a:fillRef idx="0">
+              <a:schemeClr val="accent1"/>
+            </a:fillRef>
+            <a:effectRef idx="0">
+              <a:schemeClr val="accent1"/>
+            </a:effectRef>
+            <a:fontRef idx="minor">
+              <a:schemeClr val="tx1"/>
+            </a:fontRef>
+          </p:style>
+        </p:cxnSp>
+        <p:cxnSp>
+          <p:nvCxnSpPr>
+            <p:cNvPr id="121" name="Straight Connector 120">
+              <a:extLst>
+                <a:ext uri="{FF2B5EF4-FFF2-40B4-BE49-F238E27FC236}">
+                  <a16:creationId xmlns:a16="http://schemas.microsoft.com/office/drawing/2014/main" id="{AB458CDD-EFBE-4890-97B3-2AD5F5782083}"/>
+                </a:ext>
+              </a:extLst>
+            </p:cNvPr>
+            <p:cNvCxnSpPr>
+              <a:cxnSpLocks/>
+              <a:stCxn id="111" idx="5"/>
+              <a:endCxn id="115" idx="0"/>
+            </p:cNvCxnSpPr>
+            <p:nvPr/>
+          </p:nvCxnSpPr>
+          <p:spPr>
+            <a:xfrm>
+              <a:off x="1441407" y="2098149"/>
+              <a:ext cx="156145" cy="173558"/>
+            </a:xfrm>
+            <a:prstGeom prst="line">
+              <a:avLst/>
+            </a:prstGeom>
+            <a:ln w="12700">
+              <a:solidFill>
+                <a:schemeClr val="bg2">
+                  <a:lumMod val="75000"/>
+                </a:schemeClr>
+              </a:solidFill>
+            </a:ln>
+          </p:spPr>
+          <p:style>
+            <a:lnRef idx="1">
+              <a:schemeClr val="accent1"/>
+            </a:lnRef>
+            <a:fillRef idx="0">
+              <a:schemeClr val="accent1"/>
+            </a:fillRef>
+            <a:effectRef idx="0">
+              <a:schemeClr val="accent1"/>
+            </a:effectRef>
+            <a:fontRef idx="minor">
+              <a:schemeClr val="tx1"/>
+            </a:fontRef>
+          </p:style>
+        </p:cxnSp>
+        <p:sp>
+          <p:nvSpPr>
+            <p:cNvPr id="122" name="TextBox 121">
+              <a:extLst>
+                <a:ext uri="{FF2B5EF4-FFF2-40B4-BE49-F238E27FC236}">
+                  <a16:creationId xmlns:a16="http://schemas.microsoft.com/office/drawing/2014/main" id="{BF5124FE-4143-4269-9084-F10681763503}"/>
+                </a:ext>
+              </a:extLst>
+            </p:cNvPr>
+            <p:cNvSpPr txBox="1"/>
+            <p:nvPr/>
+          </p:nvSpPr>
+          <p:spPr>
+            <a:xfrm>
+              <a:off x="736614" y="1323195"/>
+              <a:ext cx="545684" cy="276999"/>
+            </a:xfrm>
+            <a:prstGeom prst="rect">
+              <a:avLst/>
+            </a:prstGeom>
+            <a:noFill/>
+          </p:spPr>
+          <p:txBody>
+            <a:bodyPr wrap="square" rtlCol="0">
+              <a:spAutoFit/>
+            </a:bodyPr>
+            <a:lstStyle/>
+            <a:p>
+              <a:r>
+                <a:rPr lang="en-US" sz="1200" dirty="0"/>
+                <a:t>Tree2</a:t>
+              </a:r>
+              <a:endParaRPr lang="en-IN" sz="1200" dirty="0"/>
+            </a:p>
+          </p:txBody>
+        </p:sp>
+      </p:grpSp>
+      <p:grpSp>
+        <p:nvGrpSpPr>
+          <p:cNvPr id="123" name="Group 122">
+            <a:extLst>
+              <a:ext uri="{FF2B5EF4-FFF2-40B4-BE49-F238E27FC236}">
+                <a16:creationId xmlns:a16="http://schemas.microsoft.com/office/drawing/2014/main" id="{A8A89AF3-0F28-4FE4-AC98-9E3FC4DF2313}"/>
+              </a:ext>
+            </a:extLst>
+          </p:cNvPr>
+          <p:cNvGrpSpPr/>
+          <p:nvPr/>
+        </p:nvGrpSpPr>
+        <p:grpSpPr>
+          <a:xfrm>
+            <a:off x="5483722" y="1123162"/>
+            <a:ext cx="1088929" cy="1158067"/>
+            <a:chOff x="383056" y="1323195"/>
+            <a:chExt cx="1088929" cy="1158067"/>
+          </a:xfrm>
+        </p:grpSpPr>
+        <p:sp>
+          <p:nvSpPr>
+            <p:cNvPr id="124" name="Oval 123">
+              <a:extLst>
+                <a:ext uri="{FF2B5EF4-FFF2-40B4-BE49-F238E27FC236}">
+                  <a16:creationId xmlns:a16="http://schemas.microsoft.com/office/drawing/2014/main" id="{C3D0EE95-B658-41EF-8606-E69514F3AE87}"/>
+                </a:ext>
+              </a:extLst>
+            </p:cNvPr>
+            <p:cNvSpPr/>
+            <p:nvPr/>
+          </p:nvSpPr>
+          <p:spPr>
+            <a:xfrm>
+              <a:off x="914399" y="1590675"/>
+              <a:ext cx="208800" cy="209550"/>
+            </a:xfrm>
+            <a:prstGeom prst="ellipse">
+              <a:avLst/>
+            </a:prstGeom>
+            <a:solidFill>
+              <a:schemeClr val="bg1"/>
+            </a:solidFill>
+            <a:ln>
+              <a:solidFill>
+                <a:schemeClr val="tx1"/>
+              </a:solidFill>
+            </a:ln>
+          </p:spPr>
+          <p:style>
+            <a:lnRef idx="2">
+              <a:schemeClr val="accent1">
+                <a:shade val="50000"/>
+              </a:schemeClr>
+            </a:lnRef>
+            <a:fillRef idx="1">
+              <a:schemeClr val="accent1"/>
+            </a:fillRef>
+            <a:effectRef idx="0">
+              <a:schemeClr val="accent1"/>
+            </a:effectRef>
+            <a:fontRef idx="minor">
+              <a:schemeClr val="lt1"/>
+            </a:fontRef>
+          </p:style>
+          <p:txBody>
+            <a:bodyPr rtlCol="0" anchor="ctr"/>
+            <a:lstStyle/>
+            <a:p>
+              <a:pPr algn="ctr"/>
+              <a:endParaRPr lang="en-IN"/>
+            </a:p>
+          </p:txBody>
+        </p:sp>
+        <p:sp>
+          <p:nvSpPr>
+            <p:cNvPr id="125" name="Oval 124">
+              <a:extLst>
+                <a:ext uri="{FF2B5EF4-FFF2-40B4-BE49-F238E27FC236}">
+                  <a16:creationId xmlns:a16="http://schemas.microsoft.com/office/drawing/2014/main" id="{41D14503-6543-44D8-BF34-0425A6120225}"/>
+                </a:ext>
+              </a:extLst>
+            </p:cNvPr>
+            <p:cNvSpPr/>
+            <p:nvPr/>
+          </p:nvSpPr>
+          <p:spPr>
+            <a:xfrm>
+              <a:off x="591856" y="1919287"/>
+              <a:ext cx="208800" cy="209550"/>
+            </a:xfrm>
+            <a:prstGeom prst="ellipse">
+              <a:avLst/>
+            </a:prstGeom>
+            <a:solidFill>
+              <a:schemeClr val="bg1"/>
+            </a:solidFill>
+            <a:ln>
+              <a:solidFill>
+                <a:schemeClr val="tx1"/>
+              </a:solidFill>
+            </a:ln>
+          </p:spPr>
+          <p:style>
+            <a:lnRef idx="2">
+              <a:schemeClr val="accent1">
+                <a:shade val="50000"/>
+              </a:schemeClr>
+            </a:lnRef>
+            <a:fillRef idx="1">
+              <a:schemeClr val="accent1"/>
+            </a:fillRef>
+            <a:effectRef idx="0">
+              <a:schemeClr val="accent1"/>
+            </a:effectRef>
+            <a:fontRef idx="minor">
+              <a:schemeClr val="lt1"/>
+            </a:fontRef>
+          </p:style>
+          <p:txBody>
+            <a:bodyPr rtlCol="0" anchor="ctr"/>
+            <a:lstStyle/>
+            <a:p>
+              <a:pPr algn="ctr"/>
+              <a:endParaRPr lang="en-IN"/>
+            </a:p>
+          </p:txBody>
+        </p:sp>
+        <p:sp>
+          <p:nvSpPr>
+            <p:cNvPr id="126" name="Oval 125">
+              <a:extLst>
+                <a:ext uri="{FF2B5EF4-FFF2-40B4-BE49-F238E27FC236}">
+                  <a16:creationId xmlns:a16="http://schemas.microsoft.com/office/drawing/2014/main" id="{5093D697-5B9D-482A-B2ED-BFACAABD4760}"/>
+                </a:ext>
+              </a:extLst>
+            </p:cNvPr>
+            <p:cNvSpPr/>
+            <p:nvPr/>
+          </p:nvSpPr>
+          <p:spPr>
+            <a:xfrm>
+              <a:off x="1263185" y="1919287"/>
+              <a:ext cx="208800" cy="209550"/>
+            </a:xfrm>
+            <a:prstGeom prst="ellipse">
+              <a:avLst/>
+            </a:prstGeom>
+            <a:solidFill>
+              <a:schemeClr val="bg1"/>
+            </a:solidFill>
+            <a:ln>
+              <a:solidFill>
+                <a:schemeClr val="tx1"/>
+              </a:solidFill>
+            </a:ln>
+          </p:spPr>
+          <p:style>
+            <a:lnRef idx="2">
+              <a:schemeClr val="accent1">
+                <a:shade val="50000"/>
+              </a:schemeClr>
+            </a:lnRef>
+            <a:fillRef idx="1">
+              <a:schemeClr val="accent1"/>
+            </a:fillRef>
+            <a:effectRef idx="0">
+              <a:schemeClr val="accent1"/>
+            </a:effectRef>
+            <a:fontRef idx="minor">
+              <a:schemeClr val="lt1"/>
+            </a:fontRef>
+          </p:style>
+          <p:txBody>
+            <a:bodyPr rtlCol="0" anchor="ctr"/>
+            <a:lstStyle/>
+            <a:p>
+              <a:pPr algn="ctr"/>
+              <a:endParaRPr lang="en-IN"/>
+            </a:p>
+          </p:txBody>
+        </p:sp>
+        <p:sp>
+          <p:nvSpPr>
+            <p:cNvPr id="127" name="Oval 126">
+              <a:extLst>
+                <a:ext uri="{FF2B5EF4-FFF2-40B4-BE49-F238E27FC236}">
+                  <a16:creationId xmlns:a16="http://schemas.microsoft.com/office/drawing/2014/main" id="{EACB2F18-21EF-4FC8-AF2B-01C149332C2E}"/>
+                </a:ext>
+              </a:extLst>
+            </p:cNvPr>
+            <p:cNvSpPr/>
+            <p:nvPr/>
+          </p:nvSpPr>
+          <p:spPr>
+            <a:xfrm>
+              <a:off x="383056" y="2271712"/>
+              <a:ext cx="208800" cy="209550"/>
+            </a:xfrm>
+            <a:prstGeom prst="ellipse">
+              <a:avLst/>
+            </a:prstGeom>
+            <a:solidFill>
+              <a:schemeClr val="bg1"/>
+            </a:solidFill>
+            <a:ln>
+              <a:solidFill>
+                <a:schemeClr val="tx1"/>
+              </a:solidFill>
+            </a:ln>
+          </p:spPr>
+          <p:style>
+            <a:lnRef idx="2">
+              <a:schemeClr val="accent1">
+                <a:shade val="50000"/>
+              </a:schemeClr>
+            </a:lnRef>
+            <a:fillRef idx="1">
+              <a:schemeClr val="accent1"/>
+            </a:fillRef>
+            <a:effectRef idx="0">
+              <a:schemeClr val="accent1"/>
+            </a:effectRef>
+            <a:fontRef idx="minor">
+              <a:schemeClr val="lt1"/>
+            </a:fontRef>
+          </p:style>
+          <p:txBody>
+            <a:bodyPr rtlCol="0" anchor="ctr"/>
+            <a:lstStyle/>
+            <a:p>
+              <a:pPr algn="ctr"/>
+              <a:endParaRPr lang="en-IN"/>
+            </a:p>
+          </p:txBody>
+        </p:sp>
+        <p:sp>
+          <p:nvSpPr>
+            <p:cNvPr id="128" name="Oval 127">
+              <a:extLst>
+                <a:ext uri="{FF2B5EF4-FFF2-40B4-BE49-F238E27FC236}">
+                  <a16:creationId xmlns:a16="http://schemas.microsoft.com/office/drawing/2014/main" id="{EC4584E2-AB15-4382-85E7-858A98FD5973}"/>
+                </a:ext>
+              </a:extLst>
+            </p:cNvPr>
+            <p:cNvSpPr/>
+            <p:nvPr/>
+          </p:nvSpPr>
+          <p:spPr>
+            <a:xfrm>
+              <a:off x="800656" y="2271712"/>
+              <a:ext cx="208800" cy="209550"/>
+            </a:xfrm>
+            <a:prstGeom prst="ellipse">
+              <a:avLst/>
+            </a:prstGeom>
+            <a:solidFill>
+              <a:schemeClr val="bg1"/>
+            </a:solidFill>
+            <a:ln>
+              <a:solidFill>
+                <a:schemeClr val="tx1"/>
+              </a:solidFill>
+            </a:ln>
+          </p:spPr>
+          <p:style>
+            <a:lnRef idx="2">
+              <a:schemeClr val="accent1">
+                <a:shade val="50000"/>
+              </a:schemeClr>
+            </a:lnRef>
+            <a:fillRef idx="1">
+              <a:schemeClr val="accent1"/>
+            </a:fillRef>
+            <a:effectRef idx="0">
+              <a:schemeClr val="accent1"/>
+            </a:effectRef>
+            <a:fontRef idx="minor">
+              <a:schemeClr val="lt1"/>
+            </a:fontRef>
+          </p:style>
+          <p:txBody>
+            <a:bodyPr rtlCol="0" anchor="ctr"/>
+            <a:lstStyle/>
+            <a:p>
+              <a:pPr algn="ctr"/>
+              <a:endParaRPr lang="en-IN"/>
+            </a:p>
+          </p:txBody>
+        </p:sp>
+        <p:cxnSp>
+          <p:nvCxnSpPr>
+            <p:cNvPr id="129" name="Straight Connector 128">
+              <a:extLst>
+                <a:ext uri="{FF2B5EF4-FFF2-40B4-BE49-F238E27FC236}">
+                  <a16:creationId xmlns:a16="http://schemas.microsoft.com/office/drawing/2014/main" id="{E654935D-F1F1-4212-A642-813DB76363F5}"/>
+                </a:ext>
+              </a:extLst>
+            </p:cNvPr>
+            <p:cNvCxnSpPr>
+              <a:cxnSpLocks/>
+              <a:stCxn id="124" idx="3"/>
+              <a:endCxn id="125" idx="7"/>
+            </p:cNvCxnSpPr>
+            <p:nvPr/>
+          </p:nvCxnSpPr>
+          <p:spPr>
+            <a:xfrm flipH="1">
+              <a:off x="770078" y="1769537"/>
+              <a:ext cx="174899" cy="180438"/>
+            </a:xfrm>
+            <a:prstGeom prst="line">
+              <a:avLst/>
+            </a:prstGeom>
+            <a:ln w="12700">
+              <a:solidFill>
+                <a:schemeClr val="bg2">
+                  <a:lumMod val="75000"/>
+                </a:schemeClr>
+              </a:solidFill>
+            </a:ln>
+          </p:spPr>
+          <p:style>
+            <a:lnRef idx="1">
+              <a:schemeClr val="accent1"/>
+            </a:lnRef>
+            <a:fillRef idx="0">
+              <a:schemeClr val="accent1"/>
+            </a:fillRef>
+            <a:effectRef idx="0">
+              <a:schemeClr val="accent1"/>
+            </a:effectRef>
+            <a:fontRef idx="minor">
+              <a:schemeClr val="tx1"/>
+            </a:fontRef>
+          </p:style>
+        </p:cxnSp>
+        <p:cxnSp>
+          <p:nvCxnSpPr>
+            <p:cNvPr id="130" name="Straight Connector 129">
+              <a:extLst>
+                <a:ext uri="{FF2B5EF4-FFF2-40B4-BE49-F238E27FC236}">
+                  <a16:creationId xmlns:a16="http://schemas.microsoft.com/office/drawing/2014/main" id="{0F5548C1-8E9D-4EF0-BFE9-3C796FAFE347}"/>
+                </a:ext>
+              </a:extLst>
+            </p:cNvPr>
+            <p:cNvCxnSpPr>
+              <a:cxnSpLocks/>
+              <a:stCxn id="124" idx="5"/>
+              <a:endCxn id="126" idx="1"/>
+            </p:cNvCxnSpPr>
+            <p:nvPr/>
+          </p:nvCxnSpPr>
+          <p:spPr>
+            <a:xfrm>
+              <a:off x="1092621" y="1769537"/>
+              <a:ext cx="201142" cy="180438"/>
+            </a:xfrm>
+            <a:prstGeom prst="line">
+              <a:avLst/>
+            </a:prstGeom>
+            <a:ln w="12700">
+              <a:solidFill>
+                <a:schemeClr val="bg2">
+                  <a:lumMod val="75000"/>
+                </a:schemeClr>
+              </a:solidFill>
+            </a:ln>
+          </p:spPr>
+          <p:style>
+            <a:lnRef idx="1">
+              <a:schemeClr val="accent1"/>
+            </a:lnRef>
+            <a:fillRef idx="0">
+              <a:schemeClr val="accent1"/>
+            </a:fillRef>
+            <a:effectRef idx="0">
+              <a:schemeClr val="accent1"/>
+            </a:effectRef>
+            <a:fontRef idx="minor">
+              <a:schemeClr val="tx1"/>
+            </a:fontRef>
+          </p:style>
+        </p:cxnSp>
+        <p:cxnSp>
+          <p:nvCxnSpPr>
+            <p:cNvPr id="131" name="Straight Connector 130">
+              <a:extLst>
+                <a:ext uri="{FF2B5EF4-FFF2-40B4-BE49-F238E27FC236}">
+                  <a16:creationId xmlns:a16="http://schemas.microsoft.com/office/drawing/2014/main" id="{A4AED8D1-CCC9-44E3-9ED9-9EDEE0F1DFEC}"/>
+                </a:ext>
+              </a:extLst>
+            </p:cNvPr>
+            <p:cNvCxnSpPr>
+              <a:cxnSpLocks/>
+              <a:stCxn id="125" idx="3"/>
+              <a:endCxn id="127" idx="0"/>
+            </p:cNvCxnSpPr>
+            <p:nvPr/>
+          </p:nvCxnSpPr>
+          <p:spPr>
+            <a:xfrm flipH="1">
+              <a:off x="487456" y="2098149"/>
+              <a:ext cx="134978" cy="173563"/>
+            </a:xfrm>
+            <a:prstGeom prst="line">
+              <a:avLst/>
+            </a:prstGeom>
+            <a:ln w="12700">
+              <a:solidFill>
+                <a:schemeClr val="bg2">
+                  <a:lumMod val="75000"/>
+                </a:schemeClr>
+              </a:solidFill>
+            </a:ln>
+          </p:spPr>
+          <p:style>
+            <a:lnRef idx="1">
+              <a:schemeClr val="accent1"/>
+            </a:lnRef>
+            <a:fillRef idx="0">
+              <a:schemeClr val="accent1"/>
+            </a:fillRef>
+            <a:effectRef idx="0">
+              <a:schemeClr val="accent1"/>
+            </a:effectRef>
+            <a:fontRef idx="minor">
+              <a:schemeClr val="tx1"/>
+            </a:fontRef>
+          </p:style>
+        </p:cxnSp>
+        <p:cxnSp>
+          <p:nvCxnSpPr>
+            <p:cNvPr id="132" name="Straight Connector 131">
+              <a:extLst>
+                <a:ext uri="{FF2B5EF4-FFF2-40B4-BE49-F238E27FC236}">
+                  <a16:creationId xmlns:a16="http://schemas.microsoft.com/office/drawing/2014/main" id="{56F2CE56-F745-4BD4-A1BD-990819C01613}"/>
+                </a:ext>
+              </a:extLst>
+            </p:cNvPr>
+            <p:cNvCxnSpPr>
+              <a:cxnSpLocks/>
+              <a:stCxn id="125" idx="5"/>
+              <a:endCxn id="128" idx="0"/>
+            </p:cNvCxnSpPr>
+            <p:nvPr/>
+          </p:nvCxnSpPr>
+          <p:spPr>
+            <a:xfrm>
+              <a:off x="770078" y="2098149"/>
+              <a:ext cx="134978" cy="173563"/>
+            </a:xfrm>
+            <a:prstGeom prst="line">
+              <a:avLst/>
+            </a:prstGeom>
+            <a:ln w="12700">
+              <a:solidFill>
+                <a:schemeClr val="bg2">
+                  <a:lumMod val="75000"/>
+                </a:schemeClr>
+              </a:solidFill>
+            </a:ln>
+          </p:spPr>
+          <p:style>
+            <a:lnRef idx="1">
+              <a:schemeClr val="accent1"/>
+            </a:lnRef>
+            <a:fillRef idx="0">
+              <a:schemeClr val="accent1"/>
+            </a:fillRef>
+            <a:effectRef idx="0">
+              <a:schemeClr val="accent1"/>
+            </a:effectRef>
+            <a:fontRef idx="minor">
+              <a:schemeClr val="tx1"/>
+            </a:fontRef>
+          </p:style>
+        </p:cxnSp>
+        <p:sp>
+          <p:nvSpPr>
+            <p:cNvPr id="133" name="TextBox 132">
+              <a:extLst>
+                <a:ext uri="{FF2B5EF4-FFF2-40B4-BE49-F238E27FC236}">
+                  <a16:creationId xmlns:a16="http://schemas.microsoft.com/office/drawing/2014/main" id="{C5A1A540-5793-4972-9C8C-291B4F36572D}"/>
+                </a:ext>
+              </a:extLst>
+            </p:cNvPr>
+            <p:cNvSpPr txBox="1"/>
+            <p:nvPr/>
+          </p:nvSpPr>
+          <p:spPr>
+            <a:xfrm>
+              <a:off x="736614" y="1323195"/>
+              <a:ext cx="545684" cy="276999"/>
+            </a:xfrm>
+            <a:prstGeom prst="rect">
+              <a:avLst/>
+            </a:prstGeom>
+            <a:noFill/>
+          </p:spPr>
+          <p:txBody>
+            <a:bodyPr wrap="square" rtlCol="0">
+              <a:spAutoFit/>
+            </a:bodyPr>
+            <a:lstStyle/>
+            <a:p>
+              <a:r>
+                <a:rPr lang="en-US" sz="1200" dirty="0"/>
+                <a:t>Tree1</a:t>
+              </a:r>
+              <a:endParaRPr lang="en-IN" sz="1200" dirty="0"/>
+            </a:p>
+          </p:txBody>
+        </p:sp>
+      </p:grpSp>
+      <p:grpSp>
+        <p:nvGrpSpPr>
+          <p:cNvPr id="134" name="Group 133">
+            <a:extLst>
+              <a:ext uri="{FF2B5EF4-FFF2-40B4-BE49-F238E27FC236}">
+                <a16:creationId xmlns:a16="http://schemas.microsoft.com/office/drawing/2014/main" id="{AF405828-7EBF-4A36-82C4-F5095D5D7510}"/>
+              </a:ext>
+            </a:extLst>
+          </p:cNvPr>
+          <p:cNvGrpSpPr/>
+          <p:nvPr/>
+        </p:nvGrpSpPr>
+        <p:grpSpPr>
+          <a:xfrm>
+            <a:off x="6762755" y="1132695"/>
+            <a:ext cx="1110096" cy="1158062"/>
+            <a:chOff x="591856" y="1323195"/>
+            <a:chExt cx="1110096" cy="1158062"/>
+          </a:xfrm>
+        </p:grpSpPr>
+        <p:sp>
+          <p:nvSpPr>
+            <p:cNvPr id="135" name="Oval 134">
+              <a:extLst>
+                <a:ext uri="{FF2B5EF4-FFF2-40B4-BE49-F238E27FC236}">
+                  <a16:creationId xmlns:a16="http://schemas.microsoft.com/office/drawing/2014/main" id="{1BADEA8B-DC14-42CB-B21D-B07EDAD020BC}"/>
+                </a:ext>
+              </a:extLst>
+            </p:cNvPr>
+            <p:cNvSpPr/>
+            <p:nvPr/>
+          </p:nvSpPr>
+          <p:spPr>
+            <a:xfrm>
+              <a:off x="914399" y="1590675"/>
+              <a:ext cx="208800" cy="209550"/>
+            </a:xfrm>
+            <a:prstGeom prst="ellipse">
+              <a:avLst/>
+            </a:prstGeom>
+            <a:solidFill>
+              <a:schemeClr val="bg1"/>
+            </a:solidFill>
+            <a:ln>
+              <a:solidFill>
+                <a:schemeClr val="tx1"/>
+              </a:solidFill>
+            </a:ln>
+          </p:spPr>
+          <p:style>
+            <a:lnRef idx="2">
+              <a:schemeClr val="accent1">
+                <a:shade val="50000"/>
+              </a:schemeClr>
+            </a:lnRef>
+            <a:fillRef idx="1">
+              <a:schemeClr val="accent1"/>
+            </a:fillRef>
+            <a:effectRef idx="0">
+              <a:schemeClr val="accent1"/>
+            </a:effectRef>
+            <a:fontRef idx="minor">
+              <a:schemeClr val="lt1"/>
+            </a:fontRef>
+          </p:style>
+          <p:txBody>
+            <a:bodyPr rtlCol="0" anchor="ctr"/>
+            <a:lstStyle/>
+            <a:p>
+              <a:pPr algn="ctr"/>
+              <a:endParaRPr lang="en-IN"/>
+            </a:p>
+          </p:txBody>
+        </p:sp>
+        <p:sp>
+          <p:nvSpPr>
+            <p:cNvPr id="136" name="Oval 135">
+              <a:extLst>
+                <a:ext uri="{FF2B5EF4-FFF2-40B4-BE49-F238E27FC236}">
+                  <a16:creationId xmlns:a16="http://schemas.microsoft.com/office/drawing/2014/main" id="{7DED4CAF-6C39-4DFD-95F1-1D1A979C79A6}"/>
+                </a:ext>
+              </a:extLst>
+            </p:cNvPr>
+            <p:cNvSpPr/>
+            <p:nvPr/>
+          </p:nvSpPr>
+          <p:spPr>
+            <a:xfrm>
+              <a:off x="591856" y="1919287"/>
+              <a:ext cx="208800" cy="209550"/>
+            </a:xfrm>
+            <a:prstGeom prst="ellipse">
+              <a:avLst/>
+            </a:prstGeom>
+            <a:solidFill>
+              <a:schemeClr val="bg1"/>
+            </a:solidFill>
+            <a:ln>
+              <a:solidFill>
+                <a:schemeClr val="tx1"/>
+              </a:solidFill>
+            </a:ln>
+          </p:spPr>
+          <p:style>
+            <a:lnRef idx="2">
+              <a:schemeClr val="accent1">
+                <a:shade val="50000"/>
+              </a:schemeClr>
+            </a:lnRef>
+            <a:fillRef idx="1">
+              <a:schemeClr val="accent1"/>
+            </a:fillRef>
+            <a:effectRef idx="0">
+              <a:schemeClr val="accent1"/>
+            </a:effectRef>
+            <a:fontRef idx="minor">
+              <a:schemeClr val="lt1"/>
+            </a:fontRef>
+          </p:style>
+          <p:txBody>
+            <a:bodyPr rtlCol="0" anchor="ctr"/>
+            <a:lstStyle/>
+            <a:p>
+              <a:pPr algn="ctr"/>
+              <a:endParaRPr lang="en-IN"/>
+            </a:p>
+          </p:txBody>
+        </p:sp>
+        <p:sp>
+          <p:nvSpPr>
+            <p:cNvPr id="137" name="Oval 136">
+              <a:extLst>
+                <a:ext uri="{FF2B5EF4-FFF2-40B4-BE49-F238E27FC236}">
+                  <a16:creationId xmlns:a16="http://schemas.microsoft.com/office/drawing/2014/main" id="{B074822C-32E0-4C4B-8FB8-8AD06ADEE618}"/>
+                </a:ext>
+              </a:extLst>
+            </p:cNvPr>
+            <p:cNvSpPr/>
+            <p:nvPr/>
+          </p:nvSpPr>
+          <p:spPr>
+            <a:xfrm>
+              <a:off x="1263185" y="1919287"/>
+              <a:ext cx="208800" cy="209550"/>
+            </a:xfrm>
+            <a:prstGeom prst="ellipse">
+              <a:avLst/>
+            </a:prstGeom>
+            <a:solidFill>
+              <a:schemeClr val="bg1"/>
+            </a:solidFill>
+            <a:ln>
+              <a:solidFill>
+                <a:schemeClr val="tx1"/>
+              </a:solidFill>
+            </a:ln>
+          </p:spPr>
+          <p:style>
+            <a:lnRef idx="2">
+              <a:schemeClr val="accent1">
+                <a:shade val="50000"/>
+              </a:schemeClr>
+            </a:lnRef>
+            <a:fillRef idx="1">
+              <a:schemeClr val="accent1"/>
+            </a:fillRef>
+            <a:effectRef idx="0">
+              <a:schemeClr val="accent1"/>
+            </a:effectRef>
+            <a:fontRef idx="minor">
+              <a:schemeClr val="lt1"/>
+            </a:fontRef>
+          </p:style>
+          <p:txBody>
+            <a:bodyPr rtlCol="0" anchor="ctr"/>
+            <a:lstStyle/>
+            <a:p>
+              <a:pPr algn="ctr"/>
+              <a:endParaRPr lang="en-IN"/>
+            </a:p>
+          </p:txBody>
+        </p:sp>
+        <p:sp>
+          <p:nvSpPr>
+            <p:cNvPr id="138" name="Oval 137">
+              <a:extLst>
+                <a:ext uri="{FF2B5EF4-FFF2-40B4-BE49-F238E27FC236}">
+                  <a16:creationId xmlns:a16="http://schemas.microsoft.com/office/drawing/2014/main" id="{CD9DA5F5-4D85-4ED1-B7F1-1226C91A9169}"/>
+                </a:ext>
+              </a:extLst>
+            </p:cNvPr>
+            <p:cNvSpPr/>
+            <p:nvPr/>
+          </p:nvSpPr>
+          <p:spPr>
+            <a:xfrm>
+              <a:off x="1106962" y="2271707"/>
+              <a:ext cx="208800" cy="209550"/>
+            </a:xfrm>
+            <a:prstGeom prst="ellipse">
+              <a:avLst/>
+            </a:prstGeom>
+            <a:solidFill>
+              <a:schemeClr val="bg1"/>
+            </a:solidFill>
+            <a:ln>
+              <a:solidFill>
+                <a:schemeClr val="tx1"/>
+              </a:solidFill>
+            </a:ln>
+          </p:spPr>
+          <p:style>
+            <a:lnRef idx="2">
+              <a:schemeClr val="accent1">
+                <a:shade val="50000"/>
+              </a:schemeClr>
+            </a:lnRef>
+            <a:fillRef idx="1">
+              <a:schemeClr val="accent1"/>
+            </a:fillRef>
+            <a:effectRef idx="0">
+              <a:schemeClr val="accent1"/>
+            </a:effectRef>
+            <a:fontRef idx="minor">
+              <a:schemeClr val="lt1"/>
+            </a:fontRef>
+          </p:style>
+          <p:txBody>
+            <a:bodyPr rtlCol="0" anchor="ctr"/>
+            <a:lstStyle/>
+            <a:p>
+              <a:pPr algn="ctr"/>
+              <a:endParaRPr lang="en-IN"/>
+            </a:p>
+          </p:txBody>
+        </p:sp>
+        <p:sp>
+          <p:nvSpPr>
+            <p:cNvPr id="139" name="Oval 138">
+              <a:extLst>
+                <a:ext uri="{FF2B5EF4-FFF2-40B4-BE49-F238E27FC236}">
+                  <a16:creationId xmlns:a16="http://schemas.microsoft.com/office/drawing/2014/main" id="{1E20F8DA-4879-4A60-B6DD-064195B584FF}"/>
+                </a:ext>
+              </a:extLst>
+            </p:cNvPr>
+            <p:cNvSpPr/>
+            <p:nvPr/>
+          </p:nvSpPr>
+          <p:spPr>
+            <a:xfrm>
+              <a:off x="1493152" y="2271707"/>
+              <a:ext cx="208800" cy="209550"/>
+            </a:xfrm>
+            <a:prstGeom prst="ellipse">
+              <a:avLst/>
+            </a:prstGeom>
+            <a:solidFill>
+              <a:schemeClr val="bg1"/>
+            </a:solidFill>
+            <a:ln>
+              <a:solidFill>
+                <a:schemeClr val="tx1"/>
+              </a:solidFill>
+            </a:ln>
+          </p:spPr>
+          <p:style>
+            <a:lnRef idx="2">
+              <a:schemeClr val="accent1">
+                <a:shade val="50000"/>
+              </a:schemeClr>
+            </a:lnRef>
+            <a:fillRef idx="1">
+              <a:schemeClr val="accent1"/>
+            </a:fillRef>
+            <a:effectRef idx="0">
+              <a:schemeClr val="accent1"/>
+            </a:effectRef>
+            <a:fontRef idx="minor">
+              <a:schemeClr val="lt1"/>
+            </a:fontRef>
+          </p:style>
+          <p:txBody>
+            <a:bodyPr rtlCol="0" anchor="ctr"/>
+            <a:lstStyle/>
+            <a:p>
+              <a:pPr algn="ctr"/>
+              <a:endParaRPr lang="en-IN"/>
+            </a:p>
+          </p:txBody>
+        </p:sp>
+        <p:cxnSp>
+          <p:nvCxnSpPr>
+            <p:cNvPr id="140" name="Straight Connector 139">
+              <a:extLst>
+                <a:ext uri="{FF2B5EF4-FFF2-40B4-BE49-F238E27FC236}">
+                  <a16:creationId xmlns:a16="http://schemas.microsoft.com/office/drawing/2014/main" id="{EC48EEDB-01C2-4CF6-B51F-1511CABA7753}"/>
+                </a:ext>
+              </a:extLst>
+            </p:cNvPr>
+            <p:cNvCxnSpPr>
+              <a:cxnSpLocks/>
+              <a:stCxn id="135" idx="3"/>
+              <a:endCxn id="136" idx="7"/>
+            </p:cNvCxnSpPr>
+            <p:nvPr/>
+          </p:nvCxnSpPr>
+          <p:spPr>
+            <a:xfrm flipH="1">
+              <a:off x="770078" y="1769537"/>
+              <a:ext cx="174899" cy="180438"/>
+            </a:xfrm>
+            <a:prstGeom prst="line">
+              <a:avLst/>
+            </a:prstGeom>
+            <a:ln w="12700">
+              <a:solidFill>
+                <a:schemeClr val="bg2">
+                  <a:lumMod val="75000"/>
+                </a:schemeClr>
+              </a:solidFill>
+            </a:ln>
+          </p:spPr>
+          <p:style>
+            <a:lnRef idx="1">
+              <a:schemeClr val="accent1"/>
+            </a:lnRef>
+            <a:fillRef idx="0">
+              <a:schemeClr val="accent1"/>
+            </a:fillRef>
+            <a:effectRef idx="0">
+              <a:schemeClr val="accent1"/>
+            </a:effectRef>
+            <a:fontRef idx="minor">
+              <a:schemeClr val="tx1"/>
+            </a:fontRef>
+          </p:style>
+        </p:cxnSp>
+        <p:cxnSp>
+          <p:nvCxnSpPr>
+            <p:cNvPr id="141" name="Straight Connector 140">
+              <a:extLst>
+                <a:ext uri="{FF2B5EF4-FFF2-40B4-BE49-F238E27FC236}">
+                  <a16:creationId xmlns:a16="http://schemas.microsoft.com/office/drawing/2014/main" id="{EEF6BF43-E31C-499E-ABA7-2ADB6831B8B9}"/>
+                </a:ext>
+              </a:extLst>
+            </p:cNvPr>
+            <p:cNvCxnSpPr>
+              <a:cxnSpLocks/>
+              <a:stCxn id="135" idx="5"/>
+              <a:endCxn id="137" idx="1"/>
+            </p:cNvCxnSpPr>
+            <p:nvPr/>
+          </p:nvCxnSpPr>
+          <p:spPr>
+            <a:xfrm>
+              <a:off x="1092621" y="1769537"/>
+              <a:ext cx="201142" cy="180438"/>
+            </a:xfrm>
+            <a:prstGeom prst="line">
+              <a:avLst/>
+            </a:prstGeom>
+            <a:ln w="12700">
+              <a:solidFill>
+                <a:schemeClr val="bg2">
+                  <a:lumMod val="75000"/>
+                </a:schemeClr>
+              </a:solidFill>
+            </a:ln>
+          </p:spPr>
+          <p:style>
+            <a:lnRef idx="1">
+              <a:schemeClr val="accent1"/>
+            </a:lnRef>
+            <a:fillRef idx="0">
+              <a:schemeClr val="accent1"/>
+            </a:fillRef>
+            <a:effectRef idx="0">
+              <a:schemeClr val="accent1"/>
+            </a:effectRef>
+            <a:fontRef idx="minor">
+              <a:schemeClr val="tx1"/>
+            </a:fontRef>
+          </p:style>
+        </p:cxnSp>
+        <p:cxnSp>
+          <p:nvCxnSpPr>
+            <p:cNvPr id="142" name="Straight Connector 141">
+              <a:extLst>
+                <a:ext uri="{FF2B5EF4-FFF2-40B4-BE49-F238E27FC236}">
+                  <a16:creationId xmlns:a16="http://schemas.microsoft.com/office/drawing/2014/main" id="{9EF2099C-ECDB-4AD1-B08F-B05D009E51C9}"/>
+                </a:ext>
+              </a:extLst>
+            </p:cNvPr>
+            <p:cNvCxnSpPr>
+              <a:cxnSpLocks/>
+              <a:stCxn id="137" idx="3"/>
+              <a:endCxn id="138" idx="0"/>
+            </p:cNvCxnSpPr>
+            <p:nvPr/>
+          </p:nvCxnSpPr>
+          <p:spPr>
+            <a:xfrm flipH="1">
+              <a:off x="1211362" y="2098149"/>
+              <a:ext cx="82401" cy="173558"/>
+            </a:xfrm>
+            <a:prstGeom prst="line">
+              <a:avLst/>
+            </a:prstGeom>
+            <a:ln w="12700">
+              <a:solidFill>
+                <a:schemeClr val="bg2">
+                  <a:lumMod val="75000"/>
+                </a:schemeClr>
+              </a:solidFill>
+            </a:ln>
+          </p:spPr>
+          <p:style>
+            <a:lnRef idx="1">
+              <a:schemeClr val="accent1"/>
+            </a:lnRef>
+            <a:fillRef idx="0">
+              <a:schemeClr val="accent1"/>
+            </a:fillRef>
+            <a:effectRef idx="0">
+              <a:schemeClr val="accent1"/>
+            </a:effectRef>
+            <a:fontRef idx="minor">
+              <a:schemeClr val="tx1"/>
+            </a:fontRef>
+          </p:style>
+        </p:cxnSp>
+        <p:cxnSp>
+          <p:nvCxnSpPr>
+            <p:cNvPr id="143" name="Straight Connector 142">
+              <a:extLst>
+                <a:ext uri="{FF2B5EF4-FFF2-40B4-BE49-F238E27FC236}">
+                  <a16:creationId xmlns:a16="http://schemas.microsoft.com/office/drawing/2014/main" id="{06BA612A-B5FC-4FDD-A297-618476E29E20}"/>
+                </a:ext>
+              </a:extLst>
+            </p:cNvPr>
+            <p:cNvCxnSpPr>
+              <a:cxnSpLocks/>
+              <a:stCxn id="137" idx="5"/>
+              <a:endCxn id="139" idx="0"/>
+            </p:cNvCxnSpPr>
+            <p:nvPr/>
+          </p:nvCxnSpPr>
+          <p:spPr>
+            <a:xfrm>
+              <a:off x="1441407" y="2098149"/>
+              <a:ext cx="156145" cy="173558"/>
+            </a:xfrm>
+            <a:prstGeom prst="line">
+              <a:avLst/>
+            </a:prstGeom>
+            <a:ln w="12700">
+              <a:solidFill>
+                <a:schemeClr val="bg2">
+                  <a:lumMod val="75000"/>
+                </a:schemeClr>
+              </a:solidFill>
+            </a:ln>
+          </p:spPr>
+          <p:style>
+            <a:lnRef idx="1">
+              <a:schemeClr val="accent1"/>
+            </a:lnRef>
+            <a:fillRef idx="0">
+              <a:schemeClr val="accent1"/>
+            </a:fillRef>
+            <a:effectRef idx="0">
+              <a:schemeClr val="accent1"/>
+            </a:effectRef>
+            <a:fontRef idx="minor">
+              <a:schemeClr val="tx1"/>
+            </a:fontRef>
+          </p:style>
+        </p:cxnSp>
+        <p:sp>
+          <p:nvSpPr>
+            <p:cNvPr id="144" name="TextBox 143">
+              <a:extLst>
+                <a:ext uri="{FF2B5EF4-FFF2-40B4-BE49-F238E27FC236}">
+                  <a16:creationId xmlns:a16="http://schemas.microsoft.com/office/drawing/2014/main" id="{70A06413-34BE-4065-B71B-A25FFA0D9497}"/>
+                </a:ext>
+              </a:extLst>
+            </p:cNvPr>
+            <p:cNvSpPr txBox="1"/>
+            <p:nvPr/>
+          </p:nvSpPr>
+          <p:spPr>
+            <a:xfrm>
+              <a:off x="736614" y="1323195"/>
+              <a:ext cx="545684" cy="276999"/>
+            </a:xfrm>
+            <a:prstGeom prst="rect">
+              <a:avLst/>
+            </a:prstGeom>
+            <a:noFill/>
+          </p:spPr>
+          <p:txBody>
+            <a:bodyPr wrap="square" rtlCol="0">
+              <a:spAutoFit/>
+            </a:bodyPr>
+            <a:lstStyle/>
+            <a:p>
+              <a:r>
+                <a:rPr lang="en-US" sz="1200" dirty="0"/>
+                <a:t>Tree3</a:t>
+              </a:r>
+              <a:endParaRPr lang="en-IN" sz="1200" dirty="0"/>
+            </a:p>
+          </p:txBody>
+        </p:sp>
+      </p:grpSp>
+      <p:sp>
+        <p:nvSpPr>
+          <p:cNvPr id="149" name="Arrow: Right 148">
+            <a:extLst>
+              <a:ext uri="{FF2B5EF4-FFF2-40B4-BE49-F238E27FC236}">
+                <a16:creationId xmlns:a16="http://schemas.microsoft.com/office/drawing/2014/main" id="{CD87D704-144F-42B3-94FD-F0E532D6B31B}"/>
+              </a:ext>
+            </a:extLst>
+          </p:cNvPr>
+          <p:cNvSpPr/>
+          <p:nvPr/>
+        </p:nvSpPr>
+        <p:spPr>
+          <a:xfrm>
+            <a:off x="4583906" y="1600192"/>
+            <a:ext cx="635890" cy="297924"/>
+          </a:xfrm>
+          <a:prstGeom prst="rightArrow">
+            <a:avLst/>
+          </a:prstGeom>
+          <a:noFill/>
+        </p:spPr>
+        <p:style>
+          <a:lnRef idx="2">
+            <a:schemeClr val="accent1">
+              <a:shade val="50000"/>
+            </a:schemeClr>
+          </a:lnRef>
+          <a:fillRef idx="1">
+            <a:schemeClr val="accent1"/>
+          </a:fillRef>
+          <a:effectRef idx="0">
+            <a:schemeClr val="accent1"/>
+          </a:effectRef>
+          <a:fontRef idx="minor">
+            <a:schemeClr val="lt1"/>
+          </a:fontRef>
+        </p:style>
+        <p:txBody>
+          <a:bodyPr rtlCol="0" anchor="ctr"/>
+          <a:lstStyle/>
+          <a:p>
+            <a:pPr algn="ctr"/>
+            <a:endParaRPr lang="en-IN"/>
+          </a:p>
+        </p:txBody>
+      </p:sp>
+      <p:sp>
+        <p:nvSpPr>
+          <p:cNvPr id="150" name="TextBox 149">
+            <a:extLst>
+              <a:ext uri="{FF2B5EF4-FFF2-40B4-BE49-F238E27FC236}">
+                <a16:creationId xmlns:a16="http://schemas.microsoft.com/office/drawing/2014/main" id="{A7F7B45A-766F-476C-A702-2371CF1AEC28}"/>
+              </a:ext>
+            </a:extLst>
+          </p:cNvPr>
+          <p:cNvSpPr txBox="1"/>
+          <p:nvPr/>
+        </p:nvSpPr>
+        <p:spPr>
+          <a:xfrm>
+            <a:off x="4522980" y="1931732"/>
+            <a:ext cx="806118" cy="646331"/>
+          </a:xfrm>
+          <a:prstGeom prst="rect">
+            <a:avLst/>
+          </a:prstGeom>
+          <a:noFill/>
+        </p:spPr>
+        <p:txBody>
+          <a:bodyPr wrap="square" rtlCol="0">
+            <a:spAutoFit/>
+          </a:bodyPr>
+          <a:lstStyle/>
+          <a:p>
+            <a:r>
+              <a:rPr lang="en-US" sz="900" dirty="0"/>
+              <a:t>Tree tiling with tile size 2 </a:t>
+            </a:r>
+            <a:r>
+              <a:rPr lang="en-US" sz="900"/>
+              <a:t>&amp; tree reordering</a:t>
+            </a:r>
+            <a:endParaRPr lang="en-IN" sz="900" dirty="0"/>
+          </a:p>
+        </p:txBody>
+      </p:sp>
+      <p:sp>
+        <p:nvSpPr>
+          <p:cNvPr id="151" name="Rectangle: Rounded Corners 150">
+            <a:extLst>
+              <a:ext uri="{FF2B5EF4-FFF2-40B4-BE49-F238E27FC236}">
+                <a16:creationId xmlns:a16="http://schemas.microsoft.com/office/drawing/2014/main" id="{70E11E3D-5743-429C-AA22-F2D693362D40}"/>
+              </a:ext>
+            </a:extLst>
+          </p:cNvPr>
+          <p:cNvSpPr/>
+          <p:nvPr/>
+        </p:nvSpPr>
+        <p:spPr>
+          <a:xfrm>
+            <a:off x="7486661" y="3005138"/>
+            <a:ext cx="1973036" cy="1447822"/>
+          </a:xfrm>
+          <a:prstGeom prst="roundRect">
+            <a:avLst/>
+          </a:prstGeom>
+          <a:noFill/>
+        </p:spPr>
+        <p:style>
+          <a:lnRef idx="2">
+            <a:schemeClr val="accent1">
+              <a:shade val="50000"/>
+            </a:schemeClr>
+          </a:lnRef>
+          <a:fillRef idx="1">
+            <a:schemeClr val="accent1"/>
+          </a:fillRef>
+          <a:effectRef idx="0">
+            <a:schemeClr val="accent1"/>
+          </a:effectRef>
+          <a:fontRef idx="minor">
+            <a:schemeClr val="lt1"/>
+          </a:fontRef>
+        </p:style>
+        <p:txBody>
+          <a:bodyPr rtlCol="0" anchor="ctr"/>
+          <a:lstStyle/>
+          <a:p>
+            <a:r>
+              <a:rPr lang="en-IN" sz="600" b="1" dirty="0">
+                <a:solidFill>
+                  <a:schemeClr val="accent1"/>
+                </a:solidFill>
+              </a:rPr>
+              <a:t>for</a:t>
+            </a:r>
+            <a:r>
+              <a:rPr lang="en-IN" sz="600" dirty="0">
+                <a:solidFill>
+                  <a:schemeClr val="tx1"/>
+                </a:solidFill>
+              </a:rPr>
+              <a:t> </a:t>
+            </a:r>
+            <a:r>
+              <a:rPr lang="en-IN" sz="600" dirty="0" err="1">
+                <a:solidFill>
+                  <a:schemeClr val="tx1"/>
+                </a:solidFill>
+              </a:rPr>
+              <a:t>i</a:t>
+            </a:r>
+            <a:r>
+              <a:rPr lang="en-IN" sz="600" dirty="0">
+                <a:solidFill>
+                  <a:schemeClr val="tx1"/>
+                </a:solidFill>
+              </a:rPr>
+              <a:t> = 0 to </a:t>
+            </a:r>
+            <a:r>
+              <a:rPr lang="en-IN" sz="600" dirty="0" err="1">
+                <a:solidFill>
+                  <a:schemeClr val="tx1"/>
+                </a:solidFill>
+              </a:rPr>
+              <a:t>batchSize</a:t>
+            </a:r>
+            <a:r>
+              <a:rPr lang="en-IN" sz="600" dirty="0">
+                <a:solidFill>
+                  <a:schemeClr val="tx1"/>
+                </a:solidFill>
+              </a:rPr>
+              <a:t> </a:t>
+            </a:r>
+            <a:r>
+              <a:rPr lang="en-IN" sz="600" b="1" dirty="0">
+                <a:solidFill>
+                  <a:schemeClr val="accent1"/>
+                </a:solidFill>
+              </a:rPr>
+              <a:t>step</a:t>
+            </a:r>
+            <a:r>
+              <a:rPr lang="en-IN" sz="600" dirty="0">
+                <a:solidFill>
+                  <a:schemeClr val="tx1"/>
+                </a:solidFill>
+              </a:rPr>
+              <a:t> 1 {</a:t>
+            </a:r>
+          </a:p>
+          <a:p>
+            <a:r>
+              <a:rPr lang="en-IN" sz="600" dirty="0">
+                <a:solidFill>
+                  <a:schemeClr val="tx1"/>
+                </a:solidFill>
+              </a:rPr>
+              <a:t>  prediction = 0</a:t>
+            </a:r>
+          </a:p>
+          <a:p>
+            <a:r>
+              <a:rPr lang="en-IN" sz="600" dirty="0">
+                <a:solidFill>
+                  <a:schemeClr val="tx1"/>
+                </a:solidFill>
+              </a:rPr>
+              <a:t>  </a:t>
+            </a:r>
+            <a:r>
+              <a:rPr lang="en-IN" sz="600" b="1" dirty="0">
+                <a:solidFill>
+                  <a:schemeClr val="accent1"/>
+                </a:solidFill>
+              </a:rPr>
+              <a:t>for</a:t>
+            </a:r>
+            <a:r>
+              <a:rPr lang="en-IN" sz="600" dirty="0">
+                <a:solidFill>
+                  <a:schemeClr val="tx1"/>
+                </a:solidFill>
+              </a:rPr>
+              <a:t> t = 0 to 1 </a:t>
+            </a:r>
+            <a:r>
+              <a:rPr lang="en-IN" sz="600" b="1" dirty="0">
+                <a:solidFill>
+                  <a:schemeClr val="accent1"/>
+                </a:solidFill>
+              </a:rPr>
+              <a:t>step</a:t>
+            </a:r>
+            <a:r>
+              <a:rPr lang="en-IN" sz="600" dirty="0">
+                <a:solidFill>
+                  <a:schemeClr val="tx1"/>
+                </a:solidFill>
+              </a:rPr>
+              <a:t> 1 {</a:t>
+            </a:r>
+          </a:p>
+          <a:p>
+            <a:r>
+              <a:rPr lang="en-IN" sz="600" dirty="0">
+                <a:solidFill>
+                  <a:schemeClr val="tx1"/>
+                </a:solidFill>
+              </a:rPr>
+              <a:t>    tree = </a:t>
+            </a:r>
+            <a:r>
+              <a:rPr lang="en-IN" sz="600" b="1" dirty="0" err="1">
+                <a:solidFill>
+                  <a:schemeClr val="accent2">
+                    <a:lumMod val="75000"/>
+                  </a:schemeClr>
+                </a:solidFill>
+              </a:rPr>
+              <a:t>getTree</a:t>
+            </a:r>
+            <a:r>
+              <a:rPr lang="en-IN" sz="600" dirty="0">
+                <a:solidFill>
+                  <a:schemeClr val="tx1"/>
+                </a:solidFill>
+              </a:rPr>
+              <a:t>(forest, t) </a:t>
+            </a:r>
+          </a:p>
+          <a:p>
+            <a:r>
+              <a:rPr lang="en-IN" sz="600" dirty="0">
+                <a:solidFill>
+                  <a:schemeClr val="tx1"/>
+                </a:solidFill>
+              </a:rPr>
+              <a:t>    </a:t>
+            </a:r>
+            <a:r>
+              <a:rPr lang="en-IN" sz="600" dirty="0" err="1">
+                <a:solidFill>
+                  <a:schemeClr val="tx1"/>
+                </a:solidFill>
+              </a:rPr>
+              <a:t>treePrediction</a:t>
+            </a:r>
+            <a:r>
+              <a:rPr lang="en-IN" sz="600" dirty="0">
+                <a:solidFill>
+                  <a:schemeClr val="tx1"/>
+                </a:solidFill>
+              </a:rPr>
+              <a:t> = </a:t>
+            </a:r>
+            <a:r>
+              <a:rPr lang="en-IN" sz="600" b="1" dirty="0" err="1">
+                <a:solidFill>
+                  <a:schemeClr val="accent2">
+                    <a:lumMod val="75000"/>
+                  </a:schemeClr>
+                </a:solidFill>
+              </a:rPr>
+              <a:t>WalkDecisionTree</a:t>
+            </a:r>
+            <a:r>
+              <a:rPr lang="en-IN" sz="600" dirty="0">
+                <a:solidFill>
+                  <a:schemeClr val="tx1"/>
+                </a:solidFill>
+              </a:rPr>
+              <a:t>(tree, rows[</a:t>
+            </a:r>
+            <a:r>
+              <a:rPr lang="en-IN" sz="600" dirty="0" err="1">
+                <a:solidFill>
+                  <a:schemeClr val="tx1"/>
+                </a:solidFill>
+              </a:rPr>
+              <a:t>i</a:t>
+            </a:r>
+            <a:r>
+              <a:rPr lang="en-IN" sz="600" dirty="0">
+                <a:solidFill>
+                  <a:schemeClr val="tx1"/>
+                </a:solidFill>
+              </a:rPr>
+              <a:t>])</a:t>
+            </a:r>
+          </a:p>
+          <a:p>
+            <a:r>
+              <a:rPr lang="en-IN" sz="600" dirty="0">
+                <a:solidFill>
+                  <a:schemeClr val="tx1"/>
+                </a:solidFill>
+              </a:rPr>
+              <a:t>    prediction = prediction + </a:t>
+            </a:r>
+            <a:r>
+              <a:rPr lang="en-IN" sz="600" dirty="0" err="1">
+                <a:solidFill>
+                  <a:schemeClr val="tx1"/>
+                </a:solidFill>
+              </a:rPr>
+              <a:t>treePrediction</a:t>
+            </a:r>
+            <a:endParaRPr lang="en-IN" sz="600" dirty="0">
+              <a:solidFill>
+                <a:schemeClr val="tx1"/>
+              </a:solidFill>
+            </a:endParaRPr>
+          </a:p>
+          <a:p>
+            <a:r>
+              <a:rPr lang="en-IN" sz="600" dirty="0">
+                <a:solidFill>
+                  <a:schemeClr val="tx1"/>
+                </a:solidFill>
+              </a:rPr>
+              <a:t>  }</a:t>
+            </a:r>
+          </a:p>
+          <a:p>
+            <a:r>
+              <a:rPr lang="en-IN" sz="600" dirty="0">
+                <a:solidFill>
+                  <a:schemeClr val="tx1"/>
+                </a:solidFill>
+              </a:rPr>
+              <a:t>  </a:t>
+            </a:r>
+            <a:r>
+              <a:rPr lang="en-IN" sz="600" b="1" dirty="0">
+                <a:solidFill>
+                  <a:schemeClr val="accent1"/>
+                </a:solidFill>
+              </a:rPr>
+              <a:t>for</a:t>
+            </a:r>
+            <a:r>
+              <a:rPr lang="en-IN" sz="600" dirty="0">
+                <a:solidFill>
+                  <a:schemeClr val="tx1"/>
+                </a:solidFill>
+              </a:rPr>
+              <a:t> t = 1 to 3 step 1 {</a:t>
+            </a:r>
+          </a:p>
+          <a:p>
+            <a:r>
+              <a:rPr lang="en-IN" sz="600" dirty="0">
+                <a:solidFill>
+                  <a:schemeClr val="tx1"/>
+                </a:solidFill>
+              </a:rPr>
+              <a:t>    tree = </a:t>
+            </a:r>
+            <a:r>
+              <a:rPr lang="en-IN" sz="600" b="1" dirty="0" err="1">
+                <a:solidFill>
+                  <a:schemeClr val="accent2">
+                    <a:lumMod val="75000"/>
+                  </a:schemeClr>
+                </a:solidFill>
+              </a:rPr>
+              <a:t>getTree</a:t>
+            </a:r>
+            <a:r>
+              <a:rPr lang="en-IN" sz="600" dirty="0">
+                <a:solidFill>
+                  <a:schemeClr val="tx1"/>
+                </a:solidFill>
+              </a:rPr>
+              <a:t>(forest, t) </a:t>
+            </a:r>
+          </a:p>
+          <a:p>
+            <a:r>
+              <a:rPr lang="en-IN" sz="600" dirty="0">
+                <a:solidFill>
+                  <a:schemeClr val="tx1"/>
+                </a:solidFill>
+              </a:rPr>
+              <a:t>    </a:t>
+            </a:r>
+            <a:r>
+              <a:rPr lang="en-IN" sz="600" dirty="0" err="1">
+                <a:solidFill>
+                  <a:schemeClr val="tx1"/>
+                </a:solidFill>
+              </a:rPr>
+              <a:t>treePrediction</a:t>
+            </a:r>
+            <a:r>
+              <a:rPr lang="en-IN" sz="600" dirty="0">
+                <a:solidFill>
+                  <a:schemeClr val="tx1"/>
+                </a:solidFill>
+              </a:rPr>
+              <a:t> = </a:t>
+            </a:r>
+            <a:r>
+              <a:rPr lang="en-IN" sz="600" b="1" dirty="0" err="1">
+                <a:solidFill>
+                  <a:schemeClr val="accent2">
+                    <a:lumMod val="75000"/>
+                  </a:schemeClr>
+                </a:solidFill>
+              </a:rPr>
+              <a:t>WalkDecisionTree</a:t>
+            </a:r>
+            <a:r>
+              <a:rPr lang="en-IN" sz="600" dirty="0">
+                <a:solidFill>
+                  <a:schemeClr val="tx1"/>
+                </a:solidFill>
+              </a:rPr>
+              <a:t>(tree, rows[</a:t>
+            </a:r>
+            <a:r>
+              <a:rPr lang="en-IN" sz="600" dirty="0" err="1">
+                <a:solidFill>
+                  <a:schemeClr val="tx1"/>
+                </a:solidFill>
+              </a:rPr>
+              <a:t>i</a:t>
+            </a:r>
+            <a:r>
+              <a:rPr lang="en-IN" sz="600" dirty="0">
+                <a:solidFill>
+                  <a:schemeClr val="tx1"/>
+                </a:solidFill>
+              </a:rPr>
+              <a:t>])</a:t>
+            </a:r>
+          </a:p>
+          <a:p>
+            <a:r>
+              <a:rPr lang="en-IN" sz="600" dirty="0">
+                <a:solidFill>
+                  <a:schemeClr val="tx1"/>
+                </a:solidFill>
+              </a:rPr>
+              <a:t>    prediction = prediction + </a:t>
+            </a:r>
+            <a:r>
+              <a:rPr lang="en-IN" sz="600" dirty="0" err="1">
+                <a:solidFill>
+                  <a:schemeClr val="tx1"/>
+                </a:solidFill>
+              </a:rPr>
+              <a:t>treePrediction</a:t>
+            </a:r>
+            <a:endParaRPr lang="en-IN" sz="600" dirty="0">
+              <a:solidFill>
+                <a:schemeClr val="tx1"/>
+              </a:solidFill>
+            </a:endParaRPr>
+          </a:p>
+          <a:p>
+            <a:r>
+              <a:rPr lang="en-IN" sz="600" dirty="0">
+                <a:solidFill>
+                  <a:schemeClr val="tx1"/>
+                </a:solidFill>
+              </a:rPr>
+              <a:t>  }</a:t>
+            </a:r>
+          </a:p>
+          <a:p>
+            <a:r>
+              <a:rPr lang="en-IN" sz="600" dirty="0">
+                <a:solidFill>
+                  <a:schemeClr val="tx1"/>
+                </a:solidFill>
+              </a:rPr>
+              <a:t>  predictions[</a:t>
+            </a:r>
+            <a:r>
+              <a:rPr lang="en-IN" sz="600" dirty="0" err="1">
+                <a:solidFill>
+                  <a:schemeClr val="tx1"/>
+                </a:solidFill>
+              </a:rPr>
+              <a:t>i</a:t>
+            </a:r>
+            <a:r>
+              <a:rPr lang="en-IN" sz="600" dirty="0">
+                <a:solidFill>
+                  <a:schemeClr val="tx1"/>
+                </a:solidFill>
+              </a:rPr>
+              <a:t>] = prediction</a:t>
+            </a:r>
+          </a:p>
+          <a:p>
+            <a:r>
+              <a:rPr lang="en-IN" sz="600" dirty="0">
+                <a:solidFill>
+                  <a:schemeClr val="tx1"/>
+                </a:solidFill>
+              </a:rPr>
+              <a:t>} </a:t>
+            </a:r>
+          </a:p>
+        </p:txBody>
+      </p:sp>
+      <p:sp>
+        <p:nvSpPr>
+          <p:cNvPr id="153" name="Rectangle: Rounded Corners 152">
+            <a:extLst>
+              <a:ext uri="{FF2B5EF4-FFF2-40B4-BE49-F238E27FC236}">
+                <a16:creationId xmlns:a16="http://schemas.microsoft.com/office/drawing/2014/main" id="{F988D121-8E27-45EA-96E3-5078360E3524}"/>
+              </a:ext>
+            </a:extLst>
+          </p:cNvPr>
+          <p:cNvSpPr/>
+          <p:nvPr/>
+        </p:nvSpPr>
+        <p:spPr>
+          <a:xfrm>
+            <a:off x="5421641" y="3005138"/>
+            <a:ext cx="1973036" cy="1447822"/>
+          </a:xfrm>
+          <a:prstGeom prst="roundRect">
+            <a:avLst/>
+          </a:prstGeom>
+          <a:noFill/>
+        </p:spPr>
+        <p:style>
+          <a:lnRef idx="2">
+            <a:schemeClr val="accent1">
+              <a:shade val="50000"/>
+            </a:schemeClr>
+          </a:lnRef>
+          <a:fillRef idx="1">
+            <a:schemeClr val="accent1"/>
+          </a:fillRef>
+          <a:effectRef idx="0">
+            <a:schemeClr val="accent1"/>
+          </a:effectRef>
+          <a:fontRef idx="minor">
+            <a:schemeClr val="lt1"/>
+          </a:fontRef>
+        </p:style>
+        <p:txBody>
+          <a:bodyPr rtlCol="0" anchor="ctr"/>
+          <a:lstStyle/>
+          <a:p>
+            <a:r>
+              <a:rPr lang="en-IN" sz="600" b="1" dirty="0">
+                <a:solidFill>
+                  <a:schemeClr val="accent1"/>
+                </a:solidFill>
+              </a:rPr>
+              <a:t>for</a:t>
+            </a:r>
+            <a:r>
+              <a:rPr lang="en-IN" sz="600" dirty="0">
+                <a:solidFill>
+                  <a:schemeClr val="tx1"/>
+                </a:solidFill>
+              </a:rPr>
+              <a:t> t = 0 to 1 </a:t>
+            </a:r>
+            <a:r>
+              <a:rPr lang="en-IN" sz="600" b="1" dirty="0">
+                <a:solidFill>
+                  <a:schemeClr val="accent1"/>
+                </a:solidFill>
+              </a:rPr>
+              <a:t>step</a:t>
+            </a:r>
+            <a:r>
+              <a:rPr lang="en-IN" sz="600" dirty="0">
+                <a:solidFill>
+                  <a:schemeClr val="tx1"/>
+                </a:solidFill>
+              </a:rPr>
+              <a:t> 1 {</a:t>
+            </a:r>
+          </a:p>
+          <a:p>
+            <a:r>
+              <a:rPr lang="en-IN" sz="600" dirty="0">
+                <a:solidFill>
+                  <a:schemeClr val="tx1"/>
+                </a:solidFill>
+              </a:rPr>
+              <a:t>  </a:t>
+            </a:r>
+            <a:r>
+              <a:rPr lang="en-IN" sz="600" b="1" dirty="0">
+                <a:solidFill>
+                  <a:schemeClr val="accent1"/>
+                </a:solidFill>
+              </a:rPr>
+              <a:t>for</a:t>
+            </a:r>
+            <a:r>
+              <a:rPr lang="en-IN" sz="600" dirty="0">
+                <a:solidFill>
+                  <a:schemeClr val="tx1"/>
+                </a:solidFill>
+              </a:rPr>
+              <a:t> </a:t>
+            </a:r>
+            <a:r>
+              <a:rPr lang="en-IN" sz="600" dirty="0" err="1">
+                <a:solidFill>
+                  <a:schemeClr val="tx1"/>
+                </a:solidFill>
+              </a:rPr>
+              <a:t>i</a:t>
+            </a:r>
+            <a:r>
+              <a:rPr lang="en-IN" sz="600" dirty="0">
+                <a:solidFill>
+                  <a:schemeClr val="tx1"/>
+                </a:solidFill>
+              </a:rPr>
+              <a:t> = 0 to </a:t>
+            </a:r>
+            <a:r>
+              <a:rPr lang="en-IN" sz="600" dirty="0" err="1">
+                <a:solidFill>
+                  <a:schemeClr val="tx1"/>
+                </a:solidFill>
+              </a:rPr>
+              <a:t>batchSize</a:t>
+            </a:r>
+            <a:r>
+              <a:rPr lang="en-IN" sz="600" dirty="0">
+                <a:solidFill>
+                  <a:schemeClr val="tx1"/>
+                </a:solidFill>
+              </a:rPr>
+              <a:t> </a:t>
+            </a:r>
+            <a:r>
+              <a:rPr lang="en-IN" sz="600" b="1" dirty="0">
+                <a:solidFill>
+                  <a:schemeClr val="accent1"/>
+                </a:solidFill>
+              </a:rPr>
+              <a:t>step</a:t>
+            </a:r>
+            <a:r>
+              <a:rPr lang="en-IN" sz="600" dirty="0">
+                <a:solidFill>
+                  <a:schemeClr val="tx1"/>
+                </a:solidFill>
+              </a:rPr>
+              <a:t> 1 {</a:t>
+            </a:r>
+          </a:p>
+          <a:p>
+            <a:r>
+              <a:rPr lang="en-IN" sz="600" dirty="0">
+                <a:solidFill>
+                  <a:schemeClr val="tx1"/>
+                </a:solidFill>
+              </a:rPr>
+              <a:t>    tree = </a:t>
+            </a:r>
+            <a:r>
+              <a:rPr lang="en-IN" sz="600" b="1" dirty="0" err="1">
+                <a:solidFill>
+                  <a:schemeClr val="accent2">
+                    <a:lumMod val="75000"/>
+                  </a:schemeClr>
+                </a:solidFill>
+              </a:rPr>
+              <a:t>getTree</a:t>
+            </a:r>
+            <a:r>
+              <a:rPr lang="en-IN" sz="600" dirty="0">
+                <a:solidFill>
+                  <a:schemeClr val="tx1"/>
+                </a:solidFill>
+              </a:rPr>
+              <a:t>(forest, t) </a:t>
+            </a:r>
+          </a:p>
+          <a:p>
+            <a:r>
+              <a:rPr lang="en-IN" sz="600" dirty="0">
+                <a:solidFill>
+                  <a:schemeClr val="tx1"/>
+                </a:solidFill>
+              </a:rPr>
+              <a:t>    </a:t>
+            </a:r>
+            <a:r>
+              <a:rPr lang="en-IN" sz="600" dirty="0" err="1">
+                <a:solidFill>
+                  <a:schemeClr val="tx1"/>
+                </a:solidFill>
+              </a:rPr>
+              <a:t>treePrediction</a:t>
+            </a:r>
+            <a:r>
+              <a:rPr lang="en-IN" sz="600" dirty="0">
+                <a:solidFill>
+                  <a:schemeClr val="tx1"/>
+                </a:solidFill>
+              </a:rPr>
+              <a:t> = </a:t>
+            </a:r>
+            <a:r>
+              <a:rPr lang="en-IN" sz="600" b="1" dirty="0" err="1">
+                <a:solidFill>
+                  <a:schemeClr val="accent2">
+                    <a:lumMod val="75000"/>
+                  </a:schemeClr>
+                </a:solidFill>
+              </a:rPr>
+              <a:t>WalkDecisionTree</a:t>
+            </a:r>
+            <a:r>
+              <a:rPr lang="en-IN" sz="600" dirty="0">
+                <a:solidFill>
+                  <a:schemeClr val="tx1"/>
+                </a:solidFill>
+              </a:rPr>
+              <a:t>(tree, rows[</a:t>
+            </a:r>
+            <a:r>
+              <a:rPr lang="en-IN" sz="600" dirty="0" err="1">
+                <a:solidFill>
+                  <a:schemeClr val="tx1"/>
+                </a:solidFill>
+              </a:rPr>
+              <a:t>i</a:t>
+            </a:r>
+            <a:r>
+              <a:rPr lang="en-IN" sz="600" dirty="0">
+                <a:solidFill>
+                  <a:schemeClr val="tx1"/>
+                </a:solidFill>
+              </a:rPr>
+              <a:t>])</a:t>
+            </a:r>
+          </a:p>
+          <a:p>
+            <a:r>
+              <a:rPr lang="en-IN" sz="600" dirty="0">
+                <a:solidFill>
+                  <a:schemeClr val="tx1"/>
+                </a:solidFill>
+              </a:rPr>
+              <a:t>    prediction[</a:t>
+            </a:r>
+            <a:r>
+              <a:rPr lang="en-IN" sz="600" dirty="0" err="1">
+                <a:solidFill>
+                  <a:schemeClr val="tx1"/>
+                </a:solidFill>
+              </a:rPr>
+              <a:t>i</a:t>
+            </a:r>
+            <a:r>
+              <a:rPr lang="en-IN" sz="600" dirty="0">
+                <a:solidFill>
+                  <a:schemeClr val="tx1"/>
+                </a:solidFill>
+              </a:rPr>
+              <a:t>] = prediction[</a:t>
+            </a:r>
+            <a:r>
+              <a:rPr lang="en-IN" sz="600" dirty="0" err="1">
+                <a:solidFill>
+                  <a:schemeClr val="tx1"/>
+                </a:solidFill>
+              </a:rPr>
+              <a:t>i</a:t>
+            </a:r>
+            <a:r>
+              <a:rPr lang="en-IN" sz="600" dirty="0">
+                <a:solidFill>
+                  <a:schemeClr val="tx1"/>
+                </a:solidFill>
+              </a:rPr>
+              <a:t>] + </a:t>
+            </a:r>
+            <a:r>
+              <a:rPr lang="en-IN" sz="600" dirty="0" err="1">
+                <a:solidFill>
+                  <a:schemeClr val="tx1"/>
+                </a:solidFill>
+              </a:rPr>
+              <a:t>treePrediction</a:t>
+            </a:r>
+            <a:endParaRPr lang="en-IN" sz="600" dirty="0">
+              <a:solidFill>
+                <a:schemeClr val="tx1"/>
+              </a:solidFill>
+            </a:endParaRPr>
+          </a:p>
+          <a:p>
+            <a:r>
+              <a:rPr lang="en-IN" sz="600" dirty="0">
+                <a:solidFill>
+                  <a:schemeClr val="tx1"/>
+                </a:solidFill>
+              </a:rPr>
+              <a:t>  }</a:t>
+            </a:r>
+          </a:p>
+          <a:p>
+            <a:r>
+              <a:rPr lang="en-IN" sz="600" dirty="0">
+                <a:solidFill>
+                  <a:schemeClr val="tx1"/>
+                </a:solidFill>
+              </a:rPr>
+              <a:t>}</a:t>
+            </a:r>
+          </a:p>
+          <a:p>
+            <a:r>
+              <a:rPr lang="en-IN" sz="600" b="1" dirty="0">
+                <a:solidFill>
+                  <a:schemeClr val="accent1"/>
+                </a:solidFill>
+              </a:rPr>
+              <a:t>for</a:t>
+            </a:r>
+            <a:r>
+              <a:rPr lang="en-IN" sz="600" dirty="0">
+                <a:solidFill>
+                  <a:schemeClr val="tx1"/>
+                </a:solidFill>
+              </a:rPr>
+              <a:t> t = 1 to 3 </a:t>
+            </a:r>
+            <a:r>
+              <a:rPr lang="en-IN" sz="600" b="1" dirty="0">
+                <a:solidFill>
+                  <a:schemeClr val="accent1"/>
+                </a:solidFill>
+              </a:rPr>
+              <a:t>step</a:t>
+            </a:r>
+            <a:r>
+              <a:rPr lang="en-IN" sz="600" dirty="0">
+                <a:solidFill>
+                  <a:schemeClr val="tx1"/>
+                </a:solidFill>
+              </a:rPr>
+              <a:t> 1 {</a:t>
+            </a:r>
+          </a:p>
+          <a:p>
+            <a:r>
+              <a:rPr lang="en-IN" sz="600" dirty="0">
+                <a:solidFill>
+                  <a:schemeClr val="tx1"/>
+                </a:solidFill>
+              </a:rPr>
+              <a:t>  </a:t>
+            </a:r>
+            <a:r>
+              <a:rPr lang="en-IN" sz="600" b="1" dirty="0">
+                <a:solidFill>
+                  <a:schemeClr val="accent1"/>
+                </a:solidFill>
+              </a:rPr>
+              <a:t>for</a:t>
+            </a:r>
+            <a:r>
+              <a:rPr lang="en-IN" sz="600" dirty="0">
+                <a:solidFill>
+                  <a:schemeClr val="tx1"/>
+                </a:solidFill>
+              </a:rPr>
+              <a:t> </a:t>
+            </a:r>
+            <a:r>
+              <a:rPr lang="en-IN" sz="600" dirty="0" err="1">
+                <a:solidFill>
+                  <a:schemeClr val="tx1"/>
+                </a:solidFill>
+              </a:rPr>
+              <a:t>i</a:t>
+            </a:r>
+            <a:r>
+              <a:rPr lang="en-IN" sz="600" dirty="0">
+                <a:solidFill>
+                  <a:schemeClr val="tx1"/>
+                </a:solidFill>
+              </a:rPr>
+              <a:t> = 0 to </a:t>
+            </a:r>
+            <a:r>
+              <a:rPr lang="en-IN" sz="600" dirty="0" err="1">
+                <a:solidFill>
+                  <a:schemeClr val="tx1"/>
+                </a:solidFill>
+              </a:rPr>
+              <a:t>batchSize</a:t>
+            </a:r>
+            <a:r>
+              <a:rPr lang="en-IN" sz="600" dirty="0">
+                <a:solidFill>
+                  <a:schemeClr val="tx1"/>
+                </a:solidFill>
+              </a:rPr>
+              <a:t> </a:t>
+            </a:r>
+            <a:r>
+              <a:rPr lang="en-IN" sz="600" b="1" dirty="0">
+                <a:solidFill>
+                  <a:schemeClr val="accent1"/>
+                </a:solidFill>
+              </a:rPr>
+              <a:t>step</a:t>
+            </a:r>
+            <a:r>
+              <a:rPr lang="en-IN" sz="600" dirty="0">
+                <a:solidFill>
+                  <a:schemeClr val="tx1"/>
+                </a:solidFill>
+              </a:rPr>
+              <a:t> 1 {</a:t>
+            </a:r>
+          </a:p>
+          <a:p>
+            <a:r>
+              <a:rPr lang="en-IN" sz="600" dirty="0">
+                <a:solidFill>
+                  <a:schemeClr val="tx1"/>
+                </a:solidFill>
+              </a:rPr>
+              <a:t>    tree = </a:t>
+            </a:r>
+            <a:r>
+              <a:rPr lang="en-IN" sz="600" b="1" dirty="0" err="1">
+                <a:solidFill>
+                  <a:schemeClr val="accent2">
+                    <a:lumMod val="75000"/>
+                  </a:schemeClr>
+                </a:solidFill>
+              </a:rPr>
+              <a:t>getTree</a:t>
+            </a:r>
+            <a:r>
+              <a:rPr lang="en-IN" sz="600" dirty="0">
+                <a:solidFill>
+                  <a:schemeClr val="tx1"/>
+                </a:solidFill>
+              </a:rPr>
+              <a:t>(forest, t) </a:t>
+            </a:r>
+          </a:p>
+          <a:p>
+            <a:r>
+              <a:rPr lang="en-IN" sz="600" dirty="0">
+                <a:solidFill>
+                  <a:schemeClr val="tx1"/>
+                </a:solidFill>
+              </a:rPr>
+              <a:t>    </a:t>
+            </a:r>
+            <a:r>
+              <a:rPr lang="en-IN" sz="600" dirty="0" err="1">
+                <a:solidFill>
+                  <a:schemeClr val="tx1"/>
+                </a:solidFill>
+              </a:rPr>
+              <a:t>treePrediction</a:t>
+            </a:r>
+            <a:r>
+              <a:rPr lang="en-IN" sz="600" dirty="0">
+                <a:solidFill>
+                  <a:schemeClr val="tx1"/>
+                </a:solidFill>
+              </a:rPr>
+              <a:t> = </a:t>
+            </a:r>
+            <a:r>
+              <a:rPr lang="en-IN" sz="600" b="1" dirty="0" err="1">
+                <a:solidFill>
+                  <a:schemeClr val="accent2">
+                    <a:lumMod val="75000"/>
+                  </a:schemeClr>
+                </a:solidFill>
+              </a:rPr>
+              <a:t>WalkDecisionTree</a:t>
+            </a:r>
+            <a:r>
+              <a:rPr lang="en-IN" sz="600" dirty="0">
+                <a:solidFill>
+                  <a:schemeClr val="tx1"/>
+                </a:solidFill>
+              </a:rPr>
+              <a:t>(tree, rows[</a:t>
+            </a:r>
+            <a:r>
+              <a:rPr lang="en-IN" sz="600" dirty="0" err="1">
+                <a:solidFill>
+                  <a:schemeClr val="tx1"/>
+                </a:solidFill>
+              </a:rPr>
+              <a:t>i</a:t>
+            </a:r>
+            <a:r>
+              <a:rPr lang="en-IN" sz="600" dirty="0">
+                <a:solidFill>
+                  <a:schemeClr val="tx1"/>
+                </a:solidFill>
+              </a:rPr>
+              <a:t>])</a:t>
+            </a:r>
+          </a:p>
+          <a:p>
+            <a:r>
+              <a:rPr lang="en-IN" sz="600" dirty="0">
+                <a:solidFill>
+                  <a:schemeClr val="tx1"/>
+                </a:solidFill>
+              </a:rPr>
+              <a:t>    prediction[</a:t>
+            </a:r>
+            <a:r>
+              <a:rPr lang="en-IN" sz="600" dirty="0" err="1">
+                <a:solidFill>
+                  <a:schemeClr val="tx1"/>
+                </a:solidFill>
+              </a:rPr>
+              <a:t>i</a:t>
+            </a:r>
+            <a:r>
+              <a:rPr lang="en-IN" sz="600" dirty="0">
+                <a:solidFill>
+                  <a:schemeClr val="tx1"/>
+                </a:solidFill>
+              </a:rPr>
+              <a:t>] = prediction[</a:t>
+            </a:r>
+            <a:r>
+              <a:rPr lang="en-IN" sz="600" dirty="0" err="1">
+                <a:solidFill>
+                  <a:schemeClr val="tx1"/>
+                </a:solidFill>
+              </a:rPr>
+              <a:t>i</a:t>
+            </a:r>
+            <a:r>
+              <a:rPr lang="en-IN" sz="600" dirty="0">
+                <a:solidFill>
+                  <a:schemeClr val="tx1"/>
+                </a:solidFill>
+              </a:rPr>
+              <a:t>] + </a:t>
+            </a:r>
+            <a:r>
+              <a:rPr lang="en-IN" sz="600" dirty="0" err="1">
+                <a:solidFill>
+                  <a:schemeClr val="tx1"/>
+                </a:solidFill>
+              </a:rPr>
+              <a:t>treePrediction</a:t>
+            </a:r>
+            <a:endParaRPr lang="en-IN" sz="600" dirty="0">
+              <a:solidFill>
+                <a:schemeClr val="tx1"/>
+              </a:solidFill>
+            </a:endParaRPr>
+          </a:p>
+          <a:p>
+            <a:r>
+              <a:rPr lang="en-IN" sz="600" dirty="0">
+                <a:solidFill>
+                  <a:schemeClr val="tx1"/>
+                </a:solidFill>
+              </a:rPr>
+              <a:t>  }</a:t>
+            </a:r>
+          </a:p>
+          <a:p>
+            <a:r>
+              <a:rPr lang="en-IN" sz="600" dirty="0">
+                <a:solidFill>
+                  <a:schemeClr val="tx1"/>
+                </a:solidFill>
+              </a:rPr>
+              <a:t>} </a:t>
+            </a:r>
+          </a:p>
+        </p:txBody>
+      </p:sp>
+      <p:sp>
+        <p:nvSpPr>
+          <p:cNvPr id="154" name="Arrow: Down 153">
+            <a:extLst>
+              <a:ext uri="{FF2B5EF4-FFF2-40B4-BE49-F238E27FC236}">
+                <a16:creationId xmlns:a16="http://schemas.microsoft.com/office/drawing/2014/main" id="{897BED5E-6E33-4E9D-96AD-A60EF7607A9D}"/>
+              </a:ext>
+            </a:extLst>
+          </p:cNvPr>
+          <p:cNvSpPr/>
+          <p:nvPr/>
+        </p:nvSpPr>
+        <p:spPr>
+          <a:xfrm rot="3195507">
+            <a:off x="6572000" y="2534149"/>
+            <a:ext cx="297299" cy="404279"/>
+          </a:xfrm>
+          <a:prstGeom prst="downArrow">
+            <a:avLst/>
+          </a:prstGeom>
+          <a:noFill/>
+        </p:spPr>
+        <p:style>
+          <a:lnRef idx="2">
+            <a:schemeClr val="accent1">
+              <a:shade val="50000"/>
+            </a:schemeClr>
+          </a:lnRef>
+          <a:fillRef idx="1">
+            <a:schemeClr val="accent1"/>
+          </a:fillRef>
+          <a:effectRef idx="0">
+            <a:schemeClr val="accent1"/>
+          </a:effectRef>
+          <a:fontRef idx="minor">
+            <a:schemeClr val="lt1"/>
+          </a:fontRef>
+        </p:style>
+        <p:txBody>
+          <a:bodyPr rtlCol="0" anchor="ctr"/>
+          <a:lstStyle/>
+          <a:p>
+            <a:pPr algn="ctr"/>
+            <a:endParaRPr lang="en-IN"/>
+          </a:p>
+        </p:txBody>
+      </p:sp>
+      <p:sp>
+        <p:nvSpPr>
+          <p:cNvPr id="155" name="Arrow: Down 154">
+            <a:extLst>
+              <a:ext uri="{FF2B5EF4-FFF2-40B4-BE49-F238E27FC236}">
+                <a16:creationId xmlns:a16="http://schemas.microsoft.com/office/drawing/2014/main" id="{3162C8E4-33F5-47A4-B70C-CC9A3B7D4340}"/>
+              </a:ext>
+            </a:extLst>
+          </p:cNvPr>
+          <p:cNvSpPr/>
+          <p:nvPr/>
+        </p:nvSpPr>
+        <p:spPr>
+          <a:xfrm rot="18694451">
+            <a:off x="8091994" y="2533289"/>
+            <a:ext cx="297299" cy="404279"/>
+          </a:xfrm>
+          <a:prstGeom prst="downArrow">
+            <a:avLst/>
+          </a:prstGeom>
+          <a:noFill/>
+        </p:spPr>
+        <p:style>
+          <a:lnRef idx="2">
+            <a:schemeClr val="accent1">
+              <a:shade val="50000"/>
+            </a:schemeClr>
+          </a:lnRef>
+          <a:fillRef idx="1">
+            <a:schemeClr val="accent1"/>
+          </a:fillRef>
+          <a:effectRef idx="0">
+            <a:schemeClr val="accent1"/>
+          </a:effectRef>
+          <a:fontRef idx="minor">
+            <a:schemeClr val="lt1"/>
+          </a:fontRef>
+        </p:style>
+        <p:txBody>
+          <a:bodyPr rtlCol="0" anchor="ctr"/>
+          <a:lstStyle/>
+          <a:p>
+            <a:pPr algn="ctr"/>
+            <a:endParaRPr lang="en-IN"/>
+          </a:p>
+        </p:txBody>
+      </p:sp>
+      <p:sp>
+        <p:nvSpPr>
+          <p:cNvPr id="156" name="TextBox 155">
+            <a:extLst>
+              <a:ext uri="{FF2B5EF4-FFF2-40B4-BE49-F238E27FC236}">
+                <a16:creationId xmlns:a16="http://schemas.microsoft.com/office/drawing/2014/main" id="{9DD6697F-1A83-47D4-AEB1-1F3B8D86A5E9}"/>
+              </a:ext>
+            </a:extLst>
+          </p:cNvPr>
+          <p:cNvSpPr txBox="1"/>
+          <p:nvPr/>
+        </p:nvSpPr>
+        <p:spPr>
+          <a:xfrm>
+            <a:off x="5588123" y="2634731"/>
+            <a:ext cx="1109422" cy="230832"/>
+          </a:xfrm>
+          <a:prstGeom prst="rect">
+            <a:avLst/>
+          </a:prstGeom>
+          <a:noFill/>
+        </p:spPr>
+        <p:txBody>
+          <a:bodyPr wrap="square" rtlCol="0">
+            <a:spAutoFit/>
+          </a:bodyPr>
+          <a:lstStyle/>
+          <a:p>
+            <a:r>
+              <a:rPr lang="en-US" sz="900" dirty="0"/>
+              <a:t>One tree at a time</a:t>
+            </a:r>
+            <a:endParaRPr lang="en-IN" sz="900" dirty="0"/>
+          </a:p>
+        </p:txBody>
+      </p:sp>
+      <p:sp>
+        <p:nvSpPr>
+          <p:cNvPr id="157" name="TextBox 156">
+            <a:extLst>
+              <a:ext uri="{FF2B5EF4-FFF2-40B4-BE49-F238E27FC236}">
+                <a16:creationId xmlns:a16="http://schemas.microsoft.com/office/drawing/2014/main" id="{44BA9F0B-BE04-4759-962C-16BF6EBBCEA5}"/>
+              </a:ext>
+            </a:extLst>
+          </p:cNvPr>
+          <p:cNvSpPr txBox="1"/>
+          <p:nvPr/>
+        </p:nvSpPr>
+        <p:spPr>
+          <a:xfrm>
+            <a:off x="8346665" y="2628009"/>
+            <a:ext cx="1113032" cy="230832"/>
+          </a:xfrm>
+          <a:prstGeom prst="rect">
+            <a:avLst/>
+          </a:prstGeom>
+          <a:noFill/>
+        </p:spPr>
+        <p:txBody>
+          <a:bodyPr wrap="square" rtlCol="0">
+            <a:spAutoFit/>
+          </a:bodyPr>
+          <a:lstStyle/>
+          <a:p>
+            <a:r>
+              <a:rPr lang="en-US" sz="900" dirty="0"/>
+              <a:t>One row at a time</a:t>
+            </a:r>
+            <a:endParaRPr lang="en-IN" sz="900" dirty="0"/>
+          </a:p>
+        </p:txBody>
+      </p:sp>
+      <p:sp>
+        <p:nvSpPr>
+          <p:cNvPr id="159" name="Arrow: Right 158">
+            <a:extLst>
+              <a:ext uri="{FF2B5EF4-FFF2-40B4-BE49-F238E27FC236}">
+                <a16:creationId xmlns:a16="http://schemas.microsoft.com/office/drawing/2014/main" id="{3498EF88-3D8F-4F18-9319-AE1B7A5C29D0}"/>
+              </a:ext>
+            </a:extLst>
+          </p:cNvPr>
+          <p:cNvSpPr/>
+          <p:nvPr/>
+        </p:nvSpPr>
+        <p:spPr>
+          <a:xfrm rot="10800000">
+            <a:off x="4608094" y="3580087"/>
+            <a:ext cx="635890" cy="297924"/>
+          </a:xfrm>
+          <a:prstGeom prst="rightArrow">
+            <a:avLst/>
+          </a:prstGeom>
+          <a:noFill/>
+        </p:spPr>
+        <p:style>
+          <a:lnRef idx="2">
+            <a:schemeClr val="accent1">
+              <a:shade val="50000"/>
+            </a:schemeClr>
+          </a:lnRef>
+          <a:fillRef idx="1">
+            <a:schemeClr val="accent1"/>
+          </a:fillRef>
+          <a:effectRef idx="0">
+            <a:schemeClr val="accent1"/>
+          </a:effectRef>
+          <a:fontRef idx="minor">
+            <a:schemeClr val="lt1"/>
+          </a:fontRef>
+        </p:style>
+        <p:txBody>
+          <a:bodyPr rtlCol="0" anchor="ctr"/>
+          <a:lstStyle/>
+          <a:p>
+            <a:pPr algn="ctr"/>
+            <a:endParaRPr lang="en-IN"/>
+          </a:p>
+        </p:txBody>
+      </p:sp>
+      <p:sp>
+        <p:nvSpPr>
+          <p:cNvPr id="160" name="TextBox 159">
+            <a:extLst>
+              <a:ext uri="{FF2B5EF4-FFF2-40B4-BE49-F238E27FC236}">
+                <a16:creationId xmlns:a16="http://schemas.microsoft.com/office/drawing/2014/main" id="{3ABD6676-0A7A-4564-A9E3-D0D89786AF51}"/>
+              </a:ext>
+            </a:extLst>
+          </p:cNvPr>
+          <p:cNvSpPr txBox="1"/>
+          <p:nvPr/>
+        </p:nvSpPr>
+        <p:spPr>
+          <a:xfrm>
+            <a:off x="4341591" y="3315527"/>
+            <a:ext cx="1060891" cy="230832"/>
+          </a:xfrm>
+          <a:prstGeom prst="rect">
+            <a:avLst/>
+          </a:prstGeom>
+          <a:noFill/>
+        </p:spPr>
+        <p:txBody>
+          <a:bodyPr wrap="square" rtlCol="0">
+            <a:spAutoFit/>
+          </a:bodyPr>
+          <a:lstStyle/>
+          <a:p>
+            <a:r>
+              <a:rPr lang="en-US" sz="900" dirty="0"/>
+              <a:t>Unroll tree walks</a:t>
+            </a:r>
+            <a:endParaRPr lang="en-IN" sz="900" dirty="0"/>
+          </a:p>
+        </p:txBody>
+      </p:sp>
+      <p:sp>
+        <p:nvSpPr>
+          <p:cNvPr id="161" name="Rectangle: Rounded Corners 160">
+            <a:extLst>
+              <a:ext uri="{FF2B5EF4-FFF2-40B4-BE49-F238E27FC236}">
+                <a16:creationId xmlns:a16="http://schemas.microsoft.com/office/drawing/2014/main" id="{CDF686A1-C4C2-4D14-99C0-76DE47A46C01}"/>
+              </a:ext>
+            </a:extLst>
+          </p:cNvPr>
+          <p:cNvSpPr/>
+          <p:nvPr/>
+        </p:nvSpPr>
+        <p:spPr>
+          <a:xfrm>
+            <a:off x="2200750" y="2747859"/>
+            <a:ext cx="1973036" cy="1962380"/>
+          </a:xfrm>
+          <a:prstGeom prst="roundRect">
+            <a:avLst/>
+          </a:prstGeom>
+          <a:noFill/>
+        </p:spPr>
+        <p:style>
+          <a:lnRef idx="2">
+            <a:schemeClr val="accent1">
+              <a:shade val="50000"/>
+            </a:schemeClr>
+          </a:lnRef>
+          <a:fillRef idx="1">
+            <a:schemeClr val="accent1"/>
+          </a:fillRef>
+          <a:effectRef idx="0">
+            <a:schemeClr val="accent1"/>
+          </a:effectRef>
+          <a:fontRef idx="minor">
+            <a:schemeClr val="lt1"/>
+          </a:fontRef>
+        </p:style>
+        <p:txBody>
+          <a:bodyPr rtlCol="0" anchor="ctr"/>
+          <a:lstStyle/>
+          <a:p>
+            <a:r>
+              <a:rPr lang="en-IN" sz="600" b="1" dirty="0">
+                <a:solidFill>
+                  <a:schemeClr val="accent1"/>
+                </a:solidFill>
+              </a:rPr>
+              <a:t>for</a:t>
+            </a:r>
+            <a:r>
+              <a:rPr lang="en-IN" sz="600" dirty="0">
+                <a:solidFill>
+                  <a:schemeClr val="tx1"/>
+                </a:solidFill>
+              </a:rPr>
+              <a:t> t = 0 to 1 </a:t>
+            </a:r>
+            <a:r>
+              <a:rPr lang="en-IN" sz="600" b="1" dirty="0">
+                <a:solidFill>
+                  <a:schemeClr val="accent1"/>
+                </a:solidFill>
+              </a:rPr>
+              <a:t>step</a:t>
+            </a:r>
+            <a:r>
+              <a:rPr lang="en-IN" sz="600" dirty="0">
+                <a:solidFill>
+                  <a:schemeClr val="tx1"/>
+                </a:solidFill>
+              </a:rPr>
+              <a:t> 1 {</a:t>
+            </a:r>
+          </a:p>
+          <a:p>
+            <a:r>
+              <a:rPr lang="en-IN" sz="600" dirty="0">
+                <a:solidFill>
+                  <a:schemeClr val="tx1"/>
+                </a:solidFill>
+              </a:rPr>
+              <a:t>  </a:t>
+            </a:r>
+            <a:r>
+              <a:rPr lang="en-IN" sz="600" b="1" dirty="0">
+                <a:solidFill>
+                  <a:schemeClr val="accent1"/>
+                </a:solidFill>
+              </a:rPr>
+              <a:t>for</a:t>
+            </a:r>
+            <a:r>
+              <a:rPr lang="en-IN" sz="600" dirty="0">
+                <a:solidFill>
+                  <a:schemeClr val="tx1"/>
+                </a:solidFill>
+              </a:rPr>
+              <a:t> </a:t>
+            </a:r>
+            <a:r>
+              <a:rPr lang="en-IN" sz="600" dirty="0" err="1">
+                <a:solidFill>
+                  <a:schemeClr val="tx1"/>
+                </a:solidFill>
+              </a:rPr>
+              <a:t>i</a:t>
+            </a:r>
+            <a:r>
+              <a:rPr lang="en-IN" sz="600" dirty="0">
+                <a:solidFill>
+                  <a:schemeClr val="tx1"/>
+                </a:solidFill>
+              </a:rPr>
+              <a:t> = 0 to </a:t>
+            </a:r>
+            <a:r>
+              <a:rPr lang="en-IN" sz="600" dirty="0" err="1">
+                <a:solidFill>
+                  <a:schemeClr val="tx1"/>
+                </a:solidFill>
+              </a:rPr>
+              <a:t>batchSize</a:t>
+            </a:r>
+            <a:r>
+              <a:rPr lang="en-IN" sz="600" dirty="0">
+                <a:solidFill>
+                  <a:schemeClr val="tx1"/>
+                </a:solidFill>
+              </a:rPr>
+              <a:t> </a:t>
+            </a:r>
+            <a:r>
+              <a:rPr lang="en-IN" sz="600" b="1" dirty="0">
+                <a:solidFill>
+                  <a:schemeClr val="accent1"/>
+                </a:solidFill>
+              </a:rPr>
+              <a:t>step</a:t>
+            </a:r>
+            <a:r>
+              <a:rPr lang="en-IN" sz="600" dirty="0">
+                <a:solidFill>
+                  <a:schemeClr val="tx1"/>
+                </a:solidFill>
+              </a:rPr>
+              <a:t> 1 {</a:t>
+            </a:r>
+          </a:p>
+          <a:p>
+            <a:r>
+              <a:rPr lang="en-IN" sz="600" dirty="0">
+                <a:solidFill>
+                  <a:schemeClr val="tx1"/>
+                </a:solidFill>
+              </a:rPr>
+              <a:t>    tree = </a:t>
+            </a:r>
+            <a:r>
+              <a:rPr lang="en-IN" sz="600" b="1" dirty="0" err="1">
+                <a:solidFill>
+                  <a:schemeClr val="accent2">
+                    <a:lumMod val="75000"/>
+                  </a:schemeClr>
+                </a:solidFill>
+              </a:rPr>
+              <a:t>getTree</a:t>
+            </a:r>
+            <a:r>
+              <a:rPr lang="en-IN" sz="600" dirty="0">
+                <a:solidFill>
+                  <a:schemeClr val="tx1"/>
+                </a:solidFill>
+              </a:rPr>
+              <a:t>(forest, t)</a:t>
+            </a:r>
+          </a:p>
+          <a:p>
+            <a:r>
+              <a:rPr lang="en-IN" sz="600" dirty="0">
+                <a:solidFill>
+                  <a:schemeClr val="tx1"/>
+                </a:solidFill>
+              </a:rPr>
+              <a:t>    node = </a:t>
+            </a:r>
+            <a:r>
+              <a:rPr lang="en-IN" sz="600" b="1" dirty="0" err="1">
+                <a:solidFill>
+                  <a:schemeClr val="accent2">
+                    <a:lumMod val="75000"/>
+                  </a:schemeClr>
+                </a:solidFill>
+              </a:rPr>
+              <a:t>getRoot</a:t>
+            </a:r>
+            <a:r>
+              <a:rPr lang="en-IN" sz="600" dirty="0">
+                <a:solidFill>
+                  <a:schemeClr val="tx1"/>
+                </a:solidFill>
+              </a:rPr>
+              <a:t>(tree)</a:t>
+            </a:r>
+          </a:p>
+          <a:p>
+            <a:r>
+              <a:rPr lang="en-IN" sz="600" dirty="0">
+                <a:solidFill>
+                  <a:schemeClr val="tx1"/>
+                </a:solidFill>
+              </a:rPr>
+              <a:t>    node = </a:t>
+            </a:r>
+            <a:r>
+              <a:rPr lang="en-IN" sz="600" b="1" dirty="0" err="1">
+                <a:solidFill>
+                  <a:schemeClr val="accent2">
+                    <a:lumMod val="75000"/>
+                  </a:schemeClr>
+                </a:solidFill>
+              </a:rPr>
+              <a:t>traverseTile</a:t>
+            </a:r>
+            <a:r>
+              <a:rPr lang="en-IN" sz="600" dirty="0">
+                <a:solidFill>
+                  <a:schemeClr val="tx1"/>
+                </a:solidFill>
+              </a:rPr>
+              <a:t>(node, rows[</a:t>
+            </a:r>
+            <a:r>
+              <a:rPr lang="en-IN" sz="600" dirty="0" err="1">
+                <a:solidFill>
+                  <a:schemeClr val="tx1"/>
+                </a:solidFill>
+              </a:rPr>
+              <a:t>i</a:t>
+            </a:r>
+            <a:r>
+              <a:rPr lang="en-IN" sz="600" dirty="0">
+                <a:solidFill>
+                  <a:schemeClr val="tx1"/>
+                </a:solidFill>
+              </a:rPr>
+              <a:t>]) </a:t>
+            </a:r>
+          </a:p>
+          <a:p>
+            <a:r>
+              <a:rPr lang="en-IN" sz="600" dirty="0">
+                <a:solidFill>
+                  <a:schemeClr val="tx1"/>
+                </a:solidFill>
+              </a:rPr>
+              <a:t>    </a:t>
+            </a:r>
+            <a:r>
+              <a:rPr lang="en-IN" sz="600" dirty="0" err="1">
+                <a:solidFill>
+                  <a:schemeClr val="tx1"/>
+                </a:solidFill>
+              </a:rPr>
+              <a:t>treePrediction</a:t>
+            </a:r>
+            <a:r>
+              <a:rPr lang="en-IN" sz="600" dirty="0">
+                <a:solidFill>
+                  <a:schemeClr val="tx1"/>
+                </a:solidFill>
+              </a:rPr>
+              <a:t> =</a:t>
+            </a:r>
+            <a:r>
+              <a:rPr lang="en-IN" sz="600" b="1" dirty="0" err="1">
+                <a:solidFill>
+                  <a:schemeClr val="accent2">
+                    <a:lumMod val="75000"/>
+                  </a:schemeClr>
+                </a:solidFill>
+              </a:rPr>
+              <a:t>getLeafValue</a:t>
+            </a:r>
+            <a:r>
+              <a:rPr lang="en-IN" sz="600" dirty="0">
+                <a:solidFill>
+                  <a:schemeClr val="tx1"/>
+                </a:solidFill>
+              </a:rPr>
+              <a:t>(node)</a:t>
+            </a:r>
+          </a:p>
+          <a:p>
+            <a:r>
+              <a:rPr lang="en-IN" sz="600" dirty="0">
+                <a:solidFill>
+                  <a:schemeClr val="tx1"/>
+                </a:solidFill>
+              </a:rPr>
+              <a:t>    prediction[</a:t>
+            </a:r>
+            <a:r>
+              <a:rPr lang="en-IN" sz="600" dirty="0" err="1">
+                <a:solidFill>
+                  <a:schemeClr val="tx1"/>
+                </a:solidFill>
+              </a:rPr>
+              <a:t>i</a:t>
+            </a:r>
+            <a:r>
+              <a:rPr lang="en-IN" sz="600" dirty="0">
+                <a:solidFill>
+                  <a:schemeClr val="tx1"/>
+                </a:solidFill>
+              </a:rPr>
+              <a:t>] = prediction[</a:t>
+            </a:r>
+            <a:r>
+              <a:rPr lang="en-IN" sz="600" dirty="0" err="1">
+                <a:solidFill>
+                  <a:schemeClr val="tx1"/>
+                </a:solidFill>
+              </a:rPr>
+              <a:t>i</a:t>
+            </a:r>
+            <a:r>
+              <a:rPr lang="en-IN" sz="600" dirty="0">
+                <a:solidFill>
+                  <a:schemeClr val="tx1"/>
+                </a:solidFill>
+              </a:rPr>
+              <a:t>] + </a:t>
+            </a:r>
+            <a:r>
+              <a:rPr lang="en-IN" sz="600" dirty="0" err="1">
+                <a:solidFill>
+                  <a:schemeClr val="tx1"/>
+                </a:solidFill>
+              </a:rPr>
+              <a:t>treePrediction</a:t>
+            </a:r>
+            <a:endParaRPr lang="en-IN" sz="600" dirty="0">
+              <a:solidFill>
+                <a:schemeClr val="tx1"/>
+              </a:solidFill>
+            </a:endParaRPr>
+          </a:p>
+          <a:p>
+            <a:r>
+              <a:rPr lang="en-IN" sz="600" dirty="0">
+                <a:solidFill>
+                  <a:schemeClr val="tx1"/>
+                </a:solidFill>
+              </a:rPr>
+              <a:t>  }</a:t>
+            </a:r>
+          </a:p>
+          <a:p>
+            <a:r>
+              <a:rPr lang="en-IN" sz="600" dirty="0">
+                <a:solidFill>
+                  <a:schemeClr val="tx1"/>
+                </a:solidFill>
+              </a:rPr>
+              <a:t>}</a:t>
+            </a:r>
+          </a:p>
+          <a:p>
+            <a:r>
+              <a:rPr lang="en-IN" sz="600" b="1" dirty="0">
+                <a:solidFill>
+                  <a:schemeClr val="accent1"/>
+                </a:solidFill>
+              </a:rPr>
+              <a:t>for</a:t>
+            </a:r>
+            <a:r>
+              <a:rPr lang="en-IN" sz="600" dirty="0">
+                <a:solidFill>
+                  <a:schemeClr val="tx1"/>
+                </a:solidFill>
+              </a:rPr>
+              <a:t> t = 1 to 3 </a:t>
+            </a:r>
+            <a:r>
+              <a:rPr lang="en-IN" sz="600" b="1" dirty="0">
+                <a:solidFill>
+                  <a:schemeClr val="accent1"/>
+                </a:solidFill>
+              </a:rPr>
+              <a:t>step</a:t>
+            </a:r>
+            <a:r>
+              <a:rPr lang="en-IN" sz="600" dirty="0">
+                <a:solidFill>
+                  <a:schemeClr val="tx1"/>
+                </a:solidFill>
+              </a:rPr>
+              <a:t> 1 {</a:t>
+            </a:r>
+          </a:p>
+          <a:p>
+            <a:r>
+              <a:rPr lang="en-IN" sz="600" dirty="0">
+                <a:solidFill>
+                  <a:schemeClr val="tx1"/>
+                </a:solidFill>
+              </a:rPr>
+              <a:t>  </a:t>
+            </a:r>
+            <a:r>
+              <a:rPr lang="en-IN" sz="600" b="1" dirty="0">
+                <a:solidFill>
+                  <a:schemeClr val="accent1"/>
+                </a:solidFill>
+              </a:rPr>
+              <a:t>for</a:t>
+            </a:r>
+            <a:r>
+              <a:rPr lang="en-IN" sz="600" dirty="0">
+                <a:solidFill>
+                  <a:schemeClr val="tx1"/>
+                </a:solidFill>
+              </a:rPr>
+              <a:t> </a:t>
+            </a:r>
+            <a:r>
+              <a:rPr lang="en-IN" sz="600" dirty="0" err="1">
+                <a:solidFill>
+                  <a:schemeClr val="tx1"/>
+                </a:solidFill>
+              </a:rPr>
+              <a:t>i</a:t>
+            </a:r>
+            <a:r>
+              <a:rPr lang="en-IN" sz="600" dirty="0">
+                <a:solidFill>
+                  <a:schemeClr val="tx1"/>
+                </a:solidFill>
+              </a:rPr>
+              <a:t> = 0 to </a:t>
+            </a:r>
+            <a:r>
+              <a:rPr lang="en-IN" sz="600" dirty="0" err="1">
+                <a:solidFill>
+                  <a:schemeClr val="tx1"/>
+                </a:solidFill>
+              </a:rPr>
+              <a:t>batchSize</a:t>
+            </a:r>
+            <a:r>
+              <a:rPr lang="en-IN" sz="600" dirty="0">
+                <a:solidFill>
+                  <a:schemeClr val="tx1"/>
+                </a:solidFill>
+              </a:rPr>
+              <a:t> </a:t>
+            </a:r>
+            <a:r>
+              <a:rPr lang="en-IN" sz="600" b="1" dirty="0">
+                <a:solidFill>
+                  <a:schemeClr val="accent1"/>
+                </a:solidFill>
+              </a:rPr>
+              <a:t>step</a:t>
+            </a:r>
+            <a:r>
+              <a:rPr lang="en-IN" sz="600" dirty="0">
+                <a:solidFill>
+                  <a:schemeClr val="tx1"/>
+                </a:solidFill>
+              </a:rPr>
+              <a:t> 1 {</a:t>
+            </a:r>
+          </a:p>
+          <a:p>
+            <a:r>
+              <a:rPr lang="en-IN" sz="600" dirty="0">
+                <a:solidFill>
+                  <a:schemeClr val="tx1"/>
+                </a:solidFill>
+              </a:rPr>
+              <a:t>    tree = </a:t>
+            </a:r>
+            <a:r>
+              <a:rPr lang="en-IN" sz="600" b="1" dirty="0" err="1">
+                <a:solidFill>
+                  <a:schemeClr val="accent2">
+                    <a:lumMod val="75000"/>
+                  </a:schemeClr>
+                </a:solidFill>
+              </a:rPr>
+              <a:t>getTree</a:t>
+            </a:r>
+            <a:r>
+              <a:rPr lang="en-IN" sz="600" dirty="0">
+                <a:solidFill>
+                  <a:schemeClr val="tx1"/>
+                </a:solidFill>
+              </a:rPr>
+              <a:t>(forest, t) </a:t>
+            </a:r>
+          </a:p>
+          <a:p>
+            <a:r>
+              <a:rPr lang="en-IN" sz="600" dirty="0">
+                <a:solidFill>
+                  <a:schemeClr val="tx1"/>
+                </a:solidFill>
+              </a:rPr>
+              <a:t>    node = </a:t>
+            </a:r>
+            <a:r>
+              <a:rPr lang="en-IN" sz="600" b="1" dirty="0" err="1">
+                <a:solidFill>
+                  <a:schemeClr val="accent2">
+                    <a:lumMod val="75000"/>
+                  </a:schemeClr>
+                </a:solidFill>
+              </a:rPr>
+              <a:t>getRoot</a:t>
+            </a:r>
+            <a:r>
+              <a:rPr lang="en-IN" sz="600" dirty="0">
+                <a:solidFill>
+                  <a:schemeClr val="tx1"/>
+                </a:solidFill>
+              </a:rPr>
+              <a:t>(tree)</a:t>
+            </a:r>
+          </a:p>
+          <a:p>
+            <a:r>
+              <a:rPr lang="en-IN" sz="600" dirty="0">
+                <a:solidFill>
+                  <a:schemeClr val="tx1"/>
+                </a:solidFill>
+              </a:rPr>
+              <a:t>    node = </a:t>
+            </a:r>
+            <a:r>
+              <a:rPr lang="en-IN" sz="600" b="1" dirty="0" err="1">
+                <a:solidFill>
+                  <a:schemeClr val="accent2">
+                    <a:lumMod val="75000"/>
+                  </a:schemeClr>
+                </a:solidFill>
+              </a:rPr>
+              <a:t>traverseTile</a:t>
+            </a:r>
+            <a:r>
+              <a:rPr lang="en-IN" sz="600" dirty="0">
+                <a:solidFill>
+                  <a:schemeClr val="tx1"/>
+                </a:solidFill>
+              </a:rPr>
+              <a:t>(node, rows[</a:t>
+            </a:r>
+            <a:r>
+              <a:rPr lang="en-IN" sz="600" dirty="0" err="1">
+                <a:solidFill>
+                  <a:schemeClr val="tx1"/>
+                </a:solidFill>
+              </a:rPr>
+              <a:t>i</a:t>
+            </a:r>
+            <a:r>
+              <a:rPr lang="en-IN" sz="600" dirty="0">
+                <a:solidFill>
+                  <a:schemeClr val="tx1"/>
+                </a:solidFill>
+              </a:rPr>
+              <a:t>]) </a:t>
+            </a:r>
+          </a:p>
+          <a:p>
+            <a:r>
+              <a:rPr lang="en-IN" sz="600" dirty="0">
+                <a:solidFill>
+                  <a:schemeClr val="tx1"/>
+                </a:solidFill>
+              </a:rPr>
+              <a:t>    node = </a:t>
+            </a:r>
+            <a:r>
+              <a:rPr lang="en-IN" sz="600" b="1" dirty="0" err="1">
+                <a:solidFill>
+                  <a:schemeClr val="accent2">
+                    <a:lumMod val="75000"/>
+                  </a:schemeClr>
+                </a:solidFill>
+              </a:rPr>
+              <a:t>traverseTile</a:t>
+            </a:r>
+            <a:r>
+              <a:rPr lang="en-IN" sz="600" dirty="0">
+                <a:solidFill>
+                  <a:schemeClr val="tx1"/>
+                </a:solidFill>
+              </a:rPr>
+              <a:t>(node, rows[</a:t>
+            </a:r>
+            <a:r>
+              <a:rPr lang="en-IN" sz="600" dirty="0" err="1">
+                <a:solidFill>
+                  <a:schemeClr val="tx1"/>
+                </a:solidFill>
+              </a:rPr>
+              <a:t>i</a:t>
+            </a:r>
+            <a:r>
+              <a:rPr lang="en-IN" sz="600" dirty="0">
+                <a:solidFill>
+                  <a:schemeClr val="tx1"/>
+                </a:solidFill>
+              </a:rPr>
+              <a:t>])</a:t>
+            </a:r>
+          </a:p>
+          <a:p>
+            <a:r>
+              <a:rPr lang="en-IN" sz="600" dirty="0">
+                <a:solidFill>
+                  <a:schemeClr val="tx1"/>
+                </a:solidFill>
+              </a:rPr>
+              <a:t>    </a:t>
+            </a:r>
+            <a:r>
+              <a:rPr lang="en-IN" sz="600" dirty="0" err="1">
+                <a:solidFill>
+                  <a:schemeClr val="tx1"/>
+                </a:solidFill>
+              </a:rPr>
+              <a:t>treePrediction</a:t>
+            </a:r>
+            <a:r>
+              <a:rPr lang="en-IN" sz="600" dirty="0">
+                <a:solidFill>
+                  <a:schemeClr val="tx1"/>
+                </a:solidFill>
+              </a:rPr>
+              <a:t> =</a:t>
+            </a:r>
+            <a:r>
+              <a:rPr lang="en-IN" sz="600" b="1" dirty="0" err="1">
+                <a:solidFill>
+                  <a:schemeClr val="accent2">
+                    <a:lumMod val="75000"/>
+                  </a:schemeClr>
+                </a:solidFill>
+              </a:rPr>
+              <a:t>getLeafValue</a:t>
+            </a:r>
+            <a:r>
+              <a:rPr lang="en-IN" sz="600" dirty="0">
+                <a:solidFill>
+                  <a:schemeClr val="tx1"/>
+                </a:solidFill>
+              </a:rPr>
+              <a:t>(node)</a:t>
+            </a:r>
+          </a:p>
+          <a:p>
+            <a:r>
+              <a:rPr lang="en-IN" sz="600" dirty="0">
+                <a:solidFill>
+                  <a:schemeClr val="tx1"/>
+                </a:solidFill>
+              </a:rPr>
+              <a:t>    prediction[</a:t>
+            </a:r>
+            <a:r>
+              <a:rPr lang="en-IN" sz="600" dirty="0" err="1">
+                <a:solidFill>
+                  <a:schemeClr val="tx1"/>
+                </a:solidFill>
+              </a:rPr>
+              <a:t>i</a:t>
+            </a:r>
+            <a:r>
+              <a:rPr lang="en-IN" sz="600" dirty="0">
+                <a:solidFill>
+                  <a:schemeClr val="tx1"/>
+                </a:solidFill>
+              </a:rPr>
+              <a:t>] = prediction[</a:t>
+            </a:r>
+            <a:r>
+              <a:rPr lang="en-IN" sz="600" dirty="0" err="1">
+                <a:solidFill>
+                  <a:schemeClr val="tx1"/>
+                </a:solidFill>
+              </a:rPr>
+              <a:t>i</a:t>
+            </a:r>
+            <a:r>
+              <a:rPr lang="en-IN" sz="600" dirty="0">
+                <a:solidFill>
+                  <a:schemeClr val="tx1"/>
+                </a:solidFill>
+              </a:rPr>
+              <a:t>] + </a:t>
+            </a:r>
+            <a:r>
+              <a:rPr lang="en-IN" sz="600" dirty="0" err="1">
+                <a:solidFill>
+                  <a:schemeClr val="tx1"/>
+                </a:solidFill>
+              </a:rPr>
+              <a:t>treePrediction</a:t>
+            </a:r>
+            <a:endParaRPr lang="en-IN" sz="600" dirty="0">
+              <a:solidFill>
+                <a:schemeClr val="tx1"/>
+              </a:solidFill>
+            </a:endParaRPr>
+          </a:p>
+          <a:p>
+            <a:r>
+              <a:rPr lang="en-IN" sz="600" dirty="0">
+                <a:solidFill>
+                  <a:schemeClr val="tx1"/>
+                </a:solidFill>
+              </a:rPr>
+              <a:t>  }</a:t>
+            </a:r>
+          </a:p>
+          <a:p>
+            <a:r>
+              <a:rPr lang="en-IN" sz="600" dirty="0">
+                <a:solidFill>
+                  <a:schemeClr val="tx1"/>
+                </a:solidFill>
+              </a:rPr>
+              <a:t>} </a:t>
+            </a:r>
+          </a:p>
+        </p:txBody>
+      </p:sp>
+      <p:sp>
+        <p:nvSpPr>
+          <p:cNvPr id="162" name="Arrow: Bent 161">
+            <a:extLst>
+              <a:ext uri="{FF2B5EF4-FFF2-40B4-BE49-F238E27FC236}">
+                <a16:creationId xmlns:a16="http://schemas.microsoft.com/office/drawing/2014/main" id="{249685A5-BA45-45D4-B137-29D6FF817716}"/>
+              </a:ext>
+            </a:extLst>
+          </p:cNvPr>
+          <p:cNvSpPr/>
+          <p:nvPr/>
+        </p:nvSpPr>
+        <p:spPr>
+          <a:xfrm rot="10800000" flipH="1">
+            <a:off x="3135379" y="4884089"/>
+            <a:ext cx="938059" cy="873733"/>
+          </a:xfrm>
+          <a:prstGeom prst="bentArrow">
+            <a:avLst>
+              <a:gd name="adj1" fmla="val 16303"/>
+              <a:gd name="adj2" fmla="val 19143"/>
+              <a:gd name="adj3" fmla="val 34230"/>
+              <a:gd name="adj4" fmla="val 43750"/>
+            </a:avLst>
+          </a:prstGeom>
+          <a:noFill/>
+        </p:spPr>
+        <p:style>
+          <a:lnRef idx="2">
+            <a:schemeClr val="accent1">
+              <a:shade val="50000"/>
+            </a:schemeClr>
+          </a:lnRef>
+          <a:fillRef idx="1">
+            <a:schemeClr val="accent1"/>
+          </a:fillRef>
+          <a:effectRef idx="0">
+            <a:schemeClr val="accent1"/>
+          </a:effectRef>
+          <a:fontRef idx="minor">
+            <a:schemeClr val="lt1"/>
+          </a:fontRef>
+        </p:style>
+        <p:txBody>
+          <a:bodyPr rtlCol="0" anchor="ctr"/>
+          <a:lstStyle/>
+          <a:p>
+            <a:pPr algn="ctr"/>
+            <a:endParaRPr lang="en-IN"/>
+          </a:p>
+        </p:txBody>
+      </p:sp>
+      <p:sp>
+        <p:nvSpPr>
+          <p:cNvPr id="163" name="TextBox 162">
+            <a:extLst>
+              <a:ext uri="{FF2B5EF4-FFF2-40B4-BE49-F238E27FC236}">
+                <a16:creationId xmlns:a16="http://schemas.microsoft.com/office/drawing/2014/main" id="{D16CDE49-D32E-421A-8E9D-0B5DAD5DAE24}"/>
+              </a:ext>
+            </a:extLst>
+          </p:cNvPr>
+          <p:cNvSpPr txBox="1"/>
+          <p:nvPr/>
+        </p:nvSpPr>
+        <p:spPr>
+          <a:xfrm>
+            <a:off x="3237766" y="5757823"/>
+            <a:ext cx="806118" cy="230832"/>
+          </a:xfrm>
+          <a:prstGeom prst="rect">
+            <a:avLst/>
+          </a:prstGeom>
+          <a:noFill/>
+        </p:spPr>
+        <p:txBody>
+          <a:bodyPr wrap="square" rtlCol="0">
+            <a:spAutoFit/>
+          </a:bodyPr>
+          <a:lstStyle/>
+          <a:p>
+            <a:r>
+              <a:rPr lang="en-US" sz="900" dirty="0"/>
+              <a:t>Vectorize</a:t>
+            </a:r>
+            <a:endParaRPr lang="en-IN" sz="900" dirty="0"/>
+          </a:p>
+        </p:txBody>
+      </p:sp>
+      <p:sp>
+        <p:nvSpPr>
+          <p:cNvPr id="164" name="Rectangle: Rounded Corners 163">
+            <a:extLst>
+              <a:ext uri="{FF2B5EF4-FFF2-40B4-BE49-F238E27FC236}">
+                <a16:creationId xmlns:a16="http://schemas.microsoft.com/office/drawing/2014/main" id="{C6DCE528-351B-4971-907D-C526C9868834}"/>
+              </a:ext>
+            </a:extLst>
+          </p:cNvPr>
+          <p:cNvSpPr/>
+          <p:nvPr/>
+        </p:nvSpPr>
+        <p:spPr>
+          <a:xfrm>
+            <a:off x="4175437" y="4833079"/>
+            <a:ext cx="2141282" cy="1870616"/>
+          </a:xfrm>
+          <a:prstGeom prst="roundRect">
+            <a:avLst/>
+          </a:prstGeom>
+          <a:noFill/>
+        </p:spPr>
+        <p:style>
+          <a:lnRef idx="2">
+            <a:schemeClr val="accent1">
+              <a:shade val="50000"/>
+            </a:schemeClr>
+          </a:lnRef>
+          <a:fillRef idx="1">
+            <a:schemeClr val="accent1"/>
+          </a:fillRef>
+          <a:effectRef idx="0">
+            <a:schemeClr val="accent1"/>
+          </a:effectRef>
+          <a:fontRef idx="minor">
+            <a:schemeClr val="lt1"/>
+          </a:fontRef>
+        </p:style>
+        <p:txBody>
+          <a:bodyPr rtlCol="0" anchor="ctr"/>
+          <a:lstStyle/>
+          <a:p>
+            <a:r>
+              <a:rPr lang="en-IN" sz="600" dirty="0">
+                <a:solidFill>
+                  <a:schemeClr val="tx1"/>
+                </a:solidFill>
+              </a:rPr>
+              <a:t>   </a:t>
+            </a:r>
+            <a:r>
+              <a:rPr lang="en-IN" sz="600" dirty="0">
+                <a:solidFill>
+                  <a:schemeClr val="accent6"/>
+                </a:solidFill>
+              </a:rPr>
+              <a:t>// …</a:t>
+            </a:r>
+          </a:p>
+          <a:p>
+            <a:r>
+              <a:rPr lang="en-IN" sz="600" dirty="0">
+                <a:solidFill>
+                  <a:schemeClr val="tx1"/>
+                </a:solidFill>
+              </a:rPr>
+              <a:t>   </a:t>
+            </a:r>
+            <a:r>
+              <a:rPr lang="en-IN" sz="600" dirty="0">
+                <a:solidFill>
+                  <a:schemeClr val="accent6"/>
+                </a:solidFill>
+              </a:rPr>
+              <a:t>// Low level IR for single </a:t>
+            </a:r>
+            <a:r>
+              <a:rPr lang="en-IN" sz="600" dirty="0" err="1">
+                <a:solidFill>
+                  <a:schemeClr val="accent6"/>
+                </a:solidFill>
+              </a:rPr>
+              <a:t>traverseTile</a:t>
+            </a:r>
+            <a:endParaRPr lang="en-IN" sz="600" dirty="0">
+              <a:solidFill>
+                <a:schemeClr val="accent6"/>
+              </a:solidFill>
+            </a:endParaRPr>
+          </a:p>
+          <a:p>
+            <a:r>
+              <a:rPr lang="en-IN" sz="600" dirty="0">
+                <a:solidFill>
+                  <a:schemeClr val="tx1"/>
+                </a:solidFill>
+              </a:rPr>
+              <a:t>   thresholds = </a:t>
+            </a:r>
+            <a:r>
+              <a:rPr lang="en-IN" sz="600" b="1" dirty="0" err="1">
+                <a:solidFill>
+                  <a:schemeClr val="accent2">
+                    <a:lumMod val="75000"/>
+                  </a:schemeClr>
+                </a:solidFill>
+              </a:rPr>
+              <a:t>loadThresholds</a:t>
+            </a:r>
+            <a:r>
+              <a:rPr lang="en-IN" sz="600" dirty="0">
+                <a:solidFill>
+                  <a:schemeClr val="tx1"/>
+                </a:solidFill>
+              </a:rPr>
+              <a:t>(tree, n)</a:t>
+            </a:r>
+          </a:p>
+          <a:p>
+            <a:r>
+              <a:rPr lang="en-IN" sz="600" dirty="0">
+                <a:solidFill>
+                  <a:schemeClr val="tx1"/>
+                </a:solidFill>
+              </a:rPr>
+              <a:t>   </a:t>
+            </a:r>
+            <a:r>
+              <a:rPr lang="en-IN" sz="600" dirty="0" err="1">
+                <a:solidFill>
+                  <a:schemeClr val="tx1"/>
+                </a:solidFill>
+              </a:rPr>
+              <a:t>featureIndices</a:t>
+            </a:r>
+            <a:r>
+              <a:rPr lang="en-IN" sz="600" dirty="0">
+                <a:solidFill>
+                  <a:schemeClr val="tx1"/>
+                </a:solidFill>
+              </a:rPr>
+              <a:t> = </a:t>
+            </a:r>
+            <a:r>
+              <a:rPr lang="en-IN" sz="600" b="1" dirty="0" err="1">
+                <a:solidFill>
+                  <a:schemeClr val="accent2">
+                    <a:lumMod val="75000"/>
+                  </a:schemeClr>
+                </a:solidFill>
+              </a:rPr>
+              <a:t>loadFeatureIndices</a:t>
+            </a:r>
+            <a:r>
+              <a:rPr lang="en-IN" sz="600" dirty="0">
+                <a:solidFill>
+                  <a:schemeClr val="tx1"/>
+                </a:solidFill>
+              </a:rPr>
+              <a:t>(tree, n)</a:t>
+            </a:r>
+          </a:p>
+          <a:p>
+            <a:r>
+              <a:rPr lang="en-IN" sz="600" dirty="0">
+                <a:solidFill>
+                  <a:schemeClr val="tx1"/>
+                </a:solidFill>
+              </a:rPr>
+              <a:t>   </a:t>
+            </a:r>
+            <a:r>
+              <a:rPr lang="en-IN" sz="600" dirty="0">
+                <a:solidFill>
+                  <a:schemeClr val="accent6"/>
+                </a:solidFill>
+              </a:rPr>
+              <a:t>// Gather required feature from the current row</a:t>
+            </a:r>
+          </a:p>
+          <a:p>
+            <a:r>
+              <a:rPr lang="en-IN" sz="600" dirty="0">
+                <a:solidFill>
+                  <a:schemeClr val="tx1"/>
+                </a:solidFill>
+              </a:rPr>
+              <a:t>   features = rows[</a:t>
+            </a:r>
+            <a:r>
+              <a:rPr lang="en-IN" sz="600" dirty="0" err="1">
+                <a:solidFill>
+                  <a:schemeClr val="tx1"/>
+                </a:solidFill>
+              </a:rPr>
+              <a:t>i</a:t>
+            </a:r>
+            <a:r>
+              <a:rPr lang="en-IN" sz="600" dirty="0">
+                <a:solidFill>
+                  <a:schemeClr val="tx1"/>
+                </a:solidFill>
+              </a:rPr>
+              <a:t>][</a:t>
+            </a:r>
+            <a:r>
+              <a:rPr lang="en-IN" sz="600" dirty="0" err="1">
+                <a:solidFill>
+                  <a:schemeClr val="tx1"/>
+                </a:solidFill>
+              </a:rPr>
+              <a:t>featureIndices</a:t>
+            </a:r>
+            <a:r>
+              <a:rPr lang="en-IN" sz="600" dirty="0">
+                <a:solidFill>
+                  <a:schemeClr val="tx1"/>
+                </a:solidFill>
+              </a:rPr>
+              <a:t>]</a:t>
+            </a:r>
+          </a:p>
+          <a:p>
+            <a:r>
+              <a:rPr lang="en-IN" sz="600" dirty="0">
+                <a:solidFill>
+                  <a:schemeClr val="tx1"/>
+                </a:solidFill>
+              </a:rPr>
+              <a:t>   </a:t>
+            </a:r>
+            <a:r>
+              <a:rPr lang="en-IN" sz="600" dirty="0">
+                <a:solidFill>
+                  <a:schemeClr val="accent6"/>
+                </a:solidFill>
+              </a:rPr>
+              <a:t>// Vector comparison of features and thresholds</a:t>
+            </a:r>
+          </a:p>
+          <a:p>
+            <a:r>
+              <a:rPr lang="en-IN" sz="600" dirty="0">
+                <a:solidFill>
+                  <a:schemeClr val="tx1"/>
+                </a:solidFill>
+              </a:rPr>
+              <a:t>    comparison = features &lt; thresholds</a:t>
+            </a:r>
+          </a:p>
+          <a:p>
+            <a:r>
+              <a:rPr lang="en-IN" sz="600" dirty="0">
+                <a:solidFill>
+                  <a:schemeClr val="tx1"/>
+                </a:solidFill>
+              </a:rPr>
+              <a:t>      </a:t>
+            </a:r>
+          </a:p>
+          <a:p>
+            <a:r>
+              <a:rPr lang="en-IN" sz="600" dirty="0">
+                <a:solidFill>
+                  <a:schemeClr val="accent6"/>
+                </a:solidFill>
+              </a:rPr>
+              <a:t>   // Pack bits in comparison vector into an integer</a:t>
+            </a:r>
+          </a:p>
+          <a:p>
+            <a:r>
+              <a:rPr lang="en-IN" sz="600" dirty="0">
+                <a:solidFill>
+                  <a:schemeClr val="tx1"/>
+                </a:solidFill>
+              </a:rPr>
+              <a:t>   </a:t>
+            </a:r>
+            <a:r>
+              <a:rPr lang="en-IN" sz="600" dirty="0" err="1">
+                <a:solidFill>
+                  <a:schemeClr val="tx1"/>
+                </a:solidFill>
+              </a:rPr>
+              <a:t>comparisonIndex</a:t>
+            </a:r>
+            <a:r>
+              <a:rPr lang="en-IN" sz="600" dirty="0">
+                <a:solidFill>
+                  <a:schemeClr val="tx1"/>
+                </a:solidFill>
+              </a:rPr>
+              <a:t> = </a:t>
+            </a:r>
+            <a:r>
+              <a:rPr lang="en-IN" sz="600" b="1" dirty="0" err="1">
+                <a:solidFill>
+                  <a:schemeClr val="accent2">
+                    <a:lumMod val="75000"/>
+                  </a:schemeClr>
+                </a:solidFill>
+              </a:rPr>
+              <a:t>combineBitsIntoInt</a:t>
+            </a:r>
+            <a:r>
+              <a:rPr lang="en-IN" sz="600" dirty="0">
+                <a:solidFill>
+                  <a:schemeClr val="tx1"/>
+                </a:solidFill>
+              </a:rPr>
+              <a:t>(comparison)</a:t>
+            </a:r>
+          </a:p>
+          <a:p>
+            <a:r>
+              <a:rPr lang="en-IN" sz="600" dirty="0">
+                <a:solidFill>
+                  <a:schemeClr val="tx1"/>
+                </a:solidFill>
+              </a:rPr>
+              <a:t>      </a:t>
+            </a:r>
+          </a:p>
+          <a:p>
+            <a:r>
+              <a:rPr lang="en-IN" sz="600" dirty="0">
+                <a:solidFill>
+                  <a:schemeClr val="tx1"/>
+                </a:solidFill>
+              </a:rPr>
+              <a:t>   </a:t>
+            </a:r>
+            <a:r>
+              <a:rPr lang="en-IN" sz="600" dirty="0">
+                <a:solidFill>
+                  <a:schemeClr val="accent6"/>
+                </a:solidFill>
+              </a:rPr>
+              <a:t>// Get child index of tile we need to move to</a:t>
+            </a:r>
+          </a:p>
+          <a:p>
+            <a:r>
+              <a:rPr lang="en-IN" sz="600" dirty="0">
+                <a:solidFill>
+                  <a:schemeClr val="tx1"/>
+                </a:solidFill>
+              </a:rPr>
+              <a:t>   </a:t>
+            </a:r>
+            <a:r>
+              <a:rPr lang="en-IN" sz="600" dirty="0" err="1">
+                <a:solidFill>
+                  <a:schemeClr val="tx1"/>
+                </a:solidFill>
+              </a:rPr>
+              <a:t>tileShape</a:t>
+            </a:r>
+            <a:r>
+              <a:rPr lang="en-IN" sz="600" dirty="0">
+                <a:solidFill>
+                  <a:schemeClr val="tx1"/>
+                </a:solidFill>
+              </a:rPr>
+              <a:t> = </a:t>
+            </a:r>
+            <a:r>
+              <a:rPr lang="en-IN" sz="600" b="1" dirty="0" err="1">
+                <a:solidFill>
+                  <a:schemeClr val="accent2">
+                    <a:lumMod val="75000"/>
+                  </a:schemeClr>
+                </a:solidFill>
+              </a:rPr>
+              <a:t>loadTileShape</a:t>
+            </a:r>
+            <a:r>
+              <a:rPr lang="en-IN" sz="600" dirty="0">
+                <a:solidFill>
+                  <a:schemeClr val="tx1"/>
+                </a:solidFill>
+              </a:rPr>
+              <a:t>(tree, n)</a:t>
+            </a:r>
+          </a:p>
+          <a:p>
+            <a:r>
+              <a:rPr lang="en-IN" sz="600" dirty="0">
+                <a:solidFill>
+                  <a:schemeClr val="tx1"/>
+                </a:solidFill>
+              </a:rPr>
+              <a:t>   </a:t>
+            </a:r>
+            <a:r>
+              <a:rPr lang="en-IN" sz="600" dirty="0" err="1">
+                <a:solidFill>
+                  <a:schemeClr val="tx1"/>
+                </a:solidFill>
+              </a:rPr>
+              <a:t>childIndex</a:t>
+            </a:r>
+            <a:r>
+              <a:rPr lang="en-IN" sz="600" dirty="0">
+                <a:solidFill>
+                  <a:schemeClr val="tx1"/>
+                </a:solidFill>
+              </a:rPr>
+              <a:t> = LUT[</a:t>
+            </a:r>
+            <a:r>
+              <a:rPr lang="en-IN" sz="600" dirty="0" err="1">
+                <a:solidFill>
+                  <a:schemeClr val="tx1"/>
+                </a:solidFill>
+              </a:rPr>
+              <a:t>tileShapeID</a:t>
+            </a:r>
+            <a:r>
+              <a:rPr lang="en-IN" sz="600" dirty="0">
+                <a:solidFill>
+                  <a:schemeClr val="tx1"/>
+                </a:solidFill>
+              </a:rPr>
+              <a:t>, </a:t>
+            </a:r>
+            <a:r>
+              <a:rPr lang="en-IN" sz="600" dirty="0" err="1">
+                <a:solidFill>
+                  <a:schemeClr val="tx1"/>
+                </a:solidFill>
+              </a:rPr>
+              <a:t>comparisonIndex</a:t>
+            </a:r>
+            <a:r>
+              <a:rPr lang="en-IN" sz="600" dirty="0">
+                <a:solidFill>
+                  <a:schemeClr val="tx1"/>
+                </a:solidFill>
+              </a:rPr>
+              <a:t>]</a:t>
+            </a:r>
+          </a:p>
+          <a:p>
+            <a:r>
+              <a:rPr lang="en-IN" sz="600" dirty="0">
+                <a:solidFill>
+                  <a:schemeClr val="tx1"/>
+                </a:solidFill>
+              </a:rPr>
+              <a:t>      </a:t>
+            </a:r>
+          </a:p>
+          <a:p>
+            <a:r>
+              <a:rPr lang="en-IN" sz="600" dirty="0">
+                <a:solidFill>
+                  <a:schemeClr val="tx1"/>
+                </a:solidFill>
+              </a:rPr>
+              <a:t>   </a:t>
+            </a:r>
+            <a:r>
+              <a:rPr lang="en-IN" sz="600" dirty="0">
+                <a:solidFill>
+                  <a:schemeClr val="accent6"/>
+                </a:solidFill>
+              </a:rPr>
+              <a:t>// Move to the correct child of the current node</a:t>
+            </a:r>
+          </a:p>
+          <a:p>
+            <a:r>
+              <a:rPr lang="en-IN" sz="600" dirty="0">
+                <a:solidFill>
+                  <a:schemeClr val="tx1"/>
+                </a:solidFill>
+              </a:rPr>
+              <a:t>   n = </a:t>
+            </a:r>
+            <a:r>
+              <a:rPr lang="en-IN" sz="600" b="1" dirty="0" err="1">
+                <a:solidFill>
+                  <a:schemeClr val="accent2">
+                    <a:lumMod val="75000"/>
+                  </a:schemeClr>
+                </a:solidFill>
+              </a:rPr>
+              <a:t>getChildNode</a:t>
+            </a:r>
+            <a:r>
+              <a:rPr lang="en-IN" sz="600" dirty="0">
+                <a:solidFill>
+                  <a:schemeClr val="tx1"/>
+                </a:solidFill>
+              </a:rPr>
+              <a:t>(tree, n, </a:t>
+            </a:r>
+            <a:r>
+              <a:rPr lang="en-IN" sz="600" dirty="0" err="1">
+                <a:solidFill>
+                  <a:schemeClr val="tx1"/>
+                </a:solidFill>
+              </a:rPr>
+              <a:t>childIndex</a:t>
+            </a:r>
+            <a:r>
+              <a:rPr lang="en-IN" sz="600" dirty="0">
+                <a:solidFill>
+                  <a:schemeClr val="tx1"/>
+                </a:solidFill>
+              </a:rPr>
+              <a:t>)</a:t>
+            </a:r>
+          </a:p>
+          <a:p>
+            <a:r>
+              <a:rPr lang="en-IN" sz="600" dirty="0">
+                <a:solidFill>
+                  <a:schemeClr val="tx1"/>
+                </a:solidFill>
+              </a:rPr>
+              <a:t>    </a:t>
+            </a:r>
+            <a:r>
+              <a:rPr lang="en-IN" sz="600" dirty="0">
+                <a:solidFill>
+                  <a:schemeClr val="accent6"/>
+                </a:solidFill>
+              </a:rPr>
+              <a:t>// …</a:t>
+            </a:r>
+          </a:p>
+        </p:txBody>
+      </p:sp>
+      <p:sp>
+        <p:nvSpPr>
+          <p:cNvPr id="169" name="TextBox 168">
+            <a:extLst>
+              <a:ext uri="{FF2B5EF4-FFF2-40B4-BE49-F238E27FC236}">
+                <a16:creationId xmlns:a16="http://schemas.microsoft.com/office/drawing/2014/main" id="{F5C2280F-27E2-4A2B-BDFF-33955E2F93FE}"/>
+              </a:ext>
+            </a:extLst>
+          </p:cNvPr>
+          <p:cNvSpPr txBox="1"/>
+          <p:nvPr/>
+        </p:nvSpPr>
+        <p:spPr>
+          <a:xfrm>
+            <a:off x="213360" y="138498"/>
+            <a:ext cx="1216503" cy="276999"/>
+          </a:xfrm>
+          <a:prstGeom prst="rect">
+            <a:avLst/>
+          </a:prstGeom>
+          <a:noFill/>
+        </p:spPr>
+        <p:txBody>
+          <a:bodyPr wrap="square" rtlCol="0">
+            <a:spAutoFit/>
+          </a:bodyPr>
+          <a:lstStyle/>
+          <a:p>
+            <a:r>
+              <a:rPr lang="en-US" sz="1200" dirty="0"/>
+              <a:t>User code</a:t>
+            </a:r>
+            <a:endParaRPr lang="en-IN" sz="1200" dirty="0"/>
+          </a:p>
+        </p:txBody>
+      </p:sp>
+      <p:sp>
+        <p:nvSpPr>
+          <p:cNvPr id="170" name="TextBox 169">
+            <a:extLst>
+              <a:ext uri="{FF2B5EF4-FFF2-40B4-BE49-F238E27FC236}">
+                <a16:creationId xmlns:a16="http://schemas.microsoft.com/office/drawing/2014/main" id="{314BA194-0913-4F5A-B944-E966DE7FB683}"/>
+              </a:ext>
+            </a:extLst>
+          </p:cNvPr>
+          <p:cNvSpPr txBox="1"/>
+          <p:nvPr/>
+        </p:nvSpPr>
+        <p:spPr>
+          <a:xfrm>
+            <a:off x="175305" y="861428"/>
+            <a:ext cx="1216503" cy="276999"/>
+          </a:xfrm>
+          <a:prstGeom prst="rect">
+            <a:avLst/>
+          </a:prstGeom>
+          <a:noFill/>
+        </p:spPr>
+        <p:txBody>
+          <a:bodyPr wrap="square" rtlCol="0">
+            <a:spAutoFit/>
+          </a:bodyPr>
+          <a:lstStyle/>
+          <a:p>
+            <a:r>
+              <a:rPr lang="en-US" sz="1200" dirty="0"/>
+              <a:t>High level IR</a:t>
+            </a:r>
+            <a:endParaRPr lang="en-IN" sz="1200" dirty="0"/>
+          </a:p>
+        </p:txBody>
+      </p:sp>
+      <p:sp>
+        <p:nvSpPr>
+          <p:cNvPr id="171" name="TextBox 170">
+            <a:extLst>
+              <a:ext uri="{FF2B5EF4-FFF2-40B4-BE49-F238E27FC236}">
+                <a16:creationId xmlns:a16="http://schemas.microsoft.com/office/drawing/2014/main" id="{3BE02F0C-19E5-41FC-9E42-0085E39ADE3E}"/>
+              </a:ext>
+            </a:extLst>
+          </p:cNvPr>
+          <p:cNvSpPr txBox="1"/>
+          <p:nvPr/>
+        </p:nvSpPr>
+        <p:spPr>
+          <a:xfrm>
+            <a:off x="201048" y="2615344"/>
+            <a:ext cx="1216503" cy="276999"/>
+          </a:xfrm>
+          <a:prstGeom prst="rect">
+            <a:avLst/>
+          </a:prstGeom>
+          <a:noFill/>
+        </p:spPr>
+        <p:txBody>
+          <a:bodyPr wrap="square" rtlCol="0">
+            <a:spAutoFit/>
+          </a:bodyPr>
+          <a:lstStyle/>
+          <a:p>
+            <a:r>
+              <a:rPr lang="en-US" sz="1200" dirty="0"/>
+              <a:t>Mid level IR</a:t>
+            </a:r>
+            <a:endParaRPr lang="en-IN" sz="1200" dirty="0"/>
+          </a:p>
+        </p:txBody>
+      </p:sp>
+      <p:sp>
+        <p:nvSpPr>
+          <p:cNvPr id="172" name="TextBox 171">
+            <a:extLst>
+              <a:ext uri="{FF2B5EF4-FFF2-40B4-BE49-F238E27FC236}">
+                <a16:creationId xmlns:a16="http://schemas.microsoft.com/office/drawing/2014/main" id="{0CBAB33F-D1EE-4EB4-82E4-ED713F82D9A5}"/>
+              </a:ext>
+            </a:extLst>
+          </p:cNvPr>
+          <p:cNvSpPr txBox="1"/>
+          <p:nvPr/>
+        </p:nvSpPr>
+        <p:spPr>
+          <a:xfrm>
+            <a:off x="213359" y="4777740"/>
+            <a:ext cx="1216503" cy="276999"/>
+          </a:xfrm>
+          <a:prstGeom prst="rect">
+            <a:avLst/>
+          </a:prstGeom>
+          <a:noFill/>
+        </p:spPr>
+        <p:txBody>
+          <a:bodyPr wrap="square" rtlCol="0">
+            <a:spAutoFit/>
+          </a:bodyPr>
+          <a:lstStyle/>
+          <a:p>
+            <a:r>
+              <a:rPr lang="en-US" sz="1200" dirty="0"/>
+              <a:t>Low level IR</a:t>
+            </a:r>
+            <a:endParaRPr lang="en-IN" sz="1200" dirty="0"/>
+          </a:p>
+        </p:txBody>
+      </p:sp>
+      <p:sp>
+        <p:nvSpPr>
+          <p:cNvPr id="173" name="Arrow: Right 172">
+            <a:extLst>
+              <a:ext uri="{FF2B5EF4-FFF2-40B4-BE49-F238E27FC236}">
+                <a16:creationId xmlns:a16="http://schemas.microsoft.com/office/drawing/2014/main" id="{52EAC91F-0B37-4F50-B0AE-06C7E6220487}"/>
+              </a:ext>
+            </a:extLst>
+          </p:cNvPr>
+          <p:cNvSpPr/>
+          <p:nvPr/>
+        </p:nvSpPr>
+        <p:spPr>
+          <a:xfrm>
+            <a:off x="6450377" y="5423711"/>
+            <a:ext cx="635890" cy="297924"/>
+          </a:xfrm>
+          <a:prstGeom prst="rightArrow">
+            <a:avLst/>
+          </a:prstGeom>
+          <a:noFill/>
+        </p:spPr>
+        <p:style>
+          <a:lnRef idx="2">
+            <a:schemeClr val="accent1">
+              <a:shade val="50000"/>
+            </a:schemeClr>
+          </a:lnRef>
+          <a:fillRef idx="1">
+            <a:schemeClr val="accent1"/>
+          </a:fillRef>
+          <a:effectRef idx="0">
+            <a:schemeClr val="accent1"/>
+          </a:effectRef>
+          <a:fontRef idx="minor">
+            <a:schemeClr val="lt1"/>
+          </a:fontRef>
+        </p:style>
+        <p:txBody>
+          <a:bodyPr rtlCol="0" anchor="ctr"/>
+          <a:lstStyle/>
+          <a:p>
+            <a:pPr algn="ctr"/>
+            <a:endParaRPr lang="en-IN"/>
+          </a:p>
+        </p:txBody>
+      </p:sp>
+      <p:sp>
+        <p:nvSpPr>
+          <p:cNvPr id="174" name="TextBox 173">
+            <a:extLst>
+              <a:ext uri="{FF2B5EF4-FFF2-40B4-BE49-F238E27FC236}">
+                <a16:creationId xmlns:a16="http://schemas.microsoft.com/office/drawing/2014/main" id="{3F053F30-87F1-44F7-AAAB-264F0CC5A329}"/>
+              </a:ext>
+            </a:extLst>
+          </p:cNvPr>
+          <p:cNvSpPr txBox="1"/>
+          <p:nvPr/>
+        </p:nvSpPr>
+        <p:spPr>
+          <a:xfrm>
+            <a:off x="6382964" y="5768751"/>
+            <a:ext cx="806118" cy="369332"/>
+          </a:xfrm>
+          <a:prstGeom prst="rect">
+            <a:avLst/>
+          </a:prstGeom>
+          <a:noFill/>
+        </p:spPr>
+        <p:txBody>
+          <a:bodyPr wrap="square" rtlCol="0">
+            <a:spAutoFit/>
+          </a:bodyPr>
+          <a:lstStyle/>
+          <a:p>
+            <a:r>
+              <a:rPr lang="en-US" sz="900" dirty="0"/>
+              <a:t>Lower to LLVM IR</a:t>
+            </a:r>
+            <a:endParaRPr lang="en-IN" sz="900" dirty="0"/>
+          </a:p>
+        </p:txBody>
+      </p:sp>
+    </p:spTree>
+    <p:extLst>
+      <p:ext uri="{BB962C8B-B14F-4D97-AF65-F5344CB8AC3E}">
+        <p14:creationId xmlns:p14="http://schemas.microsoft.com/office/powerpoint/2010/main" val="3656034954"/>
       </p:ext>
     </p:extLst>
   </p:cSld>
@@ -4473,4 +11963,299 @@
     </a:ext>
   </a:extLst>
 </a:theme>
+</file>
+
+<file path=ppt/theme/theme2.xml><?xml version="1.0" encoding="utf-8"?>
+<a:theme xmlns:a="http://schemas.openxmlformats.org/drawingml/2006/main" name="Office Theme">
+  <a:themeElements>
+    <a:clrScheme name="Office">
+      <a:dk1>
+        <a:sysClr val="windowText" lastClr="000000"/>
+      </a:dk1>
+      <a:lt1>
+        <a:sysClr val="window" lastClr="FFFFFF"/>
+      </a:lt1>
+      <a:dk2>
+        <a:srgbClr val="44546A"/>
+      </a:dk2>
+      <a:lt2>
+        <a:srgbClr val="E7E6E6"/>
+      </a:lt2>
+      <a:accent1>
+        <a:srgbClr val="4472C4"/>
+      </a:accent1>
+      <a:accent2>
+        <a:srgbClr val="ED7D31"/>
+      </a:accent2>
+      <a:accent3>
+        <a:srgbClr val="A5A5A5"/>
+      </a:accent3>
+      <a:accent4>
+        <a:srgbClr val="FFC000"/>
+      </a:accent4>
+      <a:accent5>
+        <a:srgbClr val="5B9BD5"/>
+      </a:accent5>
+      <a:accent6>
+        <a:srgbClr val="70AD47"/>
+      </a:accent6>
+      <a:hlink>
+        <a:srgbClr val="0563C1"/>
+      </a:hlink>
+      <a:folHlink>
+        <a:srgbClr val="954F72"/>
+      </a:folHlink>
+    </a:clrScheme>
+    <a:fontScheme name="Office">
+      <a:majorFont>
+        <a:latin typeface="Calibri Light" panose="020F0302020204030204"/>
+        <a:ea typeface=""/>
+        <a:cs typeface=""/>
+        <a:font script="Jpan" typeface="游ゴシック Light"/>
+        <a:font script="Hang" typeface="맑은 고딕"/>
+        <a:font script="Hans" typeface="等线 Light"/>
+        <a:font script="Hant" typeface="新細明體"/>
+        <a:font script="Arab" typeface="Times New Roman"/>
+        <a:font script="Hebr" typeface="Times New Roman"/>
+        <a:font script="Thai" typeface="Angsana New"/>
+        <a:font script="Ethi" typeface="Nyala"/>
+        <a:font script="Beng" typeface="Vrinda"/>
+        <a:font script="Gujr" typeface="Shruti"/>
+        <a:font script="Khmr" typeface="MoolBoran"/>
+        <a:font script="Knda" typeface="Tunga"/>
+        <a:font script="Guru" typeface="Raavi"/>
+        <a:font script="Cans" typeface="Euphemia"/>
+        <a:font script="Cher" typeface="Plantagenet Cherokee"/>
+        <a:font script="Yiii" typeface="Microsoft Yi Baiti"/>
+        <a:font script="Tibt" typeface="Microsoft Himalaya"/>
+        <a:font script="Thaa" typeface="MV Boli"/>
+        <a:font script="Deva" typeface="Mangal"/>
+        <a:font script="Telu" typeface="Gautami"/>
+        <a:font script="Taml" typeface="Latha"/>
+        <a:font script="Syrc" typeface="Estrangelo Edessa"/>
+        <a:font script="Orya" typeface="Kalinga"/>
+        <a:font script="Mlym" typeface="Kartika"/>
+        <a:font script="Laoo" typeface="DokChampa"/>
+        <a:font script="Sinh" typeface="Iskoola Pota"/>
+        <a:font script="Mong" typeface="Mongolian Baiti"/>
+        <a:font script="Viet" typeface="Times New Roman"/>
+        <a:font script="Uigh" typeface="Microsoft Uighur"/>
+        <a:font script="Geor" typeface="Sylfaen"/>
+        <a:font script="Armn" typeface="Arial"/>
+        <a:font script="Bugi" typeface="Leelawadee UI"/>
+        <a:font script="Bopo" typeface="Microsoft JhengHei"/>
+        <a:font script="Java" typeface="Javanese Text"/>
+        <a:font script="Lisu" typeface="Segoe UI"/>
+        <a:font script="Mymr" typeface="Myanmar Text"/>
+        <a:font script="Nkoo" typeface="Ebrima"/>
+        <a:font script="Olck" typeface="Nirmala UI"/>
+        <a:font script="Osma" typeface="Ebrima"/>
+        <a:font script="Phag" typeface="Phagspa"/>
+        <a:font script="Syrn" typeface="Estrangelo Edessa"/>
+        <a:font script="Syrj" typeface="Estrangelo Edessa"/>
+        <a:font script="Syre" typeface="Estrangelo Edessa"/>
+        <a:font script="Sora" typeface="Nirmala UI"/>
+        <a:font script="Tale" typeface="Microsoft Tai Le"/>
+        <a:font script="Talu" typeface="Microsoft New Tai Lue"/>
+        <a:font script="Tfng" typeface="Ebrima"/>
+      </a:majorFont>
+      <a:minorFont>
+        <a:latin typeface="Calibri" panose="020F0502020204030204"/>
+        <a:ea typeface=""/>
+        <a:cs typeface=""/>
+        <a:font script="Jpan" typeface="游ゴシック"/>
+        <a:font script="Hang" typeface="맑은 고딕"/>
+        <a:font script="Hans" typeface="等线"/>
+        <a:font script="Hant" typeface="新細明體"/>
+        <a:font script="Arab" typeface="Arial"/>
+        <a:font script="Hebr" typeface="Arial"/>
+        <a:font script="Thai" typeface="Cordia New"/>
+        <a:font script="Ethi" typeface="Nyala"/>
+        <a:font script="Beng" typeface="Vrinda"/>
+        <a:font script="Gujr" typeface="Shruti"/>
+        <a:font script="Khmr" typeface="DaunPenh"/>
+        <a:font script="Knda" typeface="Tunga"/>
+        <a:font script="Guru" typeface="Raavi"/>
+        <a:font script="Cans" typeface="Euphemia"/>
+        <a:font script="Cher" typeface="Plantagenet Cherokee"/>
+        <a:font script="Yiii" typeface="Microsoft Yi Baiti"/>
+        <a:font script="Tibt" typeface="Microsoft Himalaya"/>
+        <a:font script="Thaa" typeface="MV Boli"/>
+        <a:font script="Deva" typeface="Mangal"/>
+        <a:font script="Telu" typeface="Gautami"/>
+        <a:font script="Taml" typeface="Latha"/>
+        <a:font script="Syrc" typeface="Estrangelo Edessa"/>
+        <a:font script="Orya" typeface="Kalinga"/>
+        <a:font script="Mlym" typeface="Kartika"/>
+        <a:font script="Laoo" typeface="DokChampa"/>
+        <a:font script="Sinh" typeface="Iskoola Pota"/>
+        <a:font script="Mong" typeface="Mongolian Baiti"/>
+        <a:font script="Viet" typeface="Arial"/>
+        <a:font script="Uigh" typeface="Microsoft Uighur"/>
+        <a:font script="Geor" typeface="Sylfaen"/>
+        <a:font script="Armn" typeface="Arial"/>
+        <a:font script="Bugi" typeface="Leelawadee UI"/>
+        <a:font script="Bopo" typeface="Microsoft JhengHei"/>
+        <a:font script="Java" typeface="Javanese Text"/>
+        <a:font script="Lisu" typeface="Segoe UI"/>
+        <a:font script="Mymr" typeface="Myanmar Text"/>
+        <a:font script="Nkoo" typeface="Ebrima"/>
+        <a:font script="Olck" typeface="Nirmala UI"/>
+        <a:font script="Osma" typeface="Ebrima"/>
+        <a:font script="Phag" typeface="Phagspa"/>
+        <a:font script="Syrn" typeface="Estrangelo Edessa"/>
+        <a:font script="Syrj" typeface="Estrangelo Edessa"/>
+        <a:font script="Syre" typeface="Estrangelo Edessa"/>
+        <a:font script="Sora" typeface="Nirmala UI"/>
+        <a:font script="Tale" typeface="Microsoft Tai Le"/>
+        <a:font script="Talu" typeface="Microsoft New Tai Lue"/>
+        <a:font script="Tfng" typeface="Ebrima"/>
+      </a:minorFont>
+    </a:fontScheme>
+    <a:fmtScheme name="Office">
+      <a:fillStyleLst>
+        <a:solidFill>
+          <a:schemeClr val="phClr"/>
+        </a:solidFill>
+        <a:gradFill rotWithShape="1">
+          <a:gsLst>
+            <a:gs pos="0">
+              <a:schemeClr val="phClr">
+                <a:lumMod val="110000"/>
+                <a:satMod val="105000"/>
+                <a:tint val="67000"/>
+              </a:schemeClr>
+            </a:gs>
+            <a:gs pos="50000">
+              <a:schemeClr val="phClr">
+                <a:lumMod val="105000"/>
+                <a:satMod val="103000"/>
+                <a:tint val="73000"/>
+              </a:schemeClr>
+            </a:gs>
+            <a:gs pos="100000">
+              <a:schemeClr val="phClr">
+                <a:lumMod val="105000"/>
+                <a:satMod val="109000"/>
+                <a:tint val="81000"/>
+              </a:schemeClr>
+            </a:gs>
+          </a:gsLst>
+          <a:lin ang="5400000" scaled="0"/>
+        </a:gradFill>
+        <a:gradFill rotWithShape="1">
+          <a:gsLst>
+            <a:gs pos="0">
+              <a:schemeClr val="phClr">
+                <a:satMod val="103000"/>
+                <a:lumMod val="102000"/>
+                <a:tint val="94000"/>
+              </a:schemeClr>
+            </a:gs>
+            <a:gs pos="50000">
+              <a:schemeClr val="phClr">
+                <a:satMod val="110000"/>
+                <a:lumMod val="100000"/>
+                <a:shade val="100000"/>
+              </a:schemeClr>
+            </a:gs>
+            <a:gs pos="100000">
+              <a:schemeClr val="phClr">
+                <a:lumMod val="99000"/>
+                <a:satMod val="120000"/>
+                <a:shade val="78000"/>
+              </a:schemeClr>
+            </a:gs>
+          </a:gsLst>
+          <a:lin ang="5400000" scaled="0"/>
+        </a:gradFill>
+      </a:fillStyleLst>
+      <a:lnStyleLst>
+        <a:ln w="6350" cap="flat" cmpd="sng" algn="ctr">
+          <a:solidFill>
+            <a:schemeClr val="phClr"/>
+          </a:solidFill>
+          <a:prstDash val="solid"/>
+          <a:miter lim="800000"/>
+        </a:ln>
+        <a:ln w="12700" cap="flat" cmpd="sng" algn="ctr">
+          <a:solidFill>
+            <a:schemeClr val="phClr"/>
+          </a:solidFill>
+          <a:prstDash val="solid"/>
+          <a:miter lim="800000"/>
+        </a:ln>
+        <a:ln w="19050" cap="flat" cmpd="sng" algn="ctr">
+          <a:solidFill>
+            <a:schemeClr val="phClr"/>
+          </a:solidFill>
+          <a:prstDash val="solid"/>
+          <a:miter lim="800000"/>
+        </a:ln>
+      </a:lnStyleLst>
+      <a:effectStyleLst>
+        <a:effectStyle>
+          <a:effectLst/>
+        </a:effectStyle>
+        <a:effectStyle>
+          <a:effectLst/>
+        </a:effectStyle>
+        <a:effectStyle>
+          <a:effectLst>
+            <a:outerShdw blurRad="57150" dist="19050" dir="5400000" algn="ctr" rotWithShape="0">
+              <a:srgbClr val="000000">
+                <a:alpha val="63000"/>
+              </a:srgbClr>
+            </a:outerShdw>
+          </a:effectLst>
+        </a:effectStyle>
+      </a:effectStyleLst>
+      <a:bgFillStyleLst>
+        <a:solidFill>
+          <a:schemeClr val="phClr"/>
+        </a:solidFill>
+        <a:solidFill>
+          <a:schemeClr val="phClr">
+            <a:tint val="95000"/>
+            <a:satMod val="170000"/>
+          </a:schemeClr>
+        </a:solidFill>
+        <a:gradFill rotWithShape="1">
+          <a:gsLst>
+            <a:gs pos="0">
+              <a:schemeClr val="phClr">
+                <a:tint val="93000"/>
+                <a:satMod val="150000"/>
+                <a:shade val="98000"/>
+                <a:lumMod val="102000"/>
+              </a:schemeClr>
+            </a:gs>
+            <a:gs pos="50000">
+              <a:schemeClr val="phClr">
+                <a:tint val="98000"/>
+                <a:satMod val="130000"/>
+                <a:shade val="90000"/>
+                <a:lumMod val="103000"/>
+              </a:schemeClr>
+            </a:gs>
+            <a:gs pos="100000">
+              <a:schemeClr val="phClr">
+                <a:shade val="63000"/>
+                <a:satMod val="120000"/>
+              </a:schemeClr>
+            </a:gs>
+          </a:gsLst>
+          <a:lin ang="5400000" scaled="0"/>
+        </a:gradFill>
+      </a:bgFillStyleLst>
+    </a:fmtScheme>
+  </a:themeElements>
+  <a:objectDefaults/>
+  <a:extraClrSchemeLst/>
+  <a:extLst>
+    <a:ext uri="{05A4C25C-085E-4340-85A3-A5531E510DB2}">
+      <thm15:themeFamily xmlns:thm15="http://schemas.microsoft.com/office/thememl/2012/main" name="Office Theme" id="{62F939B6-93AF-4DB8-9C6B-D6C7DFDC589F}" vid="{4A3C46E8-61CC-4603-A589-7422A47A8E4A}"/>
+    </a:ext>
+  </a:extLst>
+</a:theme>
 </file>
--- a/docs/MICRO 2022/figures/Figures.pptx
+++ b/docs/MICRO 2022/figures/Figures.pptx
@@ -1099,7 +1099,7 @@
 </file>
 
 <file path=ppt/slideLayouts/slideLayout2.xml><?xml version="1.0" encoding="utf-8"?>
-<p:sldLayout xmlns:a="http://schemas.openxmlformats.org/drawingml/2006/main" xmlns:r="http://schemas.openxmlformats.org/officeDocument/2006/relationships" xmlns:p="http://schemas.openxmlformats.org/presentationml/2006/main" type="obj" preserve="1">
+<p:sldLayout xmlns:a="http://schemas.openxmlformats.org/drawingml/2006/main" xmlns:r="http://schemas.openxmlformats.org/officeDocument/2006/relationships" xmlns:p="http://schemas.openxmlformats.org/presentationml/2006/main" showMasterSp="0" type="obj" preserve="1">
   <p:cSld name="Title and Content">
     <p:spTree>
       <p:nvGrpSpPr>
@@ -1204,10 +1204,10 @@
       </p:sp>
       <p:sp>
         <p:nvSpPr>
-          <p:cNvPr id="4" name="Date Placeholder 3">
+          <p:cNvPr id="7" name="Date Placeholder 6">
             <a:extLst>
               <a:ext uri="{FF2B5EF4-FFF2-40B4-BE49-F238E27FC236}">
-                <a16:creationId xmlns:a16="http://schemas.microsoft.com/office/drawing/2014/main" id="{A2D686F3-610F-47F2-987B-C2EE44BB46B3}"/>
+                <a16:creationId xmlns:a16="http://schemas.microsoft.com/office/drawing/2014/main" id="{07F8DEA7-902C-850E-6F02-FCB9DB2D3F95}"/>
               </a:ext>
             </a:extLst>
           </p:cNvPr>
@@ -1233,10 +1233,10 @@
       </p:sp>
       <p:sp>
         <p:nvSpPr>
-          <p:cNvPr id="5" name="Footer Placeholder 4">
+          <p:cNvPr id="8" name="Footer Placeholder 7">
             <a:extLst>
               <a:ext uri="{FF2B5EF4-FFF2-40B4-BE49-F238E27FC236}">
-                <a16:creationId xmlns:a16="http://schemas.microsoft.com/office/drawing/2014/main" id="{74853D5C-32F6-4AB4-94A8-C34EA7111912}"/>
+                <a16:creationId xmlns:a16="http://schemas.microsoft.com/office/drawing/2014/main" id="{1E338DD9-669E-5A2B-D96C-09F73102269D}"/>
               </a:ext>
             </a:extLst>
           </p:cNvPr>
@@ -1258,10 +1258,10 @@
       </p:sp>
       <p:sp>
         <p:nvSpPr>
-          <p:cNvPr id="6" name="Slide Number Placeholder 5">
+          <p:cNvPr id="9" name="Slide Number Placeholder 8">
             <a:extLst>
               <a:ext uri="{FF2B5EF4-FFF2-40B4-BE49-F238E27FC236}">
-                <a16:creationId xmlns:a16="http://schemas.microsoft.com/office/drawing/2014/main" id="{4A067C7B-CA77-4829-B2BE-5153A5889334}"/>
+                <a16:creationId xmlns:a16="http://schemas.microsoft.com/office/drawing/2014/main" id="{EA2F60D8-D7AF-AE64-EBE6-A8DF0FF924F0}"/>
               </a:ext>
             </a:extLst>
           </p:cNvPr>
